--- a/需求分析/ER图.pptx
+++ b/需求分析/ER图.pptx
@@ -5,7 +5,7 @@
     <p:sldMasterId id="2147483672" r:id="rId1"/>
   </p:sldMasterIdLst>
   <p:notesMasterIdLst>
-    <p:notesMasterId r:id="rId8"/>
+    <p:notesMasterId r:id="rId9"/>
   </p:notesMasterIdLst>
   <p:sldIdLst>
     <p:sldId id="256" r:id="rId2"/>
@@ -13,7 +13,8 @@
     <p:sldId id="258" r:id="rId4"/>
     <p:sldId id="260" r:id="rId5"/>
     <p:sldId id="261" r:id="rId6"/>
-    <p:sldId id="259" r:id="rId7"/>
+    <p:sldId id="262" r:id="rId7"/>
+    <p:sldId id="259" r:id="rId8"/>
   </p:sldIdLst>
   <p:sldSz cx="12801600" cy="9601200" type="A3"/>
   <p:notesSz cx="6858000" cy="9144000"/>
@@ -214,7 +215,7 @@
           <a:p>
             <a:fld id="{F627F6C9-35BE-7343-958C-83BD990DDE18}" type="datetimeFigureOut">
               <a:rPr kumimoji="1" lang="zh-CN" altLang="en-US" smtClean="0"/>
-              <a:t>2021/5/12</a:t>
+              <a:t>2021/6/17</a:t>
             </a:fld>
             <a:endParaRPr kumimoji="1" lang="zh-CN" altLang="en-US"/>
           </a:p>
@@ -926,6 +927,95 @@
 </p:notes>
 </file>
 
+<file path=ppt/notesSlides/notesSlide6.xml><?xml version="1.0" encoding="utf-8"?>
+<p:notes xmlns:a="http://schemas.openxmlformats.org/drawingml/2006/main" xmlns:r="http://schemas.openxmlformats.org/officeDocument/2006/relationships" xmlns:p="http://schemas.openxmlformats.org/presentationml/2006/main">
+  <p:cSld>
+    <p:spTree>
+      <p:nvGrpSpPr>
+        <p:cNvPr id="1" name=""/>
+        <p:cNvGrpSpPr/>
+        <p:nvPr/>
+      </p:nvGrpSpPr>
+      <p:grpSpPr>
+        <a:xfrm>
+          <a:off x="0" y="0"/>
+          <a:ext cx="0" cy="0"/>
+          <a:chOff x="0" y="0"/>
+          <a:chExt cx="0" cy="0"/>
+        </a:xfrm>
+      </p:grpSpPr>
+      <p:sp>
+        <p:nvSpPr>
+          <p:cNvPr id="2" name="幻灯片图像占位符 1"/>
+          <p:cNvSpPr>
+            <a:spLocks noGrp="1" noRot="1" noChangeAspect="1"/>
+          </p:cNvSpPr>
+          <p:nvPr>
+            <p:ph type="sldImg"/>
+          </p:nvPr>
+        </p:nvSpPr>
+        <p:spPr>
+          <a:xfrm>
+            <a:off x="1371600" y="1143000"/>
+            <a:ext cx="4114800" cy="3086100"/>
+          </a:xfrm>
+        </p:spPr>
+      </p:sp>
+      <p:sp>
+        <p:nvSpPr>
+          <p:cNvPr id="3" name="备注占位符 2"/>
+          <p:cNvSpPr>
+            <a:spLocks noGrp="1"/>
+          </p:cNvSpPr>
+          <p:nvPr>
+            <p:ph type="body" idx="1"/>
+          </p:nvPr>
+        </p:nvSpPr>
+        <p:spPr/>
+        <p:txBody>
+          <a:bodyPr/>
+          <a:lstStyle/>
+          <a:p>
+            <a:endParaRPr kumimoji="1" lang="zh-CN" altLang="en-US" dirty="0"/>
+          </a:p>
+        </p:txBody>
+      </p:sp>
+      <p:sp>
+        <p:nvSpPr>
+          <p:cNvPr id="4" name="灯片编号占位符 3"/>
+          <p:cNvSpPr>
+            <a:spLocks noGrp="1"/>
+          </p:cNvSpPr>
+          <p:nvPr>
+            <p:ph type="sldNum" sz="quarter" idx="5"/>
+          </p:nvPr>
+        </p:nvSpPr>
+        <p:spPr/>
+        <p:txBody>
+          <a:bodyPr/>
+          <a:lstStyle/>
+          <a:p>
+            <a:fld id="{7F2AF0CD-AFFA-EC4D-B146-19776281E176}" type="slidenum">
+              <a:rPr kumimoji="1" lang="zh-CN" altLang="en-US" smtClean="0"/>
+              <a:t>6</a:t>
+            </a:fld>
+            <a:endParaRPr kumimoji="1" lang="zh-CN" altLang="en-US"/>
+          </a:p>
+        </p:txBody>
+      </p:sp>
+    </p:spTree>
+    <p:extLst>
+      <p:ext uri="{BB962C8B-B14F-4D97-AF65-F5344CB8AC3E}">
+        <p14:creationId xmlns:p14="http://schemas.microsoft.com/office/powerpoint/2010/main" val="3362935735"/>
+      </p:ext>
+    </p:extLst>
+  </p:cSld>
+  <p:clrMapOvr>
+    <a:masterClrMapping/>
+  </p:clrMapOvr>
+</p:notes>
+</file>
+
 <file path=ppt/slideLayouts/slideLayout1.xml><?xml version="1.0" encoding="utf-8"?>
 <p:sldLayout xmlns:a="http://schemas.openxmlformats.org/drawingml/2006/main" xmlns:r="http://schemas.openxmlformats.org/officeDocument/2006/relationships" xmlns:p="http://schemas.openxmlformats.org/presentationml/2006/main" type="title" preserve="1">
   <p:cSld name="标题幻灯片">
@@ -1057,7 +1147,7 @@
           <a:p>
             <a:fld id="{BF57C4DB-5A98-C94C-A436-D92625D836F2}" type="datetimeFigureOut">
               <a:rPr kumimoji="1" lang="zh-CN" altLang="en-US" smtClean="0"/>
-              <a:t>2021/5/12</a:t>
+              <a:t>2021/6/17</a:t>
             </a:fld>
             <a:endParaRPr kumimoji="1" lang="zh-CN" altLang="en-US"/>
           </a:p>
@@ -1227,7 +1317,7 @@
           <a:p>
             <a:fld id="{BF57C4DB-5A98-C94C-A436-D92625D836F2}" type="datetimeFigureOut">
               <a:rPr kumimoji="1" lang="zh-CN" altLang="en-US" smtClean="0"/>
-              <a:t>2021/5/12</a:t>
+              <a:t>2021/6/17</a:t>
             </a:fld>
             <a:endParaRPr kumimoji="1" lang="zh-CN" altLang="en-US"/>
           </a:p>
@@ -1407,7 +1497,7 @@
           <a:p>
             <a:fld id="{BF57C4DB-5A98-C94C-A436-D92625D836F2}" type="datetimeFigureOut">
               <a:rPr kumimoji="1" lang="zh-CN" altLang="en-US" smtClean="0"/>
-              <a:t>2021/5/12</a:t>
+              <a:t>2021/6/17</a:t>
             </a:fld>
             <a:endParaRPr kumimoji="1" lang="zh-CN" altLang="en-US"/>
           </a:p>
@@ -1577,7 +1667,7 @@
           <a:p>
             <a:fld id="{BF57C4DB-5A98-C94C-A436-D92625D836F2}" type="datetimeFigureOut">
               <a:rPr kumimoji="1" lang="zh-CN" altLang="en-US" smtClean="0"/>
-              <a:t>2021/5/12</a:t>
+              <a:t>2021/6/17</a:t>
             </a:fld>
             <a:endParaRPr kumimoji="1" lang="zh-CN" altLang="en-US"/>
           </a:p>
@@ -1821,7 +1911,7 @@
           <a:p>
             <a:fld id="{BF57C4DB-5A98-C94C-A436-D92625D836F2}" type="datetimeFigureOut">
               <a:rPr kumimoji="1" lang="zh-CN" altLang="en-US" smtClean="0"/>
-              <a:t>2021/5/12</a:t>
+              <a:t>2021/6/17</a:t>
             </a:fld>
             <a:endParaRPr kumimoji="1" lang="zh-CN" altLang="en-US"/>
           </a:p>
@@ -2053,7 +2143,7 @@
           <a:p>
             <a:fld id="{BF57C4DB-5A98-C94C-A436-D92625D836F2}" type="datetimeFigureOut">
               <a:rPr kumimoji="1" lang="zh-CN" altLang="en-US" smtClean="0"/>
-              <a:t>2021/5/12</a:t>
+              <a:t>2021/6/17</a:t>
             </a:fld>
             <a:endParaRPr kumimoji="1" lang="zh-CN" altLang="en-US"/>
           </a:p>
@@ -2420,7 +2510,7 @@
           <a:p>
             <a:fld id="{BF57C4DB-5A98-C94C-A436-D92625D836F2}" type="datetimeFigureOut">
               <a:rPr kumimoji="1" lang="zh-CN" altLang="en-US" smtClean="0"/>
-              <a:t>2021/5/12</a:t>
+              <a:t>2021/6/17</a:t>
             </a:fld>
             <a:endParaRPr kumimoji="1" lang="zh-CN" altLang="en-US"/>
           </a:p>
@@ -2538,7 +2628,7 @@
           <a:p>
             <a:fld id="{BF57C4DB-5A98-C94C-A436-D92625D836F2}" type="datetimeFigureOut">
               <a:rPr kumimoji="1" lang="zh-CN" altLang="en-US" smtClean="0"/>
-              <a:t>2021/5/12</a:t>
+              <a:t>2021/6/17</a:t>
             </a:fld>
             <a:endParaRPr kumimoji="1" lang="zh-CN" altLang="en-US"/>
           </a:p>
@@ -2633,7 +2723,7 @@
           <a:p>
             <a:fld id="{BF57C4DB-5A98-C94C-A436-D92625D836F2}" type="datetimeFigureOut">
               <a:rPr kumimoji="1" lang="zh-CN" altLang="en-US" smtClean="0"/>
-              <a:t>2021/5/12</a:t>
+              <a:t>2021/6/17</a:t>
             </a:fld>
             <a:endParaRPr kumimoji="1" lang="zh-CN" altLang="en-US"/>
           </a:p>
@@ -2910,7 +3000,7 @@
           <a:p>
             <a:fld id="{BF57C4DB-5A98-C94C-A436-D92625D836F2}" type="datetimeFigureOut">
               <a:rPr kumimoji="1" lang="zh-CN" altLang="en-US" smtClean="0"/>
-              <a:t>2021/5/12</a:t>
+              <a:t>2021/6/17</a:t>
             </a:fld>
             <a:endParaRPr kumimoji="1" lang="zh-CN" altLang="en-US"/>
           </a:p>
@@ -3167,7 +3257,7 @@
           <a:p>
             <a:fld id="{BF57C4DB-5A98-C94C-A436-D92625D836F2}" type="datetimeFigureOut">
               <a:rPr kumimoji="1" lang="zh-CN" altLang="en-US" smtClean="0"/>
-              <a:t>2021/5/12</a:t>
+              <a:t>2021/6/17</a:t>
             </a:fld>
             <a:endParaRPr kumimoji="1" lang="zh-CN" altLang="en-US"/>
           </a:p>
@@ -3380,7 +3470,7 @@
           <a:p>
             <a:fld id="{BF57C4DB-5A98-C94C-A436-D92625D836F2}" type="datetimeFigureOut">
               <a:rPr kumimoji="1" lang="zh-CN" altLang="en-US" smtClean="0"/>
-              <a:t>2021/5/12</a:t>
+              <a:t>2021/6/17</a:t>
             </a:fld>
             <a:endParaRPr kumimoji="1" lang="zh-CN" altLang="en-US"/>
           </a:p>
@@ -16039,10 +16129,10 @@
       </p:grpSpPr>
       <p:grpSp>
         <p:nvGrpSpPr>
-          <p:cNvPr id="71" name="组合 70">
-            <a:extLst>
-              <a:ext uri="{FF2B5EF4-FFF2-40B4-BE49-F238E27FC236}">
-                <a16:creationId xmlns:a16="http://schemas.microsoft.com/office/drawing/2014/main" id="{4601F907-82C6-1941-92AD-709860B1B818}"/>
+          <p:cNvPr id="82" name="组合 81">
+            <a:extLst>
+              <a:ext uri="{FF2B5EF4-FFF2-40B4-BE49-F238E27FC236}">
+                <a16:creationId xmlns:a16="http://schemas.microsoft.com/office/drawing/2014/main" id="{A6391FA9-0252-D248-9CD6-1A44F318EB49}"/>
               </a:ext>
             </a:extLst>
           </p:cNvPr>
@@ -16051,357 +16141,7 @@
         </p:nvGrpSpPr>
         <p:grpSpPr>
           <a:xfrm>
-            <a:off x="1963394" y="2904709"/>
-            <a:ext cx="6499837" cy="2841121"/>
-            <a:chOff x="1963394" y="2904709"/>
-            <a:chExt cx="6499837" cy="2841121"/>
-          </a:xfrm>
-        </p:grpSpPr>
-        <p:cxnSp>
-          <p:nvCxnSpPr>
-            <p:cNvPr id="25" name="直线连接符 24">
-              <a:extLst>
-                <a:ext uri="{FF2B5EF4-FFF2-40B4-BE49-F238E27FC236}">
-                  <a16:creationId xmlns:a16="http://schemas.microsoft.com/office/drawing/2014/main" id="{1C2E0328-4404-E347-999E-8863103A8C91}"/>
-                </a:ext>
-              </a:extLst>
-            </p:cNvPr>
-            <p:cNvCxnSpPr>
-              <a:cxnSpLocks/>
-            </p:cNvCxnSpPr>
-            <p:nvPr/>
-          </p:nvCxnSpPr>
-          <p:spPr>
-            <a:xfrm>
-              <a:off x="4315791" y="2904709"/>
-              <a:ext cx="23853" cy="2803165"/>
-            </a:xfrm>
-            <a:prstGeom prst="line">
-              <a:avLst/>
-            </a:prstGeom>
-            <a:ln>
-              <a:solidFill>
-                <a:schemeClr val="accent2">
-                  <a:lumMod val="40000"/>
-                  <a:lumOff val="60000"/>
-                </a:schemeClr>
-              </a:solidFill>
-            </a:ln>
-          </p:spPr>
-          <p:style>
-            <a:lnRef idx="1">
-              <a:schemeClr val="accent1"/>
-            </a:lnRef>
-            <a:fillRef idx="0">
-              <a:schemeClr val="accent1"/>
-            </a:fillRef>
-            <a:effectRef idx="0">
-              <a:schemeClr val="accent1"/>
-            </a:effectRef>
-            <a:fontRef idx="minor">
-              <a:schemeClr val="tx1"/>
-            </a:fontRef>
-          </p:style>
-        </p:cxnSp>
-        <p:cxnSp>
-          <p:nvCxnSpPr>
-            <p:cNvPr id="129" name="直线连接符 128">
-              <a:extLst>
-                <a:ext uri="{FF2B5EF4-FFF2-40B4-BE49-F238E27FC236}">
-                  <a16:creationId xmlns:a16="http://schemas.microsoft.com/office/drawing/2014/main" id="{A948777D-7DF6-A241-A5AD-8E61E5760E31}"/>
-                </a:ext>
-              </a:extLst>
-            </p:cNvPr>
-            <p:cNvCxnSpPr>
-              <a:cxnSpLocks/>
-            </p:cNvCxnSpPr>
-            <p:nvPr/>
-          </p:nvCxnSpPr>
-          <p:spPr>
-            <a:xfrm>
-              <a:off x="6698223" y="3300765"/>
-              <a:ext cx="0" cy="2445065"/>
-            </a:xfrm>
-            <a:prstGeom prst="line">
-              <a:avLst/>
-            </a:prstGeom>
-            <a:ln>
-              <a:solidFill>
-                <a:schemeClr val="accent2">
-                  <a:lumMod val="40000"/>
-                  <a:lumOff val="60000"/>
-                </a:schemeClr>
-              </a:solidFill>
-            </a:ln>
-          </p:spPr>
-          <p:style>
-            <a:lnRef idx="1">
-              <a:schemeClr val="accent1"/>
-            </a:lnRef>
-            <a:fillRef idx="0">
-              <a:schemeClr val="accent1"/>
-            </a:fillRef>
-            <a:effectRef idx="0">
-              <a:schemeClr val="accent1"/>
-            </a:effectRef>
-            <a:fontRef idx="minor">
-              <a:schemeClr val="tx1"/>
-            </a:fontRef>
-          </p:style>
-        </p:cxnSp>
-        <p:cxnSp>
-          <p:nvCxnSpPr>
-            <p:cNvPr id="42" name="直线连接符 41">
-              <a:extLst>
-                <a:ext uri="{FF2B5EF4-FFF2-40B4-BE49-F238E27FC236}">
-                  <a16:creationId xmlns:a16="http://schemas.microsoft.com/office/drawing/2014/main" id="{3A03CC0C-DCA9-6A4C-98D8-C7B49307D0A5}"/>
-                </a:ext>
-              </a:extLst>
-            </p:cNvPr>
-            <p:cNvCxnSpPr>
-              <a:cxnSpLocks/>
-            </p:cNvCxnSpPr>
-            <p:nvPr/>
-          </p:nvCxnSpPr>
-          <p:spPr>
-            <a:xfrm flipV="1">
-              <a:off x="1972626" y="3284939"/>
-              <a:ext cx="6490605" cy="67684"/>
-            </a:xfrm>
-            <a:prstGeom prst="line">
-              <a:avLst/>
-            </a:prstGeom>
-            <a:ln>
-              <a:solidFill>
-                <a:schemeClr val="accent2">
-                  <a:lumMod val="40000"/>
-                  <a:lumOff val="60000"/>
-                </a:schemeClr>
-              </a:solidFill>
-            </a:ln>
-          </p:spPr>
-          <p:style>
-            <a:lnRef idx="1">
-              <a:schemeClr val="accent1"/>
-            </a:lnRef>
-            <a:fillRef idx="0">
-              <a:schemeClr val="accent1"/>
-            </a:fillRef>
-            <a:effectRef idx="0">
-              <a:schemeClr val="accent1"/>
-            </a:effectRef>
-            <a:fontRef idx="minor">
-              <a:schemeClr val="tx1"/>
-            </a:fontRef>
-          </p:style>
-        </p:cxnSp>
-        <p:cxnSp>
-          <p:nvCxnSpPr>
-            <p:cNvPr id="132" name="直线连接符 131">
-              <a:extLst>
-                <a:ext uri="{FF2B5EF4-FFF2-40B4-BE49-F238E27FC236}">
-                  <a16:creationId xmlns:a16="http://schemas.microsoft.com/office/drawing/2014/main" id="{DA364DF9-87AF-6A43-AC8B-2495C2D49E12}"/>
-                </a:ext>
-              </a:extLst>
-            </p:cNvPr>
-            <p:cNvCxnSpPr>
-              <a:cxnSpLocks/>
-              <a:endCxn id="37" idx="0"/>
-            </p:cNvCxnSpPr>
-            <p:nvPr/>
-          </p:nvCxnSpPr>
-          <p:spPr>
-            <a:xfrm flipH="1">
-              <a:off x="1963394" y="3352623"/>
-              <a:ext cx="5284" cy="2355248"/>
-            </a:xfrm>
-            <a:prstGeom prst="line">
-              <a:avLst/>
-            </a:prstGeom>
-            <a:ln>
-              <a:solidFill>
-                <a:schemeClr val="accent2">
-                  <a:lumMod val="40000"/>
-                  <a:lumOff val="60000"/>
-                </a:schemeClr>
-              </a:solidFill>
-            </a:ln>
-          </p:spPr>
-          <p:style>
-            <a:lnRef idx="1">
-              <a:schemeClr val="accent1"/>
-            </a:lnRef>
-            <a:fillRef idx="0">
-              <a:schemeClr val="accent1"/>
-            </a:fillRef>
-            <a:effectRef idx="0">
-              <a:schemeClr val="accent1"/>
-            </a:effectRef>
-            <a:fontRef idx="minor">
-              <a:schemeClr val="tx1"/>
-            </a:fontRef>
-          </p:style>
-        </p:cxnSp>
-        <p:cxnSp>
-          <p:nvCxnSpPr>
-            <p:cNvPr id="67" name="直线连接符 66">
-              <a:extLst>
-                <a:ext uri="{FF2B5EF4-FFF2-40B4-BE49-F238E27FC236}">
-                  <a16:creationId xmlns:a16="http://schemas.microsoft.com/office/drawing/2014/main" id="{7CF1C0A4-0CDF-8F4E-B559-B49BF5E68883}"/>
-                </a:ext>
-              </a:extLst>
-            </p:cNvPr>
-            <p:cNvCxnSpPr/>
-            <p:nvPr/>
-          </p:nvCxnSpPr>
-          <p:spPr>
-            <a:xfrm>
-              <a:off x="1972626" y="3791677"/>
-              <a:ext cx="1992509" cy="0"/>
-            </a:xfrm>
-            <a:prstGeom prst="line">
-              <a:avLst/>
-            </a:prstGeom>
-            <a:ln>
-              <a:solidFill>
-                <a:schemeClr val="accent2">
-                  <a:lumMod val="40000"/>
-                  <a:lumOff val="60000"/>
-                </a:schemeClr>
-              </a:solidFill>
-            </a:ln>
-          </p:spPr>
-          <p:style>
-            <a:lnRef idx="1">
-              <a:schemeClr val="accent1"/>
-            </a:lnRef>
-            <a:fillRef idx="0">
-              <a:schemeClr val="accent1"/>
-            </a:fillRef>
-            <a:effectRef idx="0">
-              <a:schemeClr val="accent1"/>
-            </a:effectRef>
-            <a:fontRef idx="minor">
-              <a:schemeClr val="tx1"/>
-            </a:fontRef>
-          </p:style>
-        </p:cxnSp>
-        <p:cxnSp>
-          <p:nvCxnSpPr>
-            <p:cNvPr id="69" name="直线连接符 68">
-              <a:extLst>
-                <a:ext uri="{FF2B5EF4-FFF2-40B4-BE49-F238E27FC236}">
-                  <a16:creationId xmlns:a16="http://schemas.microsoft.com/office/drawing/2014/main" id="{A8169879-5C1A-984D-9E8C-454D6D75C647}"/>
-                </a:ext>
-              </a:extLst>
-            </p:cNvPr>
-            <p:cNvCxnSpPr>
-              <a:stCxn id="35" idx="3"/>
-            </p:cNvCxnSpPr>
-            <p:nvPr/>
-          </p:nvCxnSpPr>
-          <p:spPr>
-            <a:xfrm>
-              <a:off x="4703648" y="3791677"/>
-              <a:ext cx="1994575" cy="0"/>
-            </a:xfrm>
-            <a:prstGeom prst="line">
-              <a:avLst/>
-            </a:prstGeom>
-            <a:ln>
-              <a:solidFill>
-                <a:schemeClr val="accent2">
-                  <a:lumMod val="40000"/>
-                  <a:lumOff val="60000"/>
-                </a:schemeClr>
-              </a:solidFill>
-            </a:ln>
-          </p:spPr>
-          <p:style>
-            <a:lnRef idx="1">
-              <a:schemeClr val="accent1"/>
-            </a:lnRef>
-            <a:fillRef idx="0">
-              <a:schemeClr val="accent1"/>
-            </a:fillRef>
-            <a:effectRef idx="0">
-              <a:schemeClr val="accent1"/>
-            </a:effectRef>
-            <a:fontRef idx="minor">
-              <a:schemeClr val="tx1"/>
-            </a:fontRef>
-          </p:style>
-        </p:cxnSp>
-      </p:grpSp>
-      <p:sp>
-        <p:nvSpPr>
-          <p:cNvPr id="24" name="矩形 23">
-            <a:extLst>
-              <a:ext uri="{FF2B5EF4-FFF2-40B4-BE49-F238E27FC236}">
-                <a16:creationId xmlns:a16="http://schemas.microsoft.com/office/drawing/2014/main" id="{FA48DBAC-E13C-2641-9C5F-2358F4B218A8}"/>
-              </a:ext>
-            </a:extLst>
-          </p:cNvPr>
-          <p:cNvSpPr/>
-          <p:nvPr/>
-        </p:nvSpPr>
-        <p:spPr>
-          <a:xfrm>
-            <a:off x="534218" y="4695190"/>
-            <a:ext cx="1341221" cy="1279641"/>
-          </a:xfrm>
-          <a:prstGeom prst="rect">
-            <a:avLst/>
-          </a:prstGeom>
-          <a:noFill/>
-          <a:ln>
-            <a:solidFill>
-              <a:srgbClr val="00B050"/>
-            </a:solidFill>
-          </a:ln>
-        </p:spPr>
-        <p:style>
-          <a:lnRef idx="2">
-            <a:schemeClr val="accent1">
-              <a:shade val="50000"/>
-            </a:schemeClr>
-          </a:lnRef>
-          <a:fillRef idx="1">
-            <a:schemeClr val="accent1"/>
-          </a:fillRef>
-          <a:effectRef idx="0">
-            <a:schemeClr val="accent1"/>
-          </a:effectRef>
-          <a:fontRef idx="minor">
-            <a:schemeClr val="lt1"/>
-          </a:fontRef>
-        </p:style>
-        <p:txBody>
-          <a:bodyPr rtlCol="0" anchor="ctr"/>
-          <a:lstStyle/>
-          <a:p>
-            <a:pPr algn="ctr"/>
-            <a:endParaRPr kumimoji="1" lang="zh-CN" altLang="en-US" sz="1418">
-              <a:ea typeface="黑体" panose="02010609060101010101" pitchFamily="49" charset="-122"/>
-            </a:endParaRPr>
-          </a:p>
-        </p:txBody>
-      </p:sp>
-      <p:grpSp>
-        <p:nvGrpSpPr>
-          <p:cNvPr id="82" name="组合 81">
-            <a:extLst>
-              <a:ext uri="{FF2B5EF4-FFF2-40B4-BE49-F238E27FC236}">
-                <a16:creationId xmlns:a16="http://schemas.microsoft.com/office/drawing/2014/main" id="{A6391FA9-0252-D248-9CD6-1A44F318EB49}"/>
-              </a:ext>
-            </a:extLst>
-          </p:cNvPr>
-          <p:cNvGrpSpPr/>
-          <p:nvPr/>
-        </p:nvGrpSpPr>
-        <p:grpSpPr>
-          <a:xfrm>
-            <a:off x="9097579" y="4736752"/>
+            <a:off x="6176722" y="4563351"/>
             <a:ext cx="1148982" cy="892021"/>
             <a:chOff x="4008235" y="2307002"/>
             <a:chExt cx="2908204" cy="1151078"/>
@@ -16530,7 +16270,7 @@
         </p:nvGrpSpPr>
         <p:grpSpPr>
           <a:xfrm rot="10800000">
-            <a:off x="9121119" y="6141945"/>
+            <a:off x="6200262" y="5968544"/>
             <a:ext cx="1125437" cy="624250"/>
             <a:chOff x="4008235" y="2307002"/>
             <a:chExt cx="2908204" cy="1151078"/>
@@ -16647,10 +16387,10 @@
       </p:grpSp>
       <p:grpSp>
         <p:nvGrpSpPr>
-          <p:cNvPr id="117" name="组合 116">
-            <a:extLst>
-              <a:ext uri="{FF2B5EF4-FFF2-40B4-BE49-F238E27FC236}">
-                <a16:creationId xmlns:a16="http://schemas.microsoft.com/office/drawing/2014/main" id="{9CA68FEF-9275-AC48-AF8D-BABFFDFF0539}"/>
+          <p:cNvPr id="125" name="组合 124">
+            <a:extLst>
+              <a:ext uri="{FF2B5EF4-FFF2-40B4-BE49-F238E27FC236}">
+                <a16:creationId xmlns:a16="http://schemas.microsoft.com/office/drawing/2014/main" id="{E8EA3C28-71BC-844B-8635-3C7DB11CA994}"/>
               </a:ext>
             </a:extLst>
           </p:cNvPr>
@@ -16659,136 +16399,7 @@
         </p:nvGrpSpPr>
         <p:grpSpPr>
           <a:xfrm rot="10800000">
-            <a:off x="3051507" y="6354999"/>
-            <a:ext cx="6065660" cy="1106756"/>
-            <a:chOff x="4008235" y="2307002"/>
-            <a:chExt cx="2908204" cy="1151078"/>
-          </a:xfrm>
-        </p:grpSpPr>
-        <p:cxnSp>
-          <p:nvCxnSpPr>
-            <p:cNvPr id="118" name="直线连接符 117">
-              <a:extLst>
-                <a:ext uri="{FF2B5EF4-FFF2-40B4-BE49-F238E27FC236}">
-                  <a16:creationId xmlns:a16="http://schemas.microsoft.com/office/drawing/2014/main" id="{1E1B52C1-C81D-B34A-801B-558B53D95816}"/>
-                </a:ext>
-              </a:extLst>
-            </p:cNvPr>
-            <p:cNvCxnSpPr/>
-            <p:nvPr/>
-          </p:nvCxnSpPr>
-          <p:spPr>
-            <a:xfrm>
-              <a:off x="4008235" y="2310063"/>
-              <a:ext cx="2908204" cy="0"/>
-            </a:xfrm>
-            <a:prstGeom prst="line">
-              <a:avLst/>
-            </a:prstGeom>
-          </p:spPr>
-          <p:style>
-            <a:lnRef idx="1">
-              <a:schemeClr val="accent6"/>
-            </a:lnRef>
-            <a:fillRef idx="0">
-              <a:schemeClr val="accent6"/>
-            </a:fillRef>
-            <a:effectRef idx="0">
-              <a:schemeClr val="accent6"/>
-            </a:effectRef>
-            <a:fontRef idx="minor">
-              <a:schemeClr val="tx1"/>
-            </a:fontRef>
-          </p:style>
-        </p:cxnSp>
-        <p:cxnSp>
-          <p:nvCxnSpPr>
-            <p:cNvPr id="119" name="直线连接符 118">
-              <a:extLst>
-                <a:ext uri="{FF2B5EF4-FFF2-40B4-BE49-F238E27FC236}">
-                  <a16:creationId xmlns:a16="http://schemas.microsoft.com/office/drawing/2014/main" id="{BCE9B631-67E8-B04D-85DE-4DC3B4F1F7C6}"/>
-                </a:ext>
-              </a:extLst>
-            </p:cNvPr>
-            <p:cNvCxnSpPr/>
-            <p:nvPr/>
-          </p:nvCxnSpPr>
-          <p:spPr>
-            <a:xfrm>
-              <a:off x="4008235" y="2307002"/>
-              <a:ext cx="0" cy="1151078"/>
-            </a:xfrm>
-            <a:prstGeom prst="line">
-              <a:avLst/>
-            </a:prstGeom>
-          </p:spPr>
-          <p:style>
-            <a:lnRef idx="1">
-              <a:schemeClr val="accent6"/>
-            </a:lnRef>
-            <a:fillRef idx="0">
-              <a:schemeClr val="accent6"/>
-            </a:fillRef>
-            <a:effectRef idx="0">
-              <a:schemeClr val="accent6"/>
-            </a:effectRef>
-            <a:fontRef idx="minor">
-              <a:schemeClr val="tx1"/>
-            </a:fontRef>
-          </p:style>
-        </p:cxnSp>
-        <p:cxnSp>
-          <p:nvCxnSpPr>
-            <p:cNvPr id="120" name="直线连接符 119">
-              <a:extLst>
-                <a:ext uri="{FF2B5EF4-FFF2-40B4-BE49-F238E27FC236}">
-                  <a16:creationId xmlns:a16="http://schemas.microsoft.com/office/drawing/2014/main" id="{BC68258E-E0E1-534C-A34C-9B8B083E36A6}"/>
-                </a:ext>
-              </a:extLst>
-            </p:cNvPr>
-            <p:cNvCxnSpPr/>
-            <p:nvPr/>
-          </p:nvCxnSpPr>
-          <p:spPr>
-            <a:xfrm>
-              <a:off x="6914544" y="2307002"/>
-              <a:ext cx="0" cy="1151078"/>
-            </a:xfrm>
-            <a:prstGeom prst="line">
-              <a:avLst/>
-            </a:prstGeom>
-          </p:spPr>
-          <p:style>
-            <a:lnRef idx="1">
-              <a:schemeClr val="accent6"/>
-            </a:lnRef>
-            <a:fillRef idx="0">
-              <a:schemeClr val="accent6"/>
-            </a:fillRef>
-            <a:effectRef idx="0">
-              <a:schemeClr val="accent6"/>
-            </a:effectRef>
-            <a:fontRef idx="minor">
-              <a:schemeClr val="tx1"/>
-            </a:fontRef>
-          </p:style>
-        </p:cxnSp>
-      </p:grpSp>
-      <p:grpSp>
-        <p:nvGrpSpPr>
-          <p:cNvPr id="125" name="组合 124">
-            <a:extLst>
-              <a:ext uri="{FF2B5EF4-FFF2-40B4-BE49-F238E27FC236}">
-                <a16:creationId xmlns:a16="http://schemas.microsoft.com/office/drawing/2014/main" id="{E8EA3C28-71BC-844B-8635-3C7DB11CA994}"/>
-              </a:ext>
-            </a:extLst>
-          </p:cNvPr>
-          <p:cNvGrpSpPr/>
-          <p:nvPr/>
-        </p:nvGrpSpPr>
-        <p:grpSpPr>
-          <a:xfrm rot="10800000">
-            <a:off x="5496504" y="6043123"/>
+            <a:off x="2575647" y="5869722"/>
             <a:ext cx="3620670" cy="1145281"/>
             <a:chOff x="4008235" y="2307002"/>
             <a:chExt cx="2908204" cy="1151078"/>
@@ -16917,7 +16528,7 @@
         </p:nvGrpSpPr>
         <p:grpSpPr>
           <a:xfrm rot="10800000">
-            <a:off x="7786652" y="6096161"/>
+            <a:off x="4865795" y="5922760"/>
             <a:ext cx="1330515" cy="840867"/>
             <a:chOff x="4008235" y="2307002"/>
             <a:chExt cx="2908204" cy="1151078"/>
@@ -17034,10 +16645,10 @@
       </p:grpSp>
       <p:grpSp>
         <p:nvGrpSpPr>
-          <p:cNvPr id="113" name="组合 112">
-            <a:extLst>
-              <a:ext uri="{FF2B5EF4-FFF2-40B4-BE49-F238E27FC236}">
-                <a16:creationId xmlns:a16="http://schemas.microsoft.com/office/drawing/2014/main" id="{BC5FFBDB-2B2F-6642-A0A3-818AAF584294}"/>
+          <p:cNvPr id="105" name="组合 104">
+            <a:extLst>
+              <a:ext uri="{FF2B5EF4-FFF2-40B4-BE49-F238E27FC236}">
+                <a16:creationId xmlns:a16="http://schemas.microsoft.com/office/drawing/2014/main" id="{1A3182C9-FC9B-7A42-86E0-6C9969ED62F8}"/>
               </a:ext>
             </a:extLst>
           </p:cNvPr>
@@ -17046,136 +16657,7 @@
         </p:nvGrpSpPr>
         <p:grpSpPr>
           <a:xfrm>
-            <a:off x="3051514" y="4597659"/>
-            <a:ext cx="6050006" cy="1106756"/>
-            <a:chOff x="4008235" y="2307002"/>
-            <a:chExt cx="2908204" cy="1151078"/>
-          </a:xfrm>
-        </p:grpSpPr>
-        <p:cxnSp>
-          <p:nvCxnSpPr>
-            <p:cNvPr id="114" name="直线连接符 113">
-              <a:extLst>
-                <a:ext uri="{FF2B5EF4-FFF2-40B4-BE49-F238E27FC236}">
-                  <a16:creationId xmlns:a16="http://schemas.microsoft.com/office/drawing/2014/main" id="{C1C12BE2-9FBB-8940-B98A-431D425F2E86}"/>
-                </a:ext>
-              </a:extLst>
-            </p:cNvPr>
-            <p:cNvCxnSpPr/>
-            <p:nvPr/>
-          </p:nvCxnSpPr>
-          <p:spPr>
-            <a:xfrm>
-              <a:off x="4008235" y="2310063"/>
-              <a:ext cx="2908204" cy="0"/>
-            </a:xfrm>
-            <a:prstGeom prst="line">
-              <a:avLst/>
-            </a:prstGeom>
-          </p:spPr>
-          <p:style>
-            <a:lnRef idx="1">
-              <a:schemeClr val="accent6"/>
-            </a:lnRef>
-            <a:fillRef idx="0">
-              <a:schemeClr val="accent6"/>
-            </a:fillRef>
-            <a:effectRef idx="0">
-              <a:schemeClr val="accent6"/>
-            </a:effectRef>
-            <a:fontRef idx="minor">
-              <a:schemeClr val="tx1"/>
-            </a:fontRef>
-          </p:style>
-        </p:cxnSp>
-        <p:cxnSp>
-          <p:nvCxnSpPr>
-            <p:cNvPr id="115" name="直线连接符 114">
-              <a:extLst>
-                <a:ext uri="{FF2B5EF4-FFF2-40B4-BE49-F238E27FC236}">
-                  <a16:creationId xmlns:a16="http://schemas.microsoft.com/office/drawing/2014/main" id="{029DF84B-7A68-7646-917C-3A2F92B0184A}"/>
-                </a:ext>
-              </a:extLst>
-            </p:cNvPr>
-            <p:cNvCxnSpPr/>
-            <p:nvPr/>
-          </p:nvCxnSpPr>
-          <p:spPr>
-            <a:xfrm>
-              <a:off x="4008235" y="2307002"/>
-              <a:ext cx="0" cy="1151078"/>
-            </a:xfrm>
-            <a:prstGeom prst="line">
-              <a:avLst/>
-            </a:prstGeom>
-          </p:spPr>
-          <p:style>
-            <a:lnRef idx="1">
-              <a:schemeClr val="accent6"/>
-            </a:lnRef>
-            <a:fillRef idx="0">
-              <a:schemeClr val="accent6"/>
-            </a:fillRef>
-            <a:effectRef idx="0">
-              <a:schemeClr val="accent6"/>
-            </a:effectRef>
-            <a:fontRef idx="minor">
-              <a:schemeClr val="tx1"/>
-            </a:fontRef>
-          </p:style>
-        </p:cxnSp>
-        <p:cxnSp>
-          <p:nvCxnSpPr>
-            <p:cNvPr id="116" name="直线连接符 115">
-              <a:extLst>
-                <a:ext uri="{FF2B5EF4-FFF2-40B4-BE49-F238E27FC236}">
-                  <a16:creationId xmlns:a16="http://schemas.microsoft.com/office/drawing/2014/main" id="{1A816B9C-B7A3-9045-8A6E-87B1EBAE2E8A}"/>
-                </a:ext>
-              </a:extLst>
-            </p:cNvPr>
-            <p:cNvCxnSpPr/>
-            <p:nvPr/>
-          </p:nvCxnSpPr>
-          <p:spPr>
-            <a:xfrm>
-              <a:off x="6914544" y="2307002"/>
-              <a:ext cx="0" cy="1151078"/>
-            </a:xfrm>
-            <a:prstGeom prst="line">
-              <a:avLst/>
-            </a:prstGeom>
-          </p:spPr>
-          <p:style>
-            <a:lnRef idx="1">
-              <a:schemeClr val="accent6"/>
-            </a:lnRef>
-            <a:fillRef idx="0">
-              <a:schemeClr val="accent6"/>
-            </a:fillRef>
-            <a:effectRef idx="0">
-              <a:schemeClr val="accent6"/>
-            </a:effectRef>
-            <a:fontRef idx="minor">
-              <a:schemeClr val="tx1"/>
-            </a:fontRef>
-          </p:style>
-        </p:cxnSp>
-      </p:grpSp>
-      <p:grpSp>
-        <p:nvGrpSpPr>
-          <p:cNvPr id="105" name="组合 104">
-            <a:extLst>
-              <a:ext uri="{FF2B5EF4-FFF2-40B4-BE49-F238E27FC236}">
-                <a16:creationId xmlns:a16="http://schemas.microsoft.com/office/drawing/2014/main" id="{1A3182C9-FC9B-7A42-86E0-6C9969ED62F8}"/>
-              </a:ext>
-            </a:extLst>
-          </p:cNvPr>
-          <p:cNvGrpSpPr/>
-          <p:nvPr/>
-        </p:nvGrpSpPr>
-        <p:grpSpPr>
-          <a:xfrm>
-            <a:off x="7789158" y="5181205"/>
+            <a:off x="4868301" y="5007804"/>
             <a:ext cx="1308798" cy="574150"/>
             <a:chOff x="4008235" y="2307002"/>
             <a:chExt cx="2908204" cy="1151078"/>
@@ -17304,7 +16786,7 @@
         </p:nvGrpSpPr>
         <p:grpSpPr>
           <a:xfrm>
-            <a:off x="5496502" y="4914499"/>
+            <a:off x="2575645" y="4741098"/>
             <a:ext cx="3600601" cy="862691"/>
             <a:chOff x="4008235" y="2307002"/>
             <a:chExt cx="2908204" cy="1151078"/>
@@ -17421,29 +16903,29 @@
       </p:grpSp>
       <p:sp>
         <p:nvSpPr>
-          <p:cNvPr id="2" name="矩形 1">
-            <a:extLst>
-              <a:ext uri="{FF2B5EF4-FFF2-40B4-BE49-F238E27FC236}">
-                <a16:creationId xmlns:a16="http://schemas.microsoft.com/office/drawing/2014/main" id="{8F7C9F7E-E031-6F4F-B733-3913B457AA45}"/>
-              </a:ext>
-            </a:extLst>
-          </p:cNvPr>
-          <p:cNvSpPr/>
-          <p:nvPr/>
-        </p:nvSpPr>
-        <p:spPr>
-          <a:xfrm>
-            <a:off x="2277703" y="5719598"/>
-            <a:ext cx="8949275" cy="475233"/>
+          <p:cNvPr id="5" name="矩形 4">
+            <a:extLst>
+              <a:ext uri="{FF2B5EF4-FFF2-40B4-BE49-F238E27FC236}">
+                <a16:creationId xmlns:a16="http://schemas.microsoft.com/office/drawing/2014/main" id="{91A4A654-8658-354E-8CC7-8984C3825E53}"/>
+              </a:ext>
+            </a:extLst>
+          </p:cNvPr>
+          <p:cNvSpPr/>
+          <p:nvPr/>
+        </p:nvSpPr>
+        <p:spPr>
+          <a:xfrm>
+            <a:off x="8017916" y="5534473"/>
+            <a:ext cx="988547" cy="498488"/>
           </a:xfrm>
           <a:prstGeom prst="rect">
             <a:avLst/>
           </a:prstGeom>
-          <a:noFill/>
-          <a:ln>
-            <a:solidFill>
-              <a:schemeClr val="accent6"/>
-            </a:solidFill>
+          <a:solidFill>
+            <a:srgbClr val="00B0F0"/>
+          </a:solidFill>
+          <a:ln>
+            <a:noFill/>
           </a:ln>
         </p:spPr>
         <p:style>
@@ -17467,27 +16949,30 @@
           <a:lstStyle/>
           <a:p>
             <a:pPr algn="ctr"/>
-            <a:endParaRPr kumimoji="1" lang="zh-CN" altLang="en-US" sz="1418">
-              <a:ea typeface="黑体" panose="02010609060101010101" pitchFamily="49" charset="-122"/>
-            </a:endParaRPr>
-          </a:p>
-        </p:txBody>
-      </p:sp>
-      <p:sp>
-        <p:nvSpPr>
-          <p:cNvPr id="4" name="矩形 3">
-            <a:extLst>
-              <a:ext uri="{FF2B5EF4-FFF2-40B4-BE49-F238E27FC236}">
-                <a16:creationId xmlns:a16="http://schemas.microsoft.com/office/drawing/2014/main" id="{DC375E92-F8E8-614D-8496-599AA108FBA9}"/>
-              </a:ext>
-            </a:extLst>
-          </p:cNvPr>
-          <p:cNvSpPr/>
-          <p:nvPr/>
-        </p:nvSpPr>
-        <p:spPr>
-          <a:xfrm>
-            <a:off x="3836536" y="5707874"/>
+            <a:r>
+              <a:rPr kumimoji="1" lang="zh-CN" altLang="en-US" sz="1470" dirty="0">
+                <a:ea typeface="黑体" panose="02010609060101010101" pitchFamily="49" charset="-122"/>
+              </a:rPr>
+              <a:t>客户</a:t>
+            </a:r>
+          </a:p>
+        </p:txBody>
+      </p:sp>
+      <p:sp>
+        <p:nvSpPr>
+          <p:cNvPr id="6" name="矩形 5">
+            <a:extLst>
+              <a:ext uri="{FF2B5EF4-FFF2-40B4-BE49-F238E27FC236}">
+                <a16:creationId xmlns:a16="http://schemas.microsoft.com/office/drawing/2014/main" id="{7C905007-336A-BA49-8032-5D771513F8A4}"/>
+              </a:ext>
+            </a:extLst>
+          </p:cNvPr>
+          <p:cNvSpPr/>
+          <p:nvPr/>
+        </p:nvSpPr>
+        <p:spPr>
+          <a:xfrm>
+            <a:off x="5650505" y="5534473"/>
             <a:ext cx="988547" cy="498488"/>
           </a:xfrm>
           <a:prstGeom prst="rect">
@@ -17522,29 +17007,29 @@
           <a:p>
             <a:pPr algn="ctr"/>
             <a:r>
-              <a:rPr kumimoji="1" lang="zh-CN" altLang="en-US" sz="1050" dirty="0">
+              <a:rPr kumimoji="1" lang="zh-CN" altLang="en-US" sz="1470" dirty="0">
                 <a:ea typeface="黑体" panose="02010609060101010101" pitchFamily="49" charset="-122"/>
               </a:rPr>
-              <a:t>二级仓库</a:t>
-            </a:r>
-          </a:p>
-        </p:txBody>
-      </p:sp>
-      <p:sp>
-        <p:nvSpPr>
-          <p:cNvPr id="5" name="矩形 4">
-            <a:extLst>
-              <a:ext uri="{FF2B5EF4-FFF2-40B4-BE49-F238E27FC236}">
-                <a16:creationId xmlns:a16="http://schemas.microsoft.com/office/drawing/2014/main" id="{91A4A654-8658-354E-8CC7-8984C3825E53}"/>
-              </a:ext>
-            </a:extLst>
-          </p:cNvPr>
-          <p:cNvSpPr/>
-          <p:nvPr/>
-        </p:nvSpPr>
-        <p:spPr>
-          <a:xfrm>
-            <a:off x="10938773" y="5707874"/>
+              <a:t>快递</a:t>
+            </a:r>
+          </a:p>
+        </p:txBody>
+      </p:sp>
+      <p:sp>
+        <p:nvSpPr>
+          <p:cNvPr id="7" name="矩形 6">
+            <a:extLst>
+              <a:ext uri="{FF2B5EF4-FFF2-40B4-BE49-F238E27FC236}">
+                <a16:creationId xmlns:a16="http://schemas.microsoft.com/office/drawing/2014/main" id="{7B6B8A12-4865-8845-8D4B-B8ECD8931940}"/>
+              </a:ext>
+            </a:extLst>
+          </p:cNvPr>
+          <p:cNvSpPr/>
+          <p:nvPr/>
+        </p:nvSpPr>
+        <p:spPr>
+          <a:xfrm>
+            <a:off x="3830944" y="2540006"/>
             <a:ext cx="988547" cy="498488"/>
           </a:xfrm>
           <a:prstGeom prst="rect">
@@ -17579,29 +17064,32 @@
           <a:p>
             <a:pPr algn="ctr"/>
             <a:r>
-              <a:rPr kumimoji="1" lang="zh-CN" altLang="en-US" sz="1470" dirty="0">
+              <a:rPr kumimoji="1" lang="en-US" altLang="zh-CN" sz="1260" dirty="0">
                 <a:ea typeface="黑体" panose="02010609060101010101" pitchFamily="49" charset="-122"/>
               </a:rPr>
-              <a:t>客户</a:t>
-            </a:r>
-          </a:p>
-        </p:txBody>
-      </p:sp>
-      <p:sp>
-        <p:nvSpPr>
-          <p:cNvPr id="6" name="矩形 5">
-            <a:extLst>
-              <a:ext uri="{FF2B5EF4-FFF2-40B4-BE49-F238E27FC236}">
-                <a16:creationId xmlns:a16="http://schemas.microsoft.com/office/drawing/2014/main" id="{7C905007-336A-BA49-8032-5D771513F8A4}"/>
-              </a:ext>
-            </a:extLst>
-          </p:cNvPr>
-          <p:cNvSpPr/>
-          <p:nvPr/>
-        </p:nvSpPr>
-        <p:spPr>
-          <a:xfrm>
-            <a:off x="8571362" y="5707874"/>
+              <a:t>ROOT</a:t>
+            </a:r>
+            <a:endParaRPr kumimoji="1" lang="zh-CN" altLang="en-US" sz="1260" dirty="0">
+              <a:ea typeface="黑体" panose="02010609060101010101" pitchFamily="49" charset="-122"/>
+            </a:endParaRPr>
+          </a:p>
+        </p:txBody>
+      </p:sp>
+      <p:sp>
+        <p:nvSpPr>
+          <p:cNvPr id="8" name="矩形 7">
+            <a:extLst>
+              <a:ext uri="{FF2B5EF4-FFF2-40B4-BE49-F238E27FC236}">
+                <a16:creationId xmlns:a16="http://schemas.microsoft.com/office/drawing/2014/main" id="{A4443424-848A-5542-9E0E-2BDC5052EE06}"/>
+              </a:ext>
+            </a:extLst>
+          </p:cNvPr>
+          <p:cNvSpPr/>
+          <p:nvPr/>
+        </p:nvSpPr>
+        <p:spPr>
+          <a:xfrm>
+            <a:off x="3283093" y="5534473"/>
             <a:ext cx="988547" cy="498488"/>
           </a:xfrm>
           <a:prstGeom prst="rect">
@@ -17636,123 +17124,6 @@
           <a:p>
             <a:pPr algn="ctr"/>
             <a:r>
-              <a:rPr kumimoji="1" lang="zh-CN" altLang="en-US" sz="1470" dirty="0">
-                <a:ea typeface="黑体" panose="02010609060101010101" pitchFamily="49" charset="-122"/>
-              </a:rPr>
-              <a:t>快递</a:t>
-            </a:r>
-          </a:p>
-        </p:txBody>
-      </p:sp>
-      <p:sp>
-        <p:nvSpPr>
-          <p:cNvPr id="7" name="矩形 6">
-            <a:extLst>
-              <a:ext uri="{FF2B5EF4-FFF2-40B4-BE49-F238E27FC236}">
-                <a16:creationId xmlns:a16="http://schemas.microsoft.com/office/drawing/2014/main" id="{7B6B8A12-4865-8845-8D4B-B8ECD8931940}"/>
-              </a:ext>
-            </a:extLst>
-          </p:cNvPr>
-          <p:cNvSpPr/>
-          <p:nvPr/>
-        </p:nvSpPr>
-        <p:spPr>
-          <a:xfrm>
-            <a:off x="3830944" y="2540006"/>
-            <a:ext cx="988547" cy="498488"/>
-          </a:xfrm>
-          <a:prstGeom prst="rect">
-            <a:avLst/>
-          </a:prstGeom>
-          <a:solidFill>
-            <a:srgbClr val="00B0F0"/>
-          </a:solidFill>
-          <a:ln>
-            <a:noFill/>
-          </a:ln>
-        </p:spPr>
-        <p:style>
-          <a:lnRef idx="2">
-            <a:schemeClr val="accent1">
-              <a:shade val="50000"/>
-            </a:schemeClr>
-          </a:lnRef>
-          <a:fillRef idx="1">
-            <a:schemeClr val="accent1"/>
-          </a:fillRef>
-          <a:effectRef idx="0">
-            <a:schemeClr val="accent1"/>
-          </a:effectRef>
-          <a:fontRef idx="minor">
-            <a:schemeClr val="lt1"/>
-          </a:fontRef>
-        </p:style>
-        <p:txBody>
-          <a:bodyPr rtlCol="0" anchor="ctr"/>
-          <a:lstStyle/>
-          <a:p>
-            <a:pPr algn="ctr"/>
-            <a:r>
-              <a:rPr kumimoji="1" lang="en-US" altLang="zh-CN" sz="1260" dirty="0">
-                <a:ea typeface="黑体" panose="02010609060101010101" pitchFamily="49" charset="-122"/>
-              </a:rPr>
-              <a:t>ROOT</a:t>
-            </a:r>
-            <a:endParaRPr kumimoji="1" lang="zh-CN" altLang="en-US" sz="1260" dirty="0">
-              <a:ea typeface="黑体" panose="02010609060101010101" pitchFamily="49" charset="-122"/>
-            </a:endParaRPr>
-          </a:p>
-        </p:txBody>
-      </p:sp>
-      <p:sp>
-        <p:nvSpPr>
-          <p:cNvPr id="8" name="矩形 7">
-            <a:extLst>
-              <a:ext uri="{FF2B5EF4-FFF2-40B4-BE49-F238E27FC236}">
-                <a16:creationId xmlns:a16="http://schemas.microsoft.com/office/drawing/2014/main" id="{A4443424-848A-5542-9E0E-2BDC5052EE06}"/>
-              </a:ext>
-            </a:extLst>
-          </p:cNvPr>
-          <p:cNvSpPr/>
-          <p:nvPr/>
-        </p:nvSpPr>
-        <p:spPr>
-          <a:xfrm>
-            <a:off x="6203950" y="5707874"/>
-            <a:ext cx="988547" cy="498488"/>
-          </a:xfrm>
-          <a:prstGeom prst="rect">
-            <a:avLst/>
-          </a:prstGeom>
-          <a:solidFill>
-            <a:srgbClr val="00B0F0"/>
-          </a:solidFill>
-          <a:ln>
-            <a:noFill/>
-          </a:ln>
-        </p:spPr>
-        <p:style>
-          <a:lnRef idx="2">
-            <a:schemeClr val="accent1">
-              <a:shade val="50000"/>
-            </a:schemeClr>
-          </a:lnRef>
-          <a:fillRef idx="1">
-            <a:schemeClr val="accent1"/>
-          </a:fillRef>
-          <a:effectRef idx="0">
-            <a:schemeClr val="accent1"/>
-          </a:effectRef>
-          <a:fontRef idx="minor">
-            <a:schemeClr val="lt1"/>
-          </a:fontRef>
-        </p:style>
-        <p:txBody>
-          <a:bodyPr rtlCol="0" anchor="ctr"/>
-          <a:lstStyle/>
-          <a:p>
-            <a:pPr algn="ctr"/>
-            <a:r>
               <a:rPr kumimoji="1" lang="zh-CN" altLang="en-US" sz="1260" dirty="0">
                 <a:ea typeface="黑体" panose="02010609060101010101" pitchFamily="49" charset="-122"/>
               </a:rPr>
@@ -17775,7 +17146,7 @@
         </p:nvSpPr>
         <p:spPr>
           <a:xfrm>
-            <a:off x="10875690" y="5406786"/>
+            <a:off x="7954833" y="5233385"/>
             <a:ext cx="470247" cy="166599"/>
           </a:xfrm>
           <a:prstGeom prst="ellipse">
@@ -17827,7 +17198,7 @@
         </p:nvSpPr>
         <p:spPr>
           <a:xfrm>
-            <a:off x="11543961" y="5450562"/>
+            <a:off x="8623104" y="5277161"/>
             <a:ext cx="470247" cy="166599"/>
           </a:xfrm>
           <a:prstGeom prst="ellipse">
@@ -17879,7 +17250,7 @@
         </p:nvSpPr>
         <p:spPr>
           <a:xfrm>
-            <a:off x="11723854" y="6365723"/>
+            <a:off x="8802997" y="6192322"/>
             <a:ext cx="470247" cy="166599"/>
           </a:xfrm>
           <a:prstGeom prst="ellipse">
@@ -17931,7 +17302,7 @@
         </p:nvSpPr>
         <p:spPr>
           <a:xfrm>
-            <a:off x="12051353" y="5824843"/>
+            <a:off x="9130496" y="5651442"/>
             <a:ext cx="470247" cy="166599"/>
           </a:xfrm>
           <a:prstGeom prst="ellipse">
@@ -17983,7 +17354,7 @@
         </p:nvSpPr>
         <p:spPr>
           <a:xfrm>
-            <a:off x="10936074" y="6377439"/>
+            <a:off x="7968177" y="6202219"/>
             <a:ext cx="470247" cy="166599"/>
           </a:xfrm>
           <a:prstGeom prst="ellipse">
@@ -18035,7 +17406,7 @@
         </p:nvSpPr>
         <p:spPr>
           <a:xfrm>
-            <a:off x="8614746" y="5273026"/>
+            <a:off x="5693889" y="5099625"/>
             <a:ext cx="470247" cy="166599"/>
           </a:xfrm>
           <a:prstGeom prst="ellipse">
@@ -18096,7 +17467,7 @@
         </p:nvSpPr>
         <p:spPr>
           <a:xfrm>
-            <a:off x="8317747" y="5470592"/>
+            <a:off x="5396890" y="5297191"/>
             <a:ext cx="470247" cy="166599"/>
           </a:xfrm>
           <a:prstGeom prst="ellipse">
@@ -18148,7 +17519,7 @@
         </p:nvSpPr>
         <p:spPr>
           <a:xfrm>
-            <a:off x="9322642" y="5468207"/>
+            <a:off x="6401785" y="5294806"/>
             <a:ext cx="470247" cy="166599"/>
           </a:xfrm>
           <a:prstGeom prst="ellipse">
@@ -18200,7 +17571,7 @@
         </p:nvSpPr>
         <p:spPr>
           <a:xfrm>
-            <a:off x="9167914" y="5200635"/>
+            <a:off x="6247057" y="5027234"/>
             <a:ext cx="470247" cy="166599"/>
           </a:xfrm>
           <a:prstGeom prst="ellipse">
@@ -18252,7 +17623,7 @@
         </p:nvSpPr>
         <p:spPr>
           <a:xfrm>
-            <a:off x="8552873" y="6512700"/>
+            <a:off x="5632016" y="6339299"/>
             <a:ext cx="470247" cy="166599"/>
           </a:xfrm>
           <a:prstGeom prst="ellipse">
@@ -18304,7 +17675,7 @@
         </p:nvSpPr>
         <p:spPr>
           <a:xfrm>
-            <a:off x="9322643" y="6347017"/>
+            <a:off x="6401786" y="6173616"/>
             <a:ext cx="470247" cy="166599"/>
           </a:xfrm>
           <a:prstGeom prst="ellipse">
@@ -18356,7 +17727,7 @@
         </p:nvSpPr>
         <p:spPr>
           <a:xfrm>
-            <a:off x="8296705" y="6273934"/>
+            <a:off x="5375848" y="6100533"/>
             <a:ext cx="470247" cy="166599"/>
           </a:xfrm>
           <a:prstGeom prst="ellipse">
@@ -18408,7 +17779,7 @@
         </p:nvSpPr>
         <p:spPr>
           <a:xfrm>
-            <a:off x="10013034" y="6002162"/>
+            <a:off x="7092177" y="5828761"/>
             <a:ext cx="472598" cy="378078"/>
           </a:xfrm>
           <a:prstGeom prst="diamond">
@@ -18462,7 +17833,7 @@
         </p:nvSpPr>
         <p:spPr>
           <a:xfrm>
-            <a:off x="5267300" y="6002162"/>
+            <a:off x="2346443" y="5828761"/>
             <a:ext cx="472598" cy="378078"/>
           </a:xfrm>
           <a:prstGeom prst="diamond">
@@ -18504,19 +17875,19 @@
       </p:sp>
       <p:sp>
         <p:nvSpPr>
-          <p:cNvPr id="28" name="椭圆 27">
-            <a:extLst>
-              <a:ext uri="{FF2B5EF4-FFF2-40B4-BE49-F238E27FC236}">
-                <a16:creationId xmlns:a16="http://schemas.microsoft.com/office/drawing/2014/main" id="{7E01A3D5-D7E5-904F-B372-4E9F80A83F38}"/>
-              </a:ext>
-            </a:extLst>
-          </p:cNvPr>
-          <p:cNvSpPr/>
-          <p:nvPr/>
-        </p:nvSpPr>
-        <p:spPr>
-          <a:xfrm>
-            <a:off x="4401854" y="6414516"/>
+          <p:cNvPr id="32" name="椭圆 31">
+            <a:extLst>
+              <a:ext uri="{FF2B5EF4-FFF2-40B4-BE49-F238E27FC236}">
+                <a16:creationId xmlns:a16="http://schemas.microsoft.com/office/drawing/2014/main" id="{D5EC66F7-522E-1549-9312-E25C2F6E8EA1}"/>
+              </a:ext>
+            </a:extLst>
+          </p:cNvPr>
+          <p:cNvSpPr/>
+          <p:nvPr/>
+        </p:nvSpPr>
+        <p:spPr>
+          <a:xfrm>
+            <a:off x="3846916" y="6229238"/>
             <a:ext cx="470247" cy="166599"/>
           </a:xfrm>
           <a:prstGeom prst="ellipse">
@@ -18556,19 +17927,123 @@
       </p:sp>
       <p:sp>
         <p:nvSpPr>
-          <p:cNvPr id="29" name="椭圆 28">
-            <a:extLst>
-              <a:ext uri="{FF2B5EF4-FFF2-40B4-BE49-F238E27FC236}">
-                <a16:creationId xmlns:a16="http://schemas.microsoft.com/office/drawing/2014/main" id="{36557B3A-4305-0B47-BDDE-392EFF018B28}"/>
-              </a:ext>
-            </a:extLst>
-          </p:cNvPr>
-          <p:cNvSpPr/>
-          <p:nvPr/>
-        </p:nvSpPr>
-        <p:spPr>
-          <a:xfrm>
-            <a:off x="3631632" y="6343490"/>
+          <p:cNvPr id="33" name="椭圆 32">
+            <a:extLst>
+              <a:ext uri="{FF2B5EF4-FFF2-40B4-BE49-F238E27FC236}">
+                <a16:creationId xmlns:a16="http://schemas.microsoft.com/office/drawing/2014/main" id="{231E4540-645B-F14E-8444-C66AFEE52754}"/>
+              </a:ext>
+            </a:extLst>
+          </p:cNvPr>
+          <p:cNvSpPr/>
+          <p:nvPr/>
+        </p:nvSpPr>
+        <p:spPr>
+          <a:xfrm>
+            <a:off x="3094186" y="5279239"/>
+            <a:ext cx="470247" cy="166599"/>
+          </a:xfrm>
+          <a:prstGeom prst="ellipse">
+            <a:avLst/>
+          </a:prstGeom>
+          <a:ln>
+            <a:noFill/>
+          </a:ln>
+        </p:spPr>
+        <p:style>
+          <a:lnRef idx="3">
+            <a:schemeClr val="lt1"/>
+          </a:lnRef>
+          <a:fillRef idx="1">
+            <a:schemeClr val="accent2"/>
+          </a:fillRef>
+          <a:effectRef idx="1">
+            <a:schemeClr val="accent2"/>
+          </a:effectRef>
+          <a:fontRef idx="minor">
+            <a:schemeClr val="lt1"/>
+          </a:fontRef>
+        </p:style>
+        <p:txBody>
+          <a:bodyPr vert="horz" rtlCol="0" anchor="ctr"/>
+          <a:lstStyle/>
+          <a:p>
+            <a:pPr algn="ctr"/>
+            <a:r>
+              <a:rPr kumimoji="1" lang="zh-CN" altLang="en-US" sz="525" dirty="0">
+                <a:ea typeface="黑体" panose="02010609060101010101" pitchFamily="49" charset="-122"/>
+              </a:rPr>
+              <a:t>账号</a:t>
+            </a:r>
+          </a:p>
+        </p:txBody>
+      </p:sp>
+      <p:sp>
+        <p:nvSpPr>
+          <p:cNvPr id="34" name="椭圆 33">
+            <a:extLst>
+              <a:ext uri="{FF2B5EF4-FFF2-40B4-BE49-F238E27FC236}">
+                <a16:creationId xmlns:a16="http://schemas.microsoft.com/office/drawing/2014/main" id="{39B3046C-8329-7144-A2A3-D7A2ED18352F}"/>
+              </a:ext>
+            </a:extLst>
+          </p:cNvPr>
+          <p:cNvSpPr/>
+          <p:nvPr/>
+        </p:nvSpPr>
+        <p:spPr>
+          <a:xfrm>
+            <a:off x="3988501" y="5298987"/>
+            <a:ext cx="470247" cy="166599"/>
+          </a:xfrm>
+          <a:prstGeom prst="ellipse">
+            <a:avLst/>
+          </a:prstGeom>
+          <a:ln>
+            <a:noFill/>
+          </a:ln>
+        </p:spPr>
+        <p:style>
+          <a:lnRef idx="3">
+            <a:schemeClr val="lt1"/>
+          </a:lnRef>
+          <a:fillRef idx="1">
+            <a:schemeClr val="accent2"/>
+          </a:fillRef>
+          <a:effectRef idx="1">
+            <a:schemeClr val="accent2"/>
+          </a:effectRef>
+          <a:fontRef idx="minor">
+            <a:schemeClr val="lt1"/>
+          </a:fontRef>
+        </p:style>
+        <p:txBody>
+          <a:bodyPr vert="horz" rtlCol="0" anchor="ctr"/>
+          <a:lstStyle/>
+          <a:p>
+            <a:pPr algn="ctr"/>
+            <a:r>
+              <a:rPr kumimoji="1" lang="zh-CN" altLang="en-US" sz="525" dirty="0">
+                <a:ea typeface="黑体" panose="02010609060101010101" pitchFamily="49" charset="-122"/>
+              </a:rPr>
+              <a:t>密码</a:t>
+            </a:r>
+          </a:p>
+        </p:txBody>
+      </p:sp>
+      <p:sp>
+        <p:nvSpPr>
+          <p:cNvPr id="36" name="椭圆 35">
+            <a:extLst>
+              <a:ext uri="{FF2B5EF4-FFF2-40B4-BE49-F238E27FC236}">
+                <a16:creationId xmlns:a16="http://schemas.microsoft.com/office/drawing/2014/main" id="{C50905A3-8102-FF46-80ED-0EAE1D6F5F90}"/>
+              </a:ext>
+            </a:extLst>
+          </p:cNvPr>
+          <p:cNvSpPr/>
+          <p:nvPr/>
+        </p:nvSpPr>
+        <p:spPr>
+          <a:xfrm>
+            <a:off x="3071498" y="6202219"/>
             <a:ext cx="470247" cy="166599"/>
           </a:xfrm>
           <a:prstGeom prst="ellipse">
@@ -18611,321 +18086,6 @@
       </p:sp>
       <p:sp>
         <p:nvSpPr>
-          <p:cNvPr id="30" name="椭圆 29">
-            <a:extLst>
-              <a:ext uri="{FF2B5EF4-FFF2-40B4-BE49-F238E27FC236}">
-                <a16:creationId xmlns:a16="http://schemas.microsoft.com/office/drawing/2014/main" id="{290AC10D-4225-1F41-8A33-A8091BFDE878}"/>
-              </a:ext>
-            </a:extLst>
-          </p:cNvPr>
-          <p:cNvSpPr/>
-          <p:nvPr/>
-        </p:nvSpPr>
-        <p:spPr>
-          <a:xfrm>
-            <a:off x="3439442" y="5439140"/>
-            <a:ext cx="470247" cy="166599"/>
-          </a:xfrm>
-          <a:prstGeom prst="ellipse">
-            <a:avLst/>
-          </a:prstGeom>
-          <a:ln>
-            <a:noFill/>
-          </a:ln>
-        </p:spPr>
-        <p:style>
-          <a:lnRef idx="3">
-            <a:schemeClr val="lt1"/>
-          </a:lnRef>
-          <a:fillRef idx="1">
-            <a:schemeClr val="accent2"/>
-          </a:fillRef>
-          <a:effectRef idx="1">
-            <a:schemeClr val="accent2"/>
-          </a:effectRef>
-          <a:fontRef idx="minor">
-            <a:schemeClr val="lt1"/>
-          </a:fontRef>
-        </p:style>
-        <p:txBody>
-          <a:bodyPr vert="horz" rtlCol="0" anchor="ctr"/>
-          <a:lstStyle/>
-          <a:p>
-            <a:pPr algn="ctr"/>
-            <a:r>
-              <a:rPr kumimoji="1" lang="zh-CN" altLang="en-US" sz="525" dirty="0">
-                <a:ea typeface="黑体" panose="02010609060101010101" pitchFamily="49" charset="-122"/>
-              </a:rPr>
-              <a:t>账号</a:t>
-            </a:r>
-          </a:p>
-        </p:txBody>
-      </p:sp>
-      <p:sp>
-        <p:nvSpPr>
-          <p:cNvPr id="31" name="椭圆 30">
-            <a:extLst>
-              <a:ext uri="{FF2B5EF4-FFF2-40B4-BE49-F238E27FC236}">
-                <a16:creationId xmlns:a16="http://schemas.microsoft.com/office/drawing/2014/main" id="{03B40F3A-4B52-204E-B539-31EA63390D75}"/>
-              </a:ext>
-            </a:extLst>
-          </p:cNvPr>
-          <p:cNvSpPr/>
-          <p:nvPr/>
-        </p:nvSpPr>
-        <p:spPr>
-          <a:xfrm>
-            <a:off x="4483633" y="5345844"/>
-            <a:ext cx="470247" cy="166599"/>
-          </a:xfrm>
-          <a:prstGeom prst="ellipse">
-            <a:avLst/>
-          </a:prstGeom>
-          <a:ln>
-            <a:noFill/>
-          </a:ln>
-        </p:spPr>
-        <p:style>
-          <a:lnRef idx="3">
-            <a:schemeClr val="lt1"/>
-          </a:lnRef>
-          <a:fillRef idx="1">
-            <a:schemeClr val="accent2"/>
-          </a:fillRef>
-          <a:effectRef idx="1">
-            <a:schemeClr val="accent2"/>
-          </a:effectRef>
-          <a:fontRef idx="minor">
-            <a:schemeClr val="lt1"/>
-          </a:fontRef>
-        </p:style>
-        <p:txBody>
-          <a:bodyPr vert="horz" rtlCol="0" anchor="ctr"/>
-          <a:lstStyle/>
-          <a:p>
-            <a:pPr algn="ctr"/>
-            <a:r>
-              <a:rPr kumimoji="1" lang="zh-CN" altLang="en-US" sz="525" dirty="0">
-                <a:ea typeface="黑体" panose="02010609060101010101" pitchFamily="49" charset="-122"/>
-              </a:rPr>
-              <a:t>密码</a:t>
-            </a:r>
-          </a:p>
-        </p:txBody>
-      </p:sp>
-      <p:sp>
-        <p:nvSpPr>
-          <p:cNvPr id="32" name="椭圆 31">
-            <a:extLst>
-              <a:ext uri="{FF2B5EF4-FFF2-40B4-BE49-F238E27FC236}">
-                <a16:creationId xmlns:a16="http://schemas.microsoft.com/office/drawing/2014/main" id="{D5EC66F7-522E-1549-9312-E25C2F6E8EA1}"/>
-              </a:ext>
-            </a:extLst>
-          </p:cNvPr>
-          <p:cNvSpPr/>
-          <p:nvPr/>
-        </p:nvSpPr>
-        <p:spPr>
-          <a:xfrm>
-            <a:off x="6767773" y="6402639"/>
-            <a:ext cx="470247" cy="166599"/>
-          </a:xfrm>
-          <a:prstGeom prst="ellipse">
-            <a:avLst/>
-          </a:prstGeom>
-          <a:ln>
-            <a:noFill/>
-          </a:ln>
-        </p:spPr>
-        <p:style>
-          <a:lnRef idx="3">
-            <a:schemeClr val="lt1"/>
-          </a:lnRef>
-          <a:fillRef idx="1">
-            <a:schemeClr val="accent2"/>
-          </a:fillRef>
-          <a:effectRef idx="1">
-            <a:schemeClr val="accent2"/>
-          </a:effectRef>
-          <a:fontRef idx="minor">
-            <a:schemeClr val="lt1"/>
-          </a:fontRef>
-        </p:style>
-        <p:txBody>
-          <a:bodyPr vert="horz" rtlCol="0" anchor="ctr"/>
-          <a:lstStyle/>
-          <a:p>
-            <a:pPr algn="ctr"/>
-            <a:r>
-              <a:rPr kumimoji="1" lang="zh-CN" altLang="en-US" sz="525" dirty="0">
-                <a:ea typeface="黑体" panose="02010609060101010101" pitchFamily="49" charset="-122"/>
-              </a:rPr>
-              <a:t>累计包裹</a:t>
-            </a:r>
-          </a:p>
-        </p:txBody>
-      </p:sp>
-      <p:sp>
-        <p:nvSpPr>
-          <p:cNvPr id="33" name="椭圆 32">
-            <a:extLst>
-              <a:ext uri="{FF2B5EF4-FFF2-40B4-BE49-F238E27FC236}">
-                <a16:creationId xmlns:a16="http://schemas.microsoft.com/office/drawing/2014/main" id="{231E4540-645B-F14E-8444-C66AFEE52754}"/>
-              </a:ext>
-            </a:extLst>
-          </p:cNvPr>
-          <p:cNvSpPr/>
-          <p:nvPr/>
-        </p:nvSpPr>
-        <p:spPr>
-          <a:xfrm>
-            <a:off x="6015043" y="5452640"/>
-            <a:ext cx="470247" cy="166599"/>
-          </a:xfrm>
-          <a:prstGeom prst="ellipse">
-            <a:avLst/>
-          </a:prstGeom>
-          <a:ln>
-            <a:noFill/>
-          </a:ln>
-        </p:spPr>
-        <p:style>
-          <a:lnRef idx="3">
-            <a:schemeClr val="lt1"/>
-          </a:lnRef>
-          <a:fillRef idx="1">
-            <a:schemeClr val="accent2"/>
-          </a:fillRef>
-          <a:effectRef idx="1">
-            <a:schemeClr val="accent2"/>
-          </a:effectRef>
-          <a:fontRef idx="minor">
-            <a:schemeClr val="lt1"/>
-          </a:fontRef>
-        </p:style>
-        <p:txBody>
-          <a:bodyPr vert="horz" rtlCol="0" anchor="ctr"/>
-          <a:lstStyle/>
-          <a:p>
-            <a:pPr algn="ctr"/>
-            <a:r>
-              <a:rPr kumimoji="1" lang="zh-CN" altLang="en-US" sz="525" dirty="0">
-                <a:ea typeface="黑体" panose="02010609060101010101" pitchFamily="49" charset="-122"/>
-              </a:rPr>
-              <a:t>账号</a:t>
-            </a:r>
-          </a:p>
-        </p:txBody>
-      </p:sp>
-      <p:sp>
-        <p:nvSpPr>
-          <p:cNvPr id="34" name="椭圆 33">
-            <a:extLst>
-              <a:ext uri="{FF2B5EF4-FFF2-40B4-BE49-F238E27FC236}">
-                <a16:creationId xmlns:a16="http://schemas.microsoft.com/office/drawing/2014/main" id="{39B3046C-8329-7144-A2A3-D7A2ED18352F}"/>
-              </a:ext>
-            </a:extLst>
-          </p:cNvPr>
-          <p:cNvSpPr/>
-          <p:nvPr/>
-        </p:nvSpPr>
-        <p:spPr>
-          <a:xfrm>
-            <a:off x="6909358" y="5472388"/>
-            <a:ext cx="470247" cy="166599"/>
-          </a:xfrm>
-          <a:prstGeom prst="ellipse">
-            <a:avLst/>
-          </a:prstGeom>
-          <a:ln>
-            <a:noFill/>
-          </a:ln>
-        </p:spPr>
-        <p:style>
-          <a:lnRef idx="3">
-            <a:schemeClr val="lt1"/>
-          </a:lnRef>
-          <a:fillRef idx="1">
-            <a:schemeClr val="accent2"/>
-          </a:fillRef>
-          <a:effectRef idx="1">
-            <a:schemeClr val="accent2"/>
-          </a:effectRef>
-          <a:fontRef idx="minor">
-            <a:schemeClr val="lt1"/>
-          </a:fontRef>
-        </p:style>
-        <p:txBody>
-          <a:bodyPr vert="horz" rtlCol="0" anchor="ctr"/>
-          <a:lstStyle/>
-          <a:p>
-            <a:pPr algn="ctr"/>
-            <a:r>
-              <a:rPr kumimoji="1" lang="zh-CN" altLang="en-US" sz="525" dirty="0">
-                <a:ea typeface="黑体" panose="02010609060101010101" pitchFamily="49" charset="-122"/>
-              </a:rPr>
-              <a:t>密码</a:t>
-            </a:r>
-          </a:p>
-        </p:txBody>
-      </p:sp>
-      <p:sp>
-        <p:nvSpPr>
-          <p:cNvPr id="36" name="椭圆 35">
-            <a:extLst>
-              <a:ext uri="{FF2B5EF4-FFF2-40B4-BE49-F238E27FC236}">
-                <a16:creationId xmlns:a16="http://schemas.microsoft.com/office/drawing/2014/main" id="{C50905A3-8102-FF46-80ED-0EAE1D6F5F90}"/>
-              </a:ext>
-            </a:extLst>
-          </p:cNvPr>
-          <p:cNvSpPr/>
-          <p:nvPr/>
-        </p:nvSpPr>
-        <p:spPr>
-          <a:xfrm>
-            <a:off x="5992355" y="6375620"/>
-            <a:ext cx="470247" cy="166599"/>
-          </a:xfrm>
-          <a:prstGeom prst="ellipse">
-            <a:avLst/>
-          </a:prstGeom>
-          <a:ln>
-            <a:noFill/>
-          </a:ln>
-        </p:spPr>
-        <p:style>
-          <a:lnRef idx="3">
-            <a:schemeClr val="lt1"/>
-          </a:lnRef>
-          <a:fillRef idx="1">
-            <a:schemeClr val="accent2"/>
-          </a:fillRef>
-          <a:effectRef idx="1">
-            <a:schemeClr val="accent2"/>
-          </a:effectRef>
-          <a:fontRef idx="minor">
-            <a:schemeClr val="lt1"/>
-          </a:fontRef>
-        </p:style>
-        <p:txBody>
-          <a:bodyPr vert="horz" rtlCol="0" anchor="ctr"/>
-          <a:lstStyle/>
-          <a:p>
-            <a:pPr algn="ctr"/>
-            <a:r>
-              <a:rPr kumimoji="1" lang="en-US" altLang="zh-CN" sz="420" dirty="0">
-                <a:ea typeface="黑体" panose="02010609060101010101" pitchFamily="49" charset="-122"/>
-              </a:rPr>
-              <a:t>wage</a:t>
-            </a:r>
-            <a:endParaRPr kumimoji="1" lang="zh-CN" altLang="en-US" sz="420" dirty="0">
-              <a:ea typeface="黑体" panose="02010609060101010101" pitchFamily="49" charset="-122"/>
-            </a:endParaRPr>
-          </a:p>
-        </p:txBody>
-      </p:sp>
-      <p:sp>
-        <p:nvSpPr>
           <p:cNvPr id="38" name="菱形 37">
             <a:extLst>
               <a:ext uri="{FF2B5EF4-FFF2-40B4-BE49-F238E27FC236}">
@@ -18938,7 +18098,7 @@
         </p:nvSpPr>
         <p:spPr>
           <a:xfrm>
-            <a:off x="10013034" y="5530876"/>
+            <a:off x="7092177" y="5357475"/>
             <a:ext cx="472598" cy="378078"/>
           </a:xfrm>
           <a:prstGeom prst="diamond">
@@ -18980,19 +18140,19 @@
       </p:sp>
       <p:sp>
         <p:nvSpPr>
-          <p:cNvPr id="39" name="菱形 38">
-            <a:extLst>
-              <a:ext uri="{FF2B5EF4-FFF2-40B4-BE49-F238E27FC236}">
-                <a16:creationId xmlns:a16="http://schemas.microsoft.com/office/drawing/2014/main" id="{3A3C0DB3-F672-304D-94FB-01A5CD6EB7FF}"/>
-              </a:ext>
-            </a:extLst>
-          </p:cNvPr>
-          <p:cNvSpPr/>
-          <p:nvPr/>
-        </p:nvSpPr>
-        <p:spPr>
-          <a:xfrm>
-            <a:off x="2818759" y="5530876"/>
+          <p:cNvPr id="43" name="菱形 42">
+            <a:extLst>
+              <a:ext uri="{FF2B5EF4-FFF2-40B4-BE49-F238E27FC236}">
+                <a16:creationId xmlns:a16="http://schemas.microsoft.com/office/drawing/2014/main" id="{20D3E7AF-FA3C-8542-B5B8-05FA19273B92}"/>
+              </a:ext>
+            </a:extLst>
+          </p:cNvPr>
+          <p:cNvSpPr/>
+          <p:nvPr/>
+        </p:nvSpPr>
+        <p:spPr>
+          <a:xfrm>
+            <a:off x="4632727" y="5828761"/>
             <a:ext cx="472598" cy="378078"/>
           </a:xfrm>
           <a:prstGeom prst="diamond">
@@ -19024,6 +18184,114 @@
           <a:p>
             <a:pPr algn="ctr"/>
             <a:r>
+              <a:rPr kumimoji="1" lang="zh-CN" altLang="en-US" sz="735" dirty="0">
+                <a:ea typeface="黑体" panose="02010609060101010101" pitchFamily="49" charset="-122"/>
+              </a:rPr>
+              <a:t>派件</a:t>
+            </a:r>
+          </a:p>
+        </p:txBody>
+      </p:sp>
+      <p:sp>
+        <p:nvSpPr>
+          <p:cNvPr id="44" name="菱形 43">
+            <a:extLst>
+              <a:ext uri="{FF2B5EF4-FFF2-40B4-BE49-F238E27FC236}">
+                <a16:creationId xmlns:a16="http://schemas.microsoft.com/office/drawing/2014/main" id="{435ABC90-06D1-A847-9986-FCED0A9B6E9C}"/>
+              </a:ext>
+            </a:extLst>
+          </p:cNvPr>
+          <p:cNvSpPr/>
+          <p:nvPr/>
+        </p:nvSpPr>
+        <p:spPr>
+          <a:xfrm>
+            <a:off x="4632727" y="5357475"/>
+            <a:ext cx="472598" cy="378078"/>
+          </a:xfrm>
+          <a:prstGeom prst="diamond">
+            <a:avLst/>
+          </a:prstGeom>
+          <a:ln>
+            <a:noFill/>
+          </a:ln>
+        </p:spPr>
+        <p:style>
+          <a:lnRef idx="2">
+            <a:schemeClr val="accent6">
+              <a:shade val="50000"/>
+            </a:schemeClr>
+          </a:lnRef>
+          <a:fillRef idx="1">
+            <a:schemeClr val="accent6"/>
+          </a:fillRef>
+          <a:effectRef idx="0">
+            <a:schemeClr val="accent6"/>
+          </a:effectRef>
+          <a:fontRef idx="minor">
+            <a:schemeClr val="lt1"/>
+          </a:fontRef>
+        </p:style>
+        <p:txBody>
+          <a:bodyPr rtlCol="0" anchor="ctr"/>
+          <a:lstStyle/>
+          <a:p>
+            <a:pPr algn="ctr"/>
+            <a:r>
+              <a:rPr kumimoji="1" lang="zh-CN" altLang="en-US" sz="735" dirty="0">
+                <a:ea typeface="黑体" panose="02010609060101010101" pitchFamily="49" charset="-122"/>
+              </a:rPr>
+              <a:t>揽件</a:t>
+            </a:r>
+          </a:p>
+        </p:txBody>
+      </p:sp>
+      <p:sp>
+        <p:nvSpPr>
+          <p:cNvPr id="45" name="菱形 44">
+            <a:extLst>
+              <a:ext uri="{FF2B5EF4-FFF2-40B4-BE49-F238E27FC236}">
+                <a16:creationId xmlns:a16="http://schemas.microsoft.com/office/drawing/2014/main" id="{94E41F92-8AC0-3243-B487-93A087E1BFBF}"/>
+              </a:ext>
+            </a:extLst>
+          </p:cNvPr>
+          <p:cNvSpPr/>
+          <p:nvPr/>
+        </p:nvSpPr>
+        <p:spPr>
+          <a:xfrm>
+            <a:off x="2339567" y="5357475"/>
+            <a:ext cx="472598" cy="378078"/>
+          </a:xfrm>
+          <a:prstGeom prst="diamond">
+            <a:avLst/>
+          </a:prstGeom>
+          <a:ln>
+            <a:noFill/>
+          </a:ln>
+        </p:spPr>
+        <p:style>
+          <a:lnRef idx="2">
+            <a:schemeClr val="accent6">
+              <a:shade val="50000"/>
+            </a:schemeClr>
+          </a:lnRef>
+          <a:fillRef idx="1">
+            <a:schemeClr val="accent6"/>
+          </a:fillRef>
+          <a:effectRef idx="0">
+            <a:schemeClr val="accent6"/>
+          </a:effectRef>
+          <a:fontRef idx="minor">
+            <a:schemeClr val="lt1"/>
+          </a:fontRef>
+        </p:style>
+        <p:txBody>
+          <a:bodyPr rtlCol="0" anchor="ctr"/>
+          <a:lstStyle/>
+          <a:p>
+            <a:pPr algn="ctr"/>
+            <a:r>
               <a:rPr kumimoji="1" lang="zh-CN" altLang="en-US" sz="945" dirty="0">
                 <a:ea typeface="黑体" panose="02010609060101010101" pitchFamily="49" charset="-122"/>
               </a:rPr>
@@ -19034,20 +18302,648 @@
       </p:sp>
       <p:sp>
         <p:nvSpPr>
-          <p:cNvPr id="43" name="菱形 42">
-            <a:extLst>
-              <a:ext uri="{FF2B5EF4-FFF2-40B4-BE49-F238E27FC236}">
-                <a16:creationId xmlns:a16="http://schemas.microsoft.com/office/drawing/2014/main" id="{20D3E7AF-FA3C-8542-B5B8-05FA19273B92}"/>
-              </a:ext>
-            </a:extLst>
-          </p:cNvPr>
-          <p:cNvSpPr/>
-          <p:nvPr/>
-        </p:nvSpPr>
-        <p:spPr>
-          <a:xfrm>
-            <a:off x="7553584" y="6002162"/>
-            <a:ext cx="472598" cy="378078"/>
+          <p:cNvPr id="54" name="椭圆 53">
+            <a:extLst>
+              <a:ext uri="{FF2B5EF4-FFF2-40B4-BE49-F238E27FC236}">
+                <a16:creationId xmlns:a16="http://schemas.microsoft.com/office/drawing/2014/main" id="{3D75C05B-1232-6B46-BEC8-62F450C4F36B}"/>
+              </a:ext>
+            </a:extLst>
+          </p:cNvPr>
+          <p:cNvSpPr/>
+          <p:nvPr/>
+        </p:nvSpPr>
+        <p:spPr>
+          <a:xfrm>
+            <a:off x="6802621" y="4826199"/>
+            <a:ext cx="470247" cy="166599"/>
+          </a:xfrm>
+          <a:prstGeom prst="ellipse">
+            <a:avLst/>
+          </a:prstGeom>
+          <a:solidFill>
+            <a:schemeClr val="accent4"/>
+          </a:solidFill>
+          <a:ln>
+            <a:noFill/>
+          </a:ln>
+        </p:spPr>
+        <p:style>
+          <a:lnRef idx="3">
+            <a:schemeClr val="lt1"/>
+          </a:lnRef>
+          <a:fillRef idx="1">
+            <a:schemeClr val="accent2"/>
+          </a:fillRef>
+          <a:effectRef idx="1">
+            <a:schemeClr val="accent2"/>
+          </a:effectRef>
+          <a:fontRef idx="minor">
+            <a:schemeClr val="lt1"/>
+          </a:fontRef>
+        </p:style>
+        <p:txBody>
+          <a:bodyPr vert="horz" rtlCol="0" anchor="ctr"/>
+          <a:lstStyle/>
+          <a:p>
+            <a:pPr algn="ctr"/>
+            <a:r>
+              <a:rPr kumimoji="1" lang="zh-CN" altLang="en-US" sz="420" dirty="0">
+                <a:ea typeface="黑体" panose="02010609060101010101" pitchFamily="49" charset="-122"/>
+              </a:rPr>
+              <a:t>已揽件</a:t>
+            </a:r>
+          </a:p>
+        </p:txBody>
+      </p:sp>
+      <p:sp>
+        <p:nvSpPr>
+          <p:cNvPr id="55" name="椭圆 54">
+            <a:extLst>
+              <a:ext uri="{FF2B5EF4-FFF2-40B4-BE49-F238E27FC236}">
+                <a16:creationId xmlns:a16="http://schemas.microsoft.com/office/drawing/2014/main" id="{84EA7BFC-FAC1-7644-8ABA-7417F9FBC886}"/>
+              </a:ext>
+            </a:extLst>
+          </p:cNvPr>
+          <p:cNvSpPr/>
+          <p:nvPr/>
+        </p:nvSpPr>
+        <p:spPr>
+          <a:xfrm>
+            <a:off x="6776921" y="5113690"/>
+            <a:ext cx="470247" cy="166599"/>
+          </a:xfrm>
+          <a:prstGeom prst="ellipse">
+            <a:avLst/>
+          </a:prstGeom>
+          <a:solidFill>
+            <a:schemeClr val="accent4"/>
+          </a:solidFill>
+          <a:ln>
+            <a:noFill/>
+          </a:ln>
+        </p:spPr>
+        <p:style>
+          <a:lnRef idx="3">
+            <a:schemeClr val="lt1"/>
+          </a:lnRef>
+          <a:fillRef idx="1">
+            <a:schemeClr val="accent2"/>
+          </a:fillRef>
+          <a:effectRef idx="1">
+            <a:schemeClr val="accent2"/>
+          </a:effectRef>
+          <a:fontRef idx="minor">
+            <a:schemeClr val="lt1"/>
+          </a:fontRef>
+        </p:style>
+        <p:txBody>
+          <a:bodyPr vert="horz" rtlCol="0" anchor="ctr"/>
+          <a:lstStyle/>
+          <a:p>
+            <a:pPr algn="ctr"/>
+            <a:r>
+              <a:rPr kumimoji="1" lang="zh-CN" altLang="en-US" sz="420" dirty="0">
+                <a:ea typeface="黑体" panose="02010609060101010101" pitchFamily="49" charset="-122"/>
+              </a:rPr>
+              <a:t>派件中</a:t>
+            </a:r>
+            <a:endParaRPr kumimoji="1" lang="en-US" altLang="zh-CN" sz="420" dirty="0">
+              <a:ea typeface="黑体" panose="02010609060101010101" pitchFamily="49" charset="-122"/>
+            </a:endParaRPr>
+          </a:p>
+        </p:txBody>
+      </p:sp>
+      <p:sp>
+        <p:nvSpPr>
+          <p:cNvPr id="56" name="椭圆 55">
+            <a:extLst>
+              <a:ext uri="{FF2B5EF4-FFF2-40B4-BE49-F238E27FC236}">
+                <a16:creationId xmlns:a16="http://schemas.microsoft.com/office/drawing/2014/main" id="{4B9CF821-589E-4A4A-8A1C-EFFB572ADD3B}"/>
+              </a:ext>
+            </a:extLst>
+          </p:cNvPr>
+          <p:cNvSpPr/>
+          <p:nvPr/>
+        </p:nvSpPr>
+        <p:spPr>
+          <a:xfrm>
+            <a:off x="7383374" y="4914146"/>
+            <a:ext cx="470247" cy="166599"/>
+          </a:xfrm>
+          <a:prstGeom prst="ellipse">
+            <a:avLst/>
+          </a:prstGeom>
+          <a:solidFill>
+            <a:schemeClr val="accent4"/>
+          </a:solidFill>
+          <a:ln>
+            <a:noFill/>
+          </a:ln>
+        </p:spPr>
+        <p:style>
+          <a:lnRef idx="3">
+            <a:schemeClr val="lt1"/>
+          </a:lnRef>
+          <a:fillRef idx="1">
+            <a:schemeClr val="accent2"/>
+          </a:fillRef>
+          <a:effectRef idx="1">
+            <a:schemeClr val="accent2"/>
+          </a:effectRef>
+          <a:fontRef idx="minor">
+            <a:schemeClr val="lt1"/>
+          </a:fontRef>
+        </p:style>
+        <p:txBody>
+          <a:bodyPr vert="horz" rtlCol="0" anchor="ctr"/>
+          <a:lstStyle/>
+          <a:p>
+            <a:pPr algn="ctr"/>
+            <a:r>
+              <a:rPr kumimoji="1" lang="zh-CN" altLang="en-US" sz="420" dirty="0">
+                <a:ea typeface="黑体" panose="02010609060101010101" pitchFamily="49" charset="-122"/>
+              </a:rPr>
+              <a:t>已签收</a:t>
+            </a:r>
+            <a:endParaRPr kumimoji="1" lang="en-US" altLang="zh-CN" sz="420" dirty="0">
+              <a:ea typeface="黑体" panose="02010609060101010101" pitchFamily="49" charset="-122"/>
+            </a:endParaRPr>
+          </a:p>
+        </p:txBody>
+      </p:sp>
+      <p:sp>
+        <p:nvSpPr>
+          <p:cNvPr id="59" name="椭圆 58">
+            <a:extLst>
+              <a:ext uri="{FF2B5EF4-FFF2-40B4-BE49-F238E27FC236}">
+                <a16:creationId xmlns:a16="http://schemas.microsoft.com/office/drawing/2014/main" id="{677231F6-80E7-C949-879E-8EB835DC7F3A}"/>
+              </a:ext>
+            </a:extLst>
+          </p:cNvPr>
+          <p:cNvSpPr/>
+          <p:nvPr/>
+        </p:nvSpPr>
+        <p:spPr>
+          <a:xfrm>
+            <a:off x="3712501" y="2180795"/>
+            <a:ext cx="470247" cy="166599"/>
+          </a:xfrm>
+          <a:prstGeom prst="ellipse">
+            <a:avLst/>
+          </a:prstGeom>
+          <a:ln>
+            <a:noFill/>
+          </a:ln>
+        </p:spPr>
+        <p:style>
+          <a:lnRef idx="3">
+            <a:schemeClr val="lt1"/>
+          </a:lnRef>
+          <a:fillRef idx="1">
+            <a:schemeClr val="accent2"/>
+          </a:fillRef>
+          <a:effectRef idx="1">
+            <a:schemeClr val="accent2"/>
+          </a:effectRef>
+          <a:fontRef idx="minor">
+            <a:schemeClr val="lt1"/>
+          </a:fontRef>
+        </p:style>
+        <p:txBody>
+          <a:bodyPr vert="horz" rtlCol="0" anchor="ctr"/>
+          <a:lstStyle/>
+          <a:p>
+            <a:pPr algn="ctr"/>
+            <a:r>
+              <a:rPr kumimoji="1" lang="zh-CN" altLang="en-US" sz="525" dirty="0">
+                <a:ea typeface="黑体" panose="02010609060101010101" pitchFamily="49" charset="-122"/>
+              </a:rPr>
+              <a:t>运费单价</a:t>
+            </a:r>
+          </a:p>
+        </p:txBody>
+      </p:sp>
+      <p:sp>
+        <p:nvSpPr>
+          <p:cNvPr id="60" name="椭圆 59">
+            <a:extLst>
+              <a:ext uri="{FF2B5EF4-FFF2-40B4-BE49-F238E27FC236}">
+                <a16:creationId xmlns:a16="http://schemas.microsoft.com/office/drawing/2014/main" id="{A7BCDB4E-EFFA-5547-BFD9-A95FBF72EBA2}"/>
+              </a:ext>
+            </a:extLst>
+          </p:cNvPr>
+          <p:cNvSpPr/>
+          <p:nvPr/>
+        </p:nvSpPr>
+        <p:spPr>
+          <a:xfrm>
+            <a:off x="4635078" y="2264095"/>
+            <a:ext cx="470247" cy="166599"/>
+          </a:xfrm>
+          <a:prstGeom prst="ellipse">
+            <a:avLst/>
+          </a:prstGeom>
+          <a:ln>
+            <a:noFill/>
+          </a:ln>
+        </p:spPr>
+        <p:style>
+          <a:lnRef idx="3">
+            <a:schemeClr val="lt1"/>
+          </a:lnRef>
+          <a:fillRef idx="1">
+            <a:schemeClr val="accent2"/>
+          </a:fillRef>
+          <a:effectRef idx="1">
+            <a:schemeClr val="accent2"/>
+          </a:effectRef>
+          <a:fontRef idx="minor">
+            <a:schemeClr val="lt1"/>
+          </a:fontRef>
+        </p:style>
+        <p:txBody>
+          <a:bodyPr vert="horz" rtlCol="0" anchor="ctr"/>
+          <a:lstStyle/>
+          <a:p>
+            <a:pPr algn="ctr"/>
+            <a:r>
+              <a:rPr kumimoji="1" lang="zh-CN" altLang="en-US" sz="525" dirty="0">
+                <a:ea typeface="黑体" panose="02010609060101010101" pitchFamily="49" charset="-122"/>
+              </a:rPr>
+              <a:t>驿站单价</a:t>
+            </a:r>
+          </a:p>
+        </p:txBody>
+      </p:sp>
+      <p:sp>
+        <p:nvSpPr>
+          <p:cNvPr id="87" name="文本框 86">
+            <a:extLst>
+              <a:ext uri="{FF2B5EF4-FFF2-40B4-BE49-F238E27FC236}">
+                <a16:creationId xmlns:a16="http://schemas.microsoft.com/office/drawing/2014/main" id="{5B154602-EC7C-C84D-A2CA-EC1E95427BD5}"/>
+              </a:ext>
+            </a:extLst>
+          </p:cNvPr>
+          <p:cNvSpPr txBox="1"/>
+          <p:nvPr/>
+        </p:nvSpPr>
+        <p:spPr>
+          <a:xfrm>
+            <a:off x="4920613" y="4848102"/>
+            <a:ext cx="1243523" cy="173124"/>
+          </a:xfrm>
+          <a:prstGeom prst="rect">
+            <a:avLst/>
+          </a:prstGeom>
+          <a:noFill/>
+        </p:spPr>
+        <p:txBody>
+          <a:bodyPr wrap="square" lIns="94500" rtlCol="0">
+            <a:spAutoFit/>
+          </a:bodyPr>
+          <a:lstStyle/>
+          <a:p>
+            <a:r>
+              <a:rPr kumimoji="1" lang="zh-CN" altLang="en-US" sz="525" dirty="0">
+                <a:ea typeface="黑体" panose="02010609060101010101" pitchFamily="49" charset="-122"/>
+              </a:rPr>
+              <a:t>驿站收件，确认快递信息 ，已揽件</a:t>
+            </a:r>
+          </a:p>
+        </p:txBody>
+      </p:sp>
+      <p:sp>
+        <p:nvSpPr>
+          <p:cNvPr id="88" name="文本框 87">
+            <a:extLst>
+              <a:ext uri="{FF2B5EF4-FFF2-40B4-BE49-F238E27FC236}">
+                <a16:creationId xmlns:a16="http://schemas.microsoft.com/office/drawing/2014/main" id="{7FE4462B-CB2D-764A-81A3-8EB0A627DB48}"/>
+              </a:ext>
+            </a:extLst>
+          </p:cNvPr>
+          <p:cNvSpPr txBox="1"/>
+          <p:nvPr/>
+        </p:nvSpPr>
+        <p:spPr>
+          <a:xfrm>
+            <a:off x="2491311" y="4601340"/>
+            <a:ext cx="2827882" cy="173124"/>
+          </a:xfrm>
+          <a:prstGeom prst="rect">
+            <a:avLst/>
+          </a:prstGeom>
+          <a:noFill/>
+        </p:spPr>
+        <p:txBody>
+          <a:bodyPr wrap="square" lIns="94500" rtlCol="0">
+            <a:spAutoFit/>
+          </a:bodyPr>
+          <a:lstStyle/>
+          <a:p>
+            <a:r>
+              <a:rPr kumimoji="1" lang="zh-CN" altLang="en-US" sz="525" dirty="0">
+                <a:ea typeface="黑体" panose="02010609060101010101" pitchFamily="49" charset="-122"/>
+              </a:rPr>
+              <a:t>修改物流信息  运送中 由**发放**</a:t>
+            </a:r>
+          </a:p>
+        </p:txBody>
+      </p:sp>
+      <p:sp>
+        <p:nvSpPr>
+          <p:cNvPr id="91" name="文本框 90">
+            <a:extLst>
+              <a:ext uri="{FF2B5EF4-FFF2-40B4-BE49-F238E27FC236}">
+                <a16:creationId xmlns:a16="http://schemas.microsoft.com/office/drawing/2014/main" id="{BD896805-71EF-174E-88A2-020FCB8E6816}"/>
+              </a:ext>
+            </a:extLst>
+          </p:cNvPr>
+          <p:cNvSpPr txBox="1"/>
+          <p:nvPr/>
+        </p:nvSpPr>
+        <p:spPr>
+          <a:xfrm>
+            <a:off x="2493695" y="6990899"/>
+            <a:ext cx="2827882" cy="173124"/>
+          </a:xfrm>
+          <a:prstGeom prst="rect">
+            <a:avLst/>
+          </a:prstGeom>
+          <a:noFill/>
+        </p:spPr>
+        <p:txBody>
+          <a:bodyPr wrap="square" lIns="94500" rtlCol="0">
+            <a:spAutoFit/>
+          </a:bodyPr>
+          <a:lstStyle/>
+          <a:p>
+            <a:r>
+              <a:rPr kumimoji="1" lang="zh-CN" altLang="en-US" sz="525" dirty="0">
+                <a:ea typeface="黑体" panose="02010609060101010101" pitchFamily="49" charset="-122"/>
+              </a:rPr>
+              <a:t>修改物流信息  运送中 由**发放**</a:t>
+            </a:r>
+          </a:p>
+        </p:txBody>
+      </p:sp>
+      <p:sp>
+        <p:nvSpPr>
+          <p:cNvPr id="92" name="文本框 91">
+            <a:extLst>
+              <a:ext uri="{FF2B5EF4-FFF2-40B4-BE49-F238E27FC236}">
+                <a16:creationId xmlns:a16="http://schemas.microsoft.com/office/drawing/2014/main" id="{E621B89B-FCEE-7841-8E74-7886A6576DAF}"/>
+              </a:ext>
+            </a:extLst>
+          </p:cNvPr>
+          <p:cNvSpPr txBox="1"/>
+          <p:nvPr/>
+        </p:nvSpPr>
+        <p:spPr>
+          <a:xfrm>
+            <a:off x="4822136" y="6786807"/>
+            <a:ext cx="2827882" cy="173124"/>
+          </a:xfrm>
+          <a:prstGeom prst="rect">
+            <a:avLst/>
+          </a:prstGeom>
+          <a:noFill/>
+        </p:spPr>
+        <p:txBody>
+          <a:bodyPr wrap="square" lIns="94500" rtlCol="0">
+            <a:spAutoFit/>
+          </a:bodyPr>
+          <a:lstStyle/>
+          <a:p>
+            <a:r>
+              <a:rPr kumimoji="1" lang="zh-CN" altLang="en-US" sz="525" dirty="0">
+                <a:ea typeface="黑体" panose="02010609060101010101" pitchFamily="49" charset="-122"/>
+              </a:rPr>
+              <a:t>驿站派件 派送中</a:t>
+            </a:r>
+          </a:p>
+        </p:txBody>
+      </p:sp>
+      <p:sp>
+        <p:nvSpPr>
+          <p:cNvPr id="93" name="文本框 92">
+            <a:extLst>
+              <a:ext uri="{FF2B5EF4-FFF2-40B4-BE49-F238E27FC236}">
+                <a16:creationId xmlns:a16="http://schemas.microsoft.com/office/drawing/2014/main" id="{2337AF3D-321F-8748-AD52-097C8FA21A3F}"/>
+              </a:ext>
+            </a:extLst>
+          </p:cNvPr>
+          <p:cNvSpPr txBox="1"/>
+          <p:nvPr/>
+        </p:nvSpPr>
+        <p:spPr>
+          <a:xfrm>
+            <a:off x="6236077" y="6616233"/>
+            <a:ext cx="2827882" cy="173124"/>
+          </a:xfrm>
+          <a:prstGeom prst="rect">
+            <a:avLst/>
+          </a:prstGeom>
+          <a:noFill/>
+        </p:spPr>
+        <p:txBody>
+          <a:bodyPr wrap="square" lIns="94500" rtlCol="0">
+            <a:spAutoFit/>
+          </a:bodyPr>
+          <a:lstStyle/>
+          <a:p>
+            <a:r>
+              <a:rPr kumimoji="1" lang="zh-CN" altLang="en-US" sz="525" dirty="0">
+                <a:ea typeface="黑体" panose="02010609060101010101" pitchFamily="49" charset="-122"/>
+              </a:rPr>
+              <a:t>收件人确认收货 已签收</a:t>
+            </a:r>
+          </a:p>
+        </p:txBody>
+      </p:sp>
+      <p:sp>
+        <p:nvSpPr>
+          <p:cNvPr id="98" name="椭圆 97">
+            <a:extLst>
+              <a:ext uri="{FF2B5EF4-FFF2-40B4-BE49-F238E27FC236}">
+                <a16:creationId xmlns:a16="http://schemas.microsoft.com/office/drawing/2014/main" id="{140D8914-DC6D-874B-A009-F351BCC00666}"/>
+              </a:ext>
+            </a:extLst>
+          </p:cNvPr>
+          <p:cNvSpPr/>
+          <p:nvPr/>
+        </p:nvSpPr>
+        <p:spPr>
+          <a:xfrm>
+            <a:off x="3947625" y="5011000"/>
+            <a:ext cx="470247" cy="166599"/>
+          </a:xfrm>
+          <a:prstGeom prst="ellipse">
+            <a:avLst/>
+          </a:prstGeom>
+          <a:ln>
+            <a:noFill/>
+          </a:ln>
+        </p:spPr>
+        <p:style>
+          <a:lnRef idx="3">
+            <a:schemeClr val="lt1"/>
+          </a:lnRef>
+          <a:fillRef idx="1">
+            <a:schemeClr val="accent2"/>
+          </a:fillRef>
+          <a:effectRef idx="1">
+            <a:schemeClr val="accent2"/>
+          </a:effectRef>
+          <a:fontRef idx="minor">
+            <a:schemeClr val="lt1"/>
+          </a:fontRef>
+        </p:style>
+        <p:txBody>
+          <a:bodyPr vert="horz" rtlCol="0" anchor="ctr"/>
+          <a:lstStyle/>
+          <a:p>
+            <a:pPr algn="ctr"/>
+            <a:r>
+              <a:rPr kumimoji="1" lang="zh-CN" altLang="en-US" sz="420" dirty="0">
+                <a:ea typeface="黑体" panose="02010609060101010101" pitchFamily="49" charset="-122"/>
+              </a:rPr>
+              <a:t>名称</a:t>
+            </a:r>
+          </a:p>
+        </p:txBody>
+      </p:sp>
+      <p:sp>
+        <p:nvSpPr>
+          <p:cNvPr id="100" name="椭圆 99">
+            <a:extLst>
+              <a:ext uri="{FF2B5EF4-FFF2-40B4-BE49-F238E27FC236}">
+                <a16:creationId xmlns:a16="http://schemas.microsoft.com/office/drawing/2014/main" id="{36CE3DFD-63BF-5A4D-80DF-14EF4C6B5AD8}"/>
+              </a:ext>
+            </a:extLst>
+          </p:cNvPr>
+          <p:cNvSpPr/>
+          <p:nvPr/>
+        </p:nvSpPr>
+        <p:spPr>
+          <a:xfrm>
+            <a:off x="6224833" y="4759976"/>
+            <a:ext cx="470247" cy="166599"/>
+          </a:xfrm>
+          <a:prstGeom prst="ellipse">
+            <a:avLst/>
+          </a:prstGeom>
+          <a:solidFill>
+            <a:schemeClr val="accent4"/>
+          </a:solidFill>
+          <a:ln>
+            <a:noFill/>
+          </a:ln>
+        </p:spPr>
+        <p:style>
+          <a:lnRef idx="3">
+            <a:schemeClr val="lt1"/>
+          </a:lnRef>
+          <a:fillRef idx="1">
+            <a:schemeClr val="accent2"/>
+          </a:fillRef>
+          <a:effectRef idx="1">
+            <a:schemeClr val="accent2"/>
+          </a:effectRef>
+          <a:fontRef idx="minor">
+            <a:schemeClr val="lt1"/>
+          </a:fontRef>
+        </p:style>
+        <p:txBody>
+          <a:bodyPr vert="horz" rtlCol="0" anchor="ctr"/>
+          <a:lstStyle/>
+          <a:p>
+            <a:pPr algn="ctr"/>
+            <a:r>
+              <a:rPr kumimoji="1" lang="zh-CN" altLang="en-US" sz="420" dirty="0">
+                <a:ea typeface="黑体" panose="02010609060101010101" pitchFamily="49" charset="-122"/>
+              </a:rPr>
+              <a:t>待揽件</a:t>
+            </a:r>
+            <a:endParaRPr kumimoji="1" lang="en-US" altLang="zh-CN" sz="420" dirty="0">
+              <a:ea typeface="黑体" panose="02010609060101010101" pitchFamily="49" charset="-122"/>
+            </a:endParaRPr>
+          </a:p>
+        </p:txBody>
+      </p:sp>
+      <p:sp>
+        <p:nvSpPr>
+          <p:cNvPr id="101" name="椭圆 100">
+            <a:extLst>
+              <a:ext uri="{FF2B5EF4-FFF2-40B4-BE49-F238E27FC236}">
+                <a16:creationId xmlns:a16="http://schemas.microsoft.com/office/drawing/2014/main" id="{DEBF4416-6B1E-0B44-9618-7C50040F17BF}"/>
+              </a:ext>
+            </a:extLst>
+          </p:cNvPr>
+          <p:cNvSpPr/>
+          <p:nvPr/>
+        </p:nvSpPr>
+        <p:spPr>
+          <a:xfrm>
+            <a:off x="6636908" y="4632659"/>
+            <a:ext cx="470247" cy="166599"/>
+          </a:xfrm>
+          <a:prstGeom prst="ellipse">
+            <a:avLst/>
+          </a:prstGeom>
+          <a:solidFill>
+            <a:schemeClr val="accent4"/>
+          </a:solidFill>
+          <a:ln>
+            <a:noFill/>
+          </a:ln>
+        </p:spPr>
+        <p:style>
+          <a:lnRef idx="3">
+            <a:schemeClr val="lt1"/>
+          </a:lnRef>
+          <a:fillRef idx="1">
+            <a:schemeClr val="accent2"/>
+          </a:fillRef>
+          <a:effectRef idx="1">
+            <a:schemeClr val="accent2"/>
+          </a:effectRef>
+          <a:fontRef idx="minor">
+            <a:schemeClr val="lt1"/>
+          </a:fontRef>
+        </p:style>
+        <p:txBody>
+          <a:bodyPr vert="horz" rtlCol="0" anchor="ctr"/>
+          <a:lstStyle/>
+          <a:p>
+            <a:pPr algn="ctr"/>
+            <a:r>
+              <a:rPr kumimoji="1" lang="zh-CN" altLang="en-US" sz="420" dirty="0">
+                <a:ea typeface="黑体" panose="02010609060101010101" pitchFamily="49" charset="-122"/>
+              </a:rPr>
+              <a:t>运输中</a:t>
+            </a:r>
+            <a:endParaRPr kumimoji="1" lang="en-US" altLang="zh-CN" sz="420" dirty="0">
+              <a:ea typeface="黑体" panose="02010609060101010101" pitchFamily="49" charset="-122"/>
+            </a:endParaRPr>
+          </a:p>
+        </p:txBody>
+      </p:sp>
+      <p:sp>
+        <p:nvSpPr>
+          <p:cNvPr id="35" name="菱形 34">
+            <a:extLst>
+              <a:ext uri="{FF2B5EF4-FFF2-40B4-BE49-F238E27FC236}">
+                <a16:creationId xmlns:a16="http://schemas.microsoft.com/office/drawing/2014/main" id="{3E7DBD24-4AFB-C647-B894-F4EB606E35C2}"/>
+              </a:ext>
+            </a:extLst>
+          </p:cNvPr>
+          <p:cNvSpPr/>
+          <p:nvPr/>
+        </p:nvSpPr>
+        <p:spPr>
+          <a:xfrm>
+            <a:off x="3511620" y="3602658"/>
+            <a:ext cx="756862" cy="378078"/>
           </a:xfrm>
           <a:prstGeom prst="diamond">
             <a:avLst/>
@@ -19078,1565 +18974,6 @@
           <a:p>
             <a:pPr algn="ctr"/>
             <a:r>
-              <a:rPr kumimoji="1" lang="zh-CN" altLang="en-US" sz="735" dirty="0">
-                <a:ea typeface="黑体" panose="02010609060101010101" pitchFamily="49" charset="-122"/>
-              </a:rPr>
-              <a:t>派件</a:t>
-            </a:r>
-          </a:p>
-        </p:txBody>
-      </p:sp>
-      <p:sp>
-        <p:nvSpPr>
-          <p:cNvPr id="44" name="菱形 43">
-            <a:extLst>
-              <a:ext uri="{FF2B5EF4-FFF2-40B4-BE49-F238E27FC236}">
-                <a16:creationId xmlns:a16="http://schemas.microsoft.com/office/drawing/2014/main" id="{435ABC90-06D1-A847-9986-FCED0A9B6E9C}"/>
-              </a:ext>
-            </a:extLst>
-          </p:cNvPr>
-          <p:cNvSpPr/>
-          <p:nvPr/>
-        </p:nvSpPr>
-        <p:spPr>
-          <a:xfrm>
-            <a:off x="7553584" y="5530876"/>
-            <a:ext cx="472598" cy="378078"/>
-          </a:xfrm>
-          <a:prstGeom prst="diamond">
-            <a:avLst/>
-          </a:prstGeom>
-          <a:ln>
-            <a:noFill/>
-          </a:ln>
-        </p:spPr>
-        <p:style>
-          <a:lnRef idx="2">
-            <a:schemeClr val="accent6">
-              <a:shade val="50000"/>
-            </a:schemeClr>
-          </a:lnRef>
-          <a:fillRef idx="1">
-            <a:schemeClr val="accent6"/>
-          </a:fillRef>
-          <a:effectRef idx="0">
-            <a:schemeClr val="accent6"/>
-          </a:effectRef>
-          <a:fontRef idx="minor">
-            <a:schemeClr val="lt1"/>
-          </a:fontRef>
-        </p:style>
-        <p:txBody>
-          <a:bodyPr rtlCol="0" anchor="ctr"/>
-          <a:lstStyle/>
-          <a:p>
-            <a:pPr algn="ctr"/>
-            <a:r>
-              <a:rPr kumimoji="1" lang="zh-CN" altLang="en-US" sz="735" dirty="0">
-                <a:ea typeface="黑体" panose="02010609060101010101" pitchFamily="49" charset="-122"/>
-              </a:rPr>
-              <a:t>揽件</a:t>
-            </a:r>
-          </a:p>
-        </p:txBody>
-      </p:sp>
-      <p:sp>
-        <p:nvSpPr>
-          <p:cNvPr id="37" name="矩形 36">
-            <a:extLst>
-              <a:ext uri="{FF2B5EF4-FFF2-40B4-BE49-F238E27FC236}">
-                <a16:creationId xmlns:a16="http://schemas.microsoft.com/office/drawing/2014/main" id="{70155E7F-E331-694F-A5ED-B3F26296F00E}"/>
-              </a:ext>
-            </a:extLst>
-          </p:cNvPr>
-          <p:cNvSpPr/>
-          <p:nvPr/>
-        </p:nvSpPr>
-        <p:spPr>
-          <a:xfrm>
-            <a:off x="1469120" y="5707871"/>
-            <a:ext cx="988547" cy="498488"/>
-          </a:xfrm>
-          <a:prstGeom prst="rect">
-            <a:avLst/>
-          </a:prstGeom>
-          <a:solidFill>
-            <a:srgbClr val="00B0F0"/>
-          </a:solidFill>
-          <a:ln>
-            <a:noFill/>
-          </a:ln>
-        </p:spPr>
-        <p:style>
-          <a:lnRef idx="2">
-            <a:schemeClr val="accent1">
-              <a:shade val="50000"/>
-            </a:schemeClr>
-          </a:lnRef>
-          <a:fillRef idx="1">
-            <a:schemeClr val="accent1"/>
-          </a:fillRef>
-          <a:effectRef idx="0">
-            <a:schemeClr val="accent1"/>
-          </a:effectRef>
-          <a:fontRef idx="minor">
-            <a:schemeClr val="lt1"/>
-          </a:fontRef>
-        </p:style>
-        <p:txBody>
-          <a:bodyPr rtlCol="0" anchor="ctr"/>
-          <a:lstStyle/>
-          <a:p>
-            <a:pPr algn="ctr"/>
-            <a:r>
-              <a:rPr kumimoji="1" lang="zh-CN" altLang="en-US" sz="1050" dirty="0">
-                <a:ea typeface="黑体" panose="02010609060101010101" pitchFamily="49" charset="-122"/>
-              </a:rPr>
-              <a:t>中转仓库</a:t>
-            </a:r>
-          </a:p>
-        </p:txBody>
-      </p:sp>
-      <p:sp>
-        <p:nvSpPr>
-          <p:cNvPr id="40" name="菱形 39">
-            <a:extLst>
-              <a:ext uri="{FF2B5EF4-FFF2-40B4-BE49-F238E27FC236}">
-                <a16:creationId xmlns:a16="http://schemas.microsoft.com/office/drawing/2014/main" id="{53485BEA-FE63-9145-9A29-D3933DF83829}"/>
-              </a:ext>
-            </a:extLst>
-          </p:cNvPr>
-          <p:cNvSpPr/>
-          <p:nvPr/>
-        </p:nvSpPr>
-        <p:spPr>
-          <a:xfrm>
-            <a:off x="2797749" y="6002162"/>
-            <a:ext cx="472598" cy="378078"/>
-          </a:xfrm>
-          <a:prstGeom prst="diamond">
-            <a:avLst/>
-          </a:prstGeom>
-          <a:ln>
-            <a:noFill/>
-          </a:ln>
-        </p:spPr>
-        <p:style>
-          <a:lnRef idx="2">
-            <a:schemeClr val="accent6">
-              <a:shade val="50000"/>
-            </a:schemeClr>
-          </a:lnRef>
-          <a:fillRef idx="1">
-            <a:schemeClr val="accent6"/>
-          </a:fillRef>
-          <a:effectRef idx="0">
-            <a:schemeClr val="accent6"/>
-          </a:effectRef>
-          <a:fontRef idx="minor">
-            <a:schemeClr val="lt1"/>
-          </a:fontRef>
-        </p:style>
-        <p:txBody>
-          <a:bodyPr rtlCol="0" anchor="ctr"/>
-          <a:lstStyle/>
-          <a:p>
-            <a:pPr algn="ctr"/>
-            <a:r>
-              <a:rPr kumimoji="1" lang="zh-CN" altLang="en-US" sz="945" dirty="0">
-                <a:ea typeface="黑体" panose="02010609060101010101" pitchFamily="49" charset="-122"/>
-              </a:rPr>
-              <a:t>运出</a:t>
-            </a:r>
-          </a:p>
-        </p:txBody>
-      </p:sp>
-      <p:sp>
-        <p:nvSpPr>
-          <p:cNvPr id="45" name="菱形 44">
-            <a:extLst>
-              <a:ext uri="{FF2B5EF4-FFF2-40B4-BE49-F238E27FC236}">
-                <a16:creationId xmlns:a16="http://schemas.microsoft.com/office/drawing/2014/main" id="{94E41F92-8AC0-3243-B487-93A087E1BFBF}"/>
-              </a:ext>
-            </a:extLst>
-          </p:cNvPr>
-          <p:cNvSpPr/>
-          <p:nvPr/>
-        </p:nvSpPr>
-        <p:spPr>
-          <a:xfrm>
-            <a:off x="5260424" y="5530876"/>
-            <a:ext cx="472598" cy="378078"/>
-          </a:xfrm>
-          <a:prstGeom prst="diamond">
-            <a:avLst/>
-          </a:prstGeom>
-          <a:ln>
-            <a:noFill/>
-          </a:ln>
-        </p:spPr>
-        <p:style>
-          <a:lnRef idx="2">
-            <a:schemeClr val="accent6">
-              <a:shade val="50000"/>
-            </a:schemeClr>
-          </a:lnRef>
-          <a:fillRef idx="1">
-            <a:schemeClr val="accent6"/>
-          </a:fillRef>
-          <a:effectRef idx="0">
-            <a:schemeClr val="accent6"/>
-          </a:effectRef>
-          <a:fontRef idx="minor">
-            <a:schemeClr val="lt1"/>
-          </a:fontRef>
-        </p:style>
-        <p:txBody>
-          <a:bodyPr rtlCol="0" anchor="ctr"/>
-          <a:lstStyle/>
-          <a:p>
-            <a:pPr algn="ctr"/>
-            <a:r>
-              <a:rPr kumimoji="1" lang="zh-CN" altLang="en-US" sz="945" dirty="0">
-                <a:ea typeface="黑体" panose="02010609060101010101" pitchFamily="49" charset="-122"/>
-              </a:rPr>
-              <a:t>运入</a:t>
-            </a:r>
-          </a:p>
-        </p:txBody>
-      </p:sp>
-      <p:sp>
-        <p:nvSpPr>
-          <p:cNvPr id="46" name="椭圆 45">
-            <a:extLst>
-              <a:ext uri="{FF2B5EF4-FFF2-40B4-BE49-F238E27FC236}">
-                <a16:creationId xmlns:a16="http://schemas.microsoft.com/office/drawing/2014/main" id="{319CD910-7F6B-C744-9F37-F6C351FA2E49}"/>
-              </a:ext>
-            </a:extLst>
-          </p:cNvPr>
-          <p:cNvSpPr/>
-          <p:nvPr/>
-        </p:nvSpPr>
-        <p:spPr>
-          <a:xfrm>
-            <a:off x="1003586" y="5494426"/>
-            <a:ext cx="470247" cy="166599"/>
-          </a:xfrm>
-          <a:prstGeom prst="ellipse">
-            <a:avLst/>
-          </a:prstGeom>
-          <a:ln>
-            <a:noFill/>
-          </a:ln>
-        </p:spPr>
-        <p:style>
-          <a:lnRef idx="3">
-            <a:schemeClr val="lt1"/>
-          </a:lnRef>
-          <a:fillRef idx="1">
-            <a:schemeClr val="accent2"/>
-          </a:fillRef>
-          <a:effectRef idx="1">
-            <a:schemeClr val="accent2"/>
-          </a:effectRef>
-          <a:fontRef idx="minor">
-            <a:schemeClr val="lt1"/>
-          </a:fontRef>
-        </p:style>
-        <p:txBody>
-          <a:bodyPr vert="horz" rtlCol="0" anchor="ctr"/>
-          <a:lstStyle/>
-          <a:p>
-            <a:pPr algn="ctr"/>
-            <a:r>
-              <a:rPr kumimoji="1" lang="zh-CN" altLang="en-US" sz="525" dirty="0">
-                <a:ea typeface="黑体" panose="02010609060101010101" pitchFamily="49" charset="-122"/>
-              </a:rPr>
-              <a:t>账号</a:t>
-            </a:r>
-          </a:p>
-        </p:txBody>
-      </p:sp>
-      <p:sp>
-        <p:nvSpPr>
-          <p:cNvPr id="49" name="椭圆 48">
-            <a:extLst>
-              <a:ext uri="{FF2B5EF4-FFF2-40B4-BE49-F238E27FC236}">
-                <a16:creationId xmlns:a16="http://schemas.microsoft.com/office/drawing/2014/main" id="{BE60ED23-437B-0648-8536-CDCEB8393654}"/>
-              </a:ext>
-            </a:extLst>
-          </p:cNvPr>
-          <p:cNvSpPr/>
-          <p:nvPr/>
-        </p:nvSpPr>
-        <p:spPr>
-          <a:xfrm>
-            <a:off x="2047949" y="5355841"/>
-            <a:ext cx="470247" cy="166599"/>
-          </a:xfrm>
-          <a:prstGeom prst="ellipse">
-            <a:avLst/>
-          </a:prstGeom>
-          <a:ln>
-            <a:noFill/>
-          </a:ln>
-        </p:spPr>
-        <p:style>
-          <a:lnRef idx="3">
-            <a:schemeClr val="lt1"/>
-          </a:lnRef>
-          <a:fillRef idx="1">
-            <a:schemeClr val="accent2"/>
-          </a:fillRef>
-          <a:effectRef idx="1">
-            <a:schemeClr val="accent2"/>
-          </a:effectRef>
-          <a:fontRef idx="minor">
-            <a:schemeClr val="lt1"/>
-          </a:fontRef>
-        </p:style>
-        <p:txBody>
-          <a:bodyPr vert="horz" rtlCol="0" anchor="ctr"/>
-          <a:lstStyle/>
-          <a:p>
-            <a:pPr algn="ctr"/>
-            <a:r>
-              <a:rPr kumimoji="1" lang="zh-CN" altLang="en-US" sz="525" dirty="0">
-                <a:ea typeface="黑体" panose="02010609060101010101" pitchFamily="49" charset="-122"/>
-              </a:rPr>
-              <a:t>密码</a:t>
-            </a:r>
-          </a:p>
-        </p:txBody>
-      </p:sp>
-      <p:sp>
-        <p:nvSpPr>
-          <p:cNvPr id="50" name="椭圆 49">
-            <a:extLst>
-              <a:ext uri="{FF2B5EF4-FFF2-40B4-BE49-F238E27FC236}">
-                <a16:creationId xmlns:a16="http://schemas.microsoft.com/office/drawing/2014/main" id="{9EA7A8AB-B908-5B46-BF61-2EA84BA90534}"/>
-              </a:ext>
-            </a:extLst>
-          </p:cNvPr>
-          <p:cNvSpPr/>
-          <p:nvPr/>
-        </p:nvSpPr>
-        <p:spPr>
-          <a:xfrm>
-            <a:off x="1245631" y="6321178"/>
-            <a:ext cx="470247" cy="166599"/>
-          </a:xfrm>
-          <a:prstGeom prst="ellipse">
-            <a:avLst/>
-          </a:prstGeom>
-          <a:ln>
-            <a:noFill/>
-          </a:ln>
-        </p:spPr>
-        <p:style>
-          <a:lnRef idx="3">
-            <a:schemeClr val="lt1"/>
-          </a:lnRef>
-          <a:fillRef idx="1">
-            <a:schemeClr val="accent2"/>
-          </a:fillRef>
-          <a:effectRef idx="1">
-            <a:schemeClr val="accent2"/>
-          </a:effectRef>
-          <a:fontRef idx="minor">
-            <a:schemeClr val="lt1"/>
-          </a:fontRef>
-        </p:style>
-        <p:txBody>
-          <a:bodyPr vert="horz" rtlCol="0" anchor="ctr"/>
-          <a:lstStyle/>
-          <a:p>
-            <a:pPr algn="ctr"/>
-            <a:r>
-              <a:rPr kumimoji="1" lang="en-US" altLang="zh-CN" sz="420" dirty="0">
-                <a:ea typeface="黑体" panose="02010609060101010101" pitchFamily="49" charset="-122"/>
-              </a:rPr>
-              <a:t>wage</a:t>
-            </a:r>
-            <a:endParaRPr kumimoji="1" lang="zh-CN" altLang="en-US" sz="420" dirty="0">
-              <a:ea typeface="黑体" panose="02010609060101010101" pitchFamily="49" charset="-122"/>
-            </a:endParaRPr>
-          </a:p>
-        </p:txBody>
-      </p:sp>
-      <p:sp>
-        <p:nvSpPr>
-          <p:cNvPr id="51" name="椭圆 50">
-            <a:extLst>
-              <a:ext uri="{FF2B5EF4-FFF2-40B4-BE49-F238E27FC236}">
-                <a16:creationId xmlns:a16="http://schemas.microsoft.com/office/drawing/2014/main" id="{C18D6205-F404-324D-93E2-911487792C49}"/>
-              </a:ext>
-            </a:extLst>
-          </p:cNvPr>
-          <p:cNvSpPr/>
-          <p:nvPr/>
-        </p:nvSpPr>
-        <p:spPr>
-          <a:xfrm>
-            <a:off x="1996436" y="6365722"/>
-            <a:ext cx="470247" cy="166599"/>
-          </a:xfrm>
-          <a:prstGeom prst="ellipse">
-            <a:avLst/>
-          </a:prstGeom>
-          <a:ln>
-            <a:noFill/>
-          </a:ln>
-        </p:spPr>
-        <p:style>
-          <a:lnRef idx="3">
-            <a:schemeClr val="lt1"/>
-          </a:lnRef>
-          <a:fillRef idx="1">
-            <a:schemeClr val="accent2"/>
-          </a:fillRef>
-          <a:effectRef idx="1">
-            <a:schemeClr val="accent2"/>
-          </a:effectRef>
-          <a:fontRef idx="minor">
-            <a:schemeClr val="lt1"/>
-          </a:fontRef>
-        </p:style>
-        <p:txBody>
-          <a:bodyPr vert="horz" rtlCol="0" anchor="ctr"/>
-          <a:lstStyle/>
-          <a:p>
-            <a:pPr algn="ctr"/>
-            <a:r>
-              <a:rPr kumimoji="1" lang="zh-CN" altLang="en-US" sz="525" dirty="0">
-                <a:ea typeface="黑体" panose="02010609060101010101" pitchFamily="49" charset="-122"/>
-              </a:rPr>
-              <a:t>累计包裹</a:t>
-            </a:r>
-          </a:p>
-        </p:txBody>
-      </p:sp>
-      <p:sp>
-        <p:nvSpPr>
-          <p:cNvPr id="54" name="椭圆 53">
-            <a:extLst>
-              <a:ext uri="{FF2B5EF4-FFF2-40B4-BE49-F238E27FC236}">
-                <a16:creationId xmlns:a16="http://schemas.microsoft.com/office/drawing/2014/main" id="{3D75C05B-1232-6B46-BEC8-62F450C4F36B}"/>
-              </a:ext>
-            </a:extLst>
-          </p:cNvPr>
-          <p:cNvSpPr/>
-          <p:nvPr/>
-        </p:nvSpPr>
-        <p:spPr>
-          <a:xfrm>
-            <a:off x="9723478" y="4999600"/>
-            <a:ext cx="470247" cy="166599"/>
-          </a:xfrm>
-          <a:prstGeom prst="ellipse">
-            <a:avLst/>
-          </a:prstGeom>
-          <a:solidFill>
-            <a:schemeClr val="accent4"/>
-          </a:solidFill>
-          <a:ln>
-            <a:noFill/>
-          </a:ln>
-        </p:spPr>
-        <p:style>
-          <a:lnRef idx="3">
-            <a:schemeClr val="lt1"/>
-          </a:lnRef>
-          <a:fillRef idx="1">
-            <a:schemeClr val="accent2"/>
-          </a:fillRef>
-          <a:effectRef idx="1">
-            <a:schemeClr val="accent2"/>
-          </a:effectRef>
-          <a:fontRef idx="minor">
-            <a:schemeClr val="lt1"/>
-          </a:fontRef>
-        </p:style>
-        <p:txBody>
-          <a:bodyPr vert="horz" rtlCol="0" anchor="ctr"/>
-          <a:lstStyle/>
-          <a:p>
-            <a:pPr algn="ctr"/>
-            <a:r>
-              <a:rPr kumimoji="1" lang="zh-CN" altLang="en-US" sz="420" dirty="0">
-                <a:ea typeface="黑体" panose="02010609060101010101" pitchFamily="49" charset="-122"/>
-              </a:rPr>
-              <a:t>已揽件</a:t>
-            </a:r>
-          </a:p>
-        </p:txBody>
-      </p:sp>
-      <p:sp>
-        <p:nvSpPr>
-          <p:cNvPr id="55" name="椭圆 54">
-            <a:extLst>
-              <a:ext uri="{FF2B5EF4-FFF2-40B4-BE49-F238E27FC236}">
-                <a16:creationId xmlns:a16="http://schemas.microsoft.com/office/drawing/2014/main" id="{84EA7BFC-FAC1-7644-8ABA-7417F9FBC886}"/>
-              </a:ext>
-            </a:extLst>
-          </p:cNvPr>
-          <p:cNvSpPr/>
-          <p:nvPr/>
-        </p:nvSpPr>
-        <p:spPr>
-          <a:xfrm>
-            <a:off x="9697778" y="5287091"/>
-            <a:ext cx="470247" cy="166599"/>
-          </a:xfrm>
-          <a:prstGeom prst="ellipse">
-            <a:avLst/>
-          </a:prstGeom>
-          <a:solidFill>
-            <a:schemeClr val="accent4"/>
-          </a:solidFill>
-          <a:ln>
-            <a:noFill/>
-          </a:ln>
-        </p:spPr>
-        <p:style>
-          <a:lnRef idx="3">
-            <a:schemeClr val="lt1"/>
-          </a:lnRef>
-          <a:fillRef idx="1">
-            <a:schemeClr val="accent2"/>
-          </a:fillRef>
-          <a:effectRef idx="1">
-            <a:schemeClr val="accent2"/>
-          </a:effectRef>
-          <a:fontRef idx="minor">
-            <a:schemeClr val="lt1"/>
-          </a:fontRef>
-        </p:style>
-        <p:txBody>
-          <a:bodyPr vert="horz" rtlCol="0" anchor="ctr"/>
-          <a:lstStyle/>
-          <a:p>
-            <a:pPr algn="ctr"/>
-            <a:r>
-              <a:rPr kumimoji="1" lang="zh-CN" altLang="en-US" sz="420" dirty="0">
-                <a:ea typeface="黑体" panose="02010609060101010101" pitchFamily="49" charset="-122"/>
-              </a:rPr>
-              <a:t>派件中</a:t>
-            </a:r>
-            <a:endParaRPr kumimoji="1" lang="en-US" altLang="zh-CN" sz="420" dirty="0">
-              <a:ea typeface="黑体" panose="02010609060101010101" pitchFamily="49" charset="-122"/>
-            </a:endParaRPr>
-          </a:p>
-        </p:txBody>
-      </p:sp>
-      <p:sp>
-        <p:nvSpPr>
-          <p:cNvPr id="56" name="椭圆 55">
-            <a:extLst>
-              <a:ext uri="{FF2B5EF4-FFF2-40B4-BE49-F238E27FC236}">
-                <a16:creationId xmlns:a16="http://schemas.microsoft.com/office/drawing/2014/main" id="{4B9CF821-589E-4A4A-8A1C-EFFB572ADD3B}"/>
-              </a:ext>
-            </a:extLst>
-          </p:cNvPr>
-          <p:cNvSpPr/>
-          <p:nvPr/>
-        </p:nvSpPr>
-        <p:spPr>
-          <a:xfrm>
-            <a:off x="10304231" y="5087547"/>
-            <a:ext cx="470247" cy="166599"/>
-          </a:xfrm>
-          <a:prstGeom prst="ellipse">
-            <a:avLst/>
-          </a:prstGeom>
-          <a:solidFill>
-            <a:schemeClr val="accent4"/>
-          </a:solidFill>
-          <a:ln>
-            <a:noFill/>
-          </a:ln>
-        </p:spPr>
-        <p:style>
-          <a:lnRef idx="3">
-            <a:schemeClr val="lt1"/>
-          </a:lnRef>
-          <a:fillRef idx="1">
-            <a:schemeClr val="accent2"/>
-          </a:fillRef>
-          <a:effectRef idx="1">
-            <a:schemeClr val="accent2"/>
-          </a:effectRef>
-          <a:fontRef idx="minor">
-            <a:schemeClr val="lt1"/>
-          </a:fontRef>
-        </p:style>
-        <p:txBody>
-          <a:bodyPr vert="horz" rtlCol="0" anchor="ctr"/>
-          <a:lstStyle/>
-          <a:p>
-            <a:pPr algn="ctr"/>
-            <a:r>
-              <a:rPr kumimoji="1" lang="zh-CN" altLang="en-US" sz="420" dirty="0">
-                <a:ea typeface="黑体" panose="02010609060101010101" pitchFamily="49" charset="-122"/>
-              </a:rPr>
-              <a:t>已签收</a:t>
-            </a:r>
-            <a:endParaRPr kumimoji="1" lang="en-US" altLang="zh-CN" sz="420" dirty="0">
-              <a:ea typeface="黑体" panose="02010609060101010101" pitchFamily="49" charset="-122"/>
-            </a:endParaRPr>
-          </a:p>
-        </p:txBody>
-      </p:sp>
-      <p:grpSp>
-        <p:nvGrpSpPr>
-          <p:cNvPr id="70" name="组合 69">
-            <a:extLst>
-              <a:ext uri="{FF2B5EF4-FFF2-40B4-BE49-F238E27FC236}">
-                <a16:creationId xmlns:a16="http://schemas.microsoft.com/office/drawing/2014/main" id="{EB93CE79-9F78-844D-949C-C8D2AFC87199}"/>
-              </a:ext>
-            </a:extLst>
-          </p:cNvPr>
-          <p:cNvGrpSpPr/>
-          <p:nvPr/>
-        </p:nvGrpSpPr>
-        <p:grpSpPr>
-          <a:xfrm>
-            <a:off x="8289517" y="2982060"/>
-            <a:ext cx="1075593" cy="586180"/>
-            <a:chOff x="8289517" y="2982060"/>
-            <a:chExt cx="1075593" cy="586180"/>
-          </a:xfrm>
-        </p:grpSpPr>
-        <p:sp>
-          <p:nvSpPr>
-            <p:cNvPr id="57" name="矩形 56">
-              <a:extLst>
-                <a:ext uri="{FF2B5EF4-FFF2-40B4-BE49-F238E27FC236}">
-                  <a16:creationId xmlns:a16="http://schemas.microsoft.com/office/drawing/2014/main" id="{52A35BCD-30DA-8A4E-A848-FD03DF2DB75E}"/>
-                </a:ext>
-              </a:extLst>
-            </p:cNvPr>
-            <p:cNvSpPr/>
-            <p:nvPr/>
-          </p:nvSpPr>
-          <p:spPr>
-            <a:xfrm>
-              <a:off x="8333040" y="3025907"/>
-              <a:ext cx="988546" cy="498487"/>
-            </a:xfrm>
-            <a:prstGeom prst="rect">
-              <a:avLst/>
-            </a:prstGeom>
-            <a:solidFill>
-              <a:srgbClr val="00B0F0"/>
-            </a:solidFill>
-            <a:ln>
-              <a:noFill/>
-            </a:ln>
-          </p:spPr>
-          <p:style>
-            <a:lnRef idx="2">
-              <a:schemeClr val="accent1">
-                <a:shade val="50000"/>
-              </a:schemeClr>
-            </a:lnRef>
-            <a:fillRef idx="1">
-              <a:schemeClr val="accent1"/>
-            </a:fillRef>
-            <a:effectRef idx="0">
-              <a:schemeClr val="accent1"/>
-            </a:effectRef>
-            <a:fontRef idx="minor">
-              <a:schemeClr val="lt1"/>
-            </a:fontRef>
-          </p:style>
-          <p:txBody>
-            <a:bodyPr rtlCol="0" anchor="ctr"/>
-            <a:lstStyle/>
-            <a:p>
-              <a:pPr algn="ctr"/>
-              <a:r>
-                <a:rPr kumimoji="1" lang="zh-CN" altLang="en-US" sz="1260" dirty="0">
-                  <a:ea typeface="黑体" panose="02010609060101010101" pitchFamily="49" charset="-122"/>
-                </a:rPr>
-                <a:t>物流价格</a:t>
-              </a:r>
-            </a:p>
-          </p:txBody>
-        </p:sp>
-        <p:sp>
-          <p:nvSpPr>
-            <p:cNvPr id="58" name="矩形 57">
-              <a:extLst>
-                <a:ext uri="{FF2B5EF4-FFF2-40B4-BE49-F238E27FC236}">
-                  <a16:creationId xmlns:a16="http://schemas.microsoft.com/office/drawing/2014/main" id="{6FB3F24C-27EA-7345-9F2D-2FBA835B43C7}"/>
-                </a:ext>
-              </a:extLst>
-            </p:cNvPr>
-            <p:cNvSpPr/>
-            <p:nvPr/>
-          </p:nvSpPr>
-          <p:spPr>
-            <a:xfrm>
-              <a:off x="8289517" y="2982060"/>
-              <a:ext cx="1075593" cy="586180"/>
-            </a:xfrm>
-            <a:prstGeom prst="rect">
-              <a:avLst/>
-            </a:prstGeom>
-            <a:noFill/>
-            <a:ln>
-              <a:solidFill>
-                <a:srgbClr val="00B0F0"/>
-              </a:solidFill>
-            </a:ln>
-          </p:spPr>
-          <p:style>
-            <a:lnRef idx="2">
-              <a:schemeClr val="accent1">
-                <a:shade val="50000"/>
-              </a:schemeClr>
-            </a:lnRef>
-            <a:fillRef idx="1">
-              <a:schemeClr val="accent1"/>
-            </a:fillRef>
-            <a:effectRef idx="0">
-              <a:schemeClr val="accent1"/>
-            </a:effectRef>
-            <a:fontRef idx="minor">
-              <a:schemeClr val="lt1"/>
-            </a:fontRef>
-          </p:style>
-          <p:txBody>
-            <a:bodyPr rtlCol="0" anchor="ctr"/>
-            <a:lstStyle/>
-            <a:p>
-              <a:pPr algn="ctr"/>
-              <a:endParaRPr kumimoji="1" lang="zh-CN" altLang="en-US" sz="1260" dirty="0">
-                <a:ea typeface="黑体" panose="02010609060101010101" pitchFamily="49" charset="-122"/>
-              </a:endParaRPr>
-            </a:p>
-          </p:txBody>
-        </p:sp>
-      </p:grpSp>
-      <p:sp>
-        <p:nvSpPr>
-          <p:cNvPr id="59" name="椭圆 58">
-            <a:extLst>
-              <a:ext uri="{FF2B5EF4-FFF2-40B4-BE49-F238E27FC236}">
-                <a16:creationId xmlns:a16="http://schemas.microsoft.com/office/drawing/2014/main" id="{677231F6-80E7-C949-879E-8EB835DC7F3A}"/>
-              </a:ext>
-            </a:extLst>
-          </p:cNvPr>
-          <p:cNvSpPr/>
-          <p:nvPr/>
-        </p:nvSpPr>
-        <p:spPr>
-          <a:xfrm>
-            <a:off x="8638332" y="3723771"/>
-            <a:ext cx="470247" cy="166599"/>
-          </a:xfrm>
-          <a:prstGeom prst="ellipse">
-            <a:avLst/>
-          </a:prstGeom>
-          <a:ln>
-            <a:noFill/>
-          </a:ln>
-        </p:spPr>
-        <p:style>
-          <a:lnRef idx="3">
-            <a:schemeClr val="lt1"/>
-          </a:lnRef>
-          <a:fillRef idx="1">
-            <a:schemeClr val="accent2"/>
-          </a:fillRef>
-          <a:effectRef idx="1">
-            <a:schemeClr val="accent2"/>
-          </a:effectRef>
-          <a:fontRef idx="minor">
-            <a:schemeClr val="lt1"/>
-          </a:fontRef>
-        </p:style>
-        <p:txBody>
-          <a:bodyPr vert="horz" rtlCol="0" anchor="ctr"/>
-          <a:lstStyle/>
-          <a:p>
-            <a:pPr algn="ctr"/>
-            <a:r>
-              <a:rPr kumimoji="1" lang="zh-CN" altLang="en-US" sz="525" dirty="0">
-                <a:ea typeface="黑体" panose="02010609060101010101" pitchFamily="49" charset="-122"/>
-              </a:rPr>
-              <a:t>运费单价</a:t>
-            </a:r>
-          </a:p>
-        </p:txBody>
-      </p:sp>
-      <p:sp>
-        <p:nvSpPr>
-          <p:cNvPr id="60" name="椭圆 59">
-            <a:extLst>
-              <a:ext uri="{FF2B5EF4-FFF2-40B4-BE49-F238E27FC236}">
-                <a16:creationId xmlns:a16="http://schemas.microsoft.com/office/drawing/2014/main" id="{A7BCDB4E-EFFA-5547-BFD9-A95FBF72EBA2}"/>
-              </a:ext>
-            </a:extLst>
-          </p:cNvPr>
-          <p:cNvSpPr/>
-          <p:nvPr/>
-        </p:nvSpPr>
-        <p:spPr>
-          <a:xfrm>
-            <a:off x="9190347" y="2619998"/>
-            <a:ext cx="470247" cy="166599"/>
-          </a:xfrm>
-          <a:prstGeom prst="ellipse">
-            <a:avLst/>
-          </a:prstGeom>
-          <a:ln>
-            <a:noFill/>
-          </a:ln>
-        </p:spPr>
-        <p:style>
-          <a:lnRef idx="3">
-            <a:schemeClr val="lt1"/>
-          </a:lnRef>
-          <a:fillRef idx="1">
-            <a:schemeClr val="accent2"/>
-          </a:fillRef>
-          <a:effectRef idx="1">
-            <a:schemeClr val="accent2"/>
-          </a:effectRef>
-          <a:fontRef idx="minor">
-            <a:schemeClr val="lt1"/>
-          </a:fontRef>
-        </p:style>
-        <p:txBody>
-          <a:bodyPr vert="horz" rtlCol="0" anchor="ctr"/>
-          <a:lstStyle/>
-          <a:p>
-            <a:pPr algn="ctr"/>
-            <a:r>
-              <a:rPr kumimoji="1" lang="zh-CN" altLang="en-US" sz="525" dirty="0">
-                <a:ea typeface="黑体" panose="02010609060101010101" pitchFamily="49" charset="-122"/>
-              </a:rPr>
-              <a:t>驿站单价</a:t>
-            </a:r>
-          </a:p>
-        </p:txBody>
-      </p:sp>
-      <p:sp>
-        <p:nvSpPr>
-          <p:cNvPr id="61" name="椭圆 60">
-            <a:extLst>
-              <a:ext uri="{FF2B5EF4-FFF2-40B4-BE49-F238E27FC236}">
-                <a16:creationId xmlns:a16="http://schemas.microsoft.com/office/drawing/2014/main" id="{F6927296-DE41-6746-B269-072DCB937FF4}"/>
-              </a:ext>
-            </a:extLst>
-          </p:cNvPr>
-          <p:cNvSpPr/>
-          <p:nvPr/>
-        </p:nvSpPr>
-        <p:spPr>
-          <a:xfrm>
-            <a:off x="8017916" y="2621870"/>
-            <a:ext cx="470247" cy="166599"/>
-          </a:xfrm>
-          <a:prstGeom prst="ellipse">
-            <a:avLst/>
-          </a:prstGeom>
-          <a:ln>
-            <a:noFill/>
-          </a:ln>
-        </p:spPr>
-        <p:style>
-          <a:lnRef idx="3">
-            <a:schemeClr val="lt1"/>
-          </a:lnRef>
-          <a:fillRef idx="1">
-            <a:schemeClr val="accent2"/>
-          </a:fillRef>
-          <a:effectRef idx="1">
-            <a:schemeClr val="accent2"/>
-          </a:effectRef>
-          <a:fontRef idx="minor">
-            <a:schemeClr val="lt1"/>
-          </a:fontRef>
-        </p:style>
-        <p:txBody>
-          <a:bodyPr vert="horz" rtlCol="0" anchor="ctr"/>
-          <a:lstStyle/>
-          <a:p>
-            <a:pPr algn="ctr"/>
-            <a:r>
-              <a:rPr kumimoji="1" lang="zh-CN" altLang="en-US" sz="525" dirty="0">
-                <a:ea typeface="黑体" panose="02010609060101010101" pitchFamily="49" charset="-122"/>
-              </a:rPr>
-              <a:t>仓库单价</a:t>
-            </a:r>
-          </a:p>
-        </p:txBody>
-      </p:sp>
-      <p:sp>
-        <p:nvSpPr>
-          <p:cNvPr id="3" name="文本框 2">
-            <a:extLst>
-              <a:ext uri="{FF2B5EF4-FFF2-40B4-BE49-F238E27FC236}">
-                <a16:creationId xmlns:a16="http://schemas.microsoft.com/office/drawing/2014/main" id="{A3A41563-FB82-C54C-936C-413B77E34280}"/>
-              </a:ext>
-            </a:extLst>
-          </p:cNvPr>
-          <p:cNvSpPr txBox="1"/>
-          <p:nvPr/>
-        </p:nvSpPr>
-        <p:spPr>
-          <a:xfrm>
-            <a:off x="9131096" y="4578372"/>
-            <a:ext cx="2827882" cy="173124"/>
-          </a:xfrm>
-          <a:prstGeom prst="rect">
-            <a:avLst/>
-          </a:prstGeom>
-          <a:noFill/>
-        </p:spPr>
-        <p:txBody>
-          <a:bodyPr wrap="square" lIns="94500" rtlCol="0">
-            <a:spAutoFit/>
-          </a:bodyPr>
-          <a:lstStyle/>
-          <a:p>
-            <a:r>
-              <a:rPr kumimoji="1" lang="zh-CN" altLang="en-US" sz="525" dirty="0">
-                <a:ea typeface="黑体" panose="02010609060101010101" pitchFamily="49" charset="-122"/>
-              </a:rPr>
-              <a:t>寄件人寄件 录入快递信息，生成快递金额  待揽件</a:t>
-            </a:r>
-          </a:p>
-        </p:txBody>
-      </p:sp>
-      <p:sp>
-        <p:nvSpPr>
-          <p:cNvPr id="87" name="文本框 86">
-            <a:extLst>
-              <a:ext uri="{FF2B5EF4-FFF2-40B4-BE49-F238E27FC236}">
-                <a16:creationId xmlns:a16="http://schemas.microsoft.com/office/drawing/2014/main" id="{5B154602-EC7C-C84D-A2CA-EC1E95427BD5}"/>
-              </a:ext>
-            </a:extLst>
-          </p:cNvPr>
-          <p:cNvSpPr txBox="1"/>
-          <p:nvPr/>
-        </p:nvSpPr>
-        <p:spPr>
-          <a:xfrm>
-            <a:off x="7841470" y="5021503"/>
-            <a:ext cx="1243523" cy="173124"/>
-          </a:xfrm>
-          <a:prstGeom prst="rect">
-            <a:avLst/>
-          </a:prstGeom>
-          <a:noFill/>
-        </p:spPr>
-        <p:txBody>
-          <a:bodyPr wrap="square" lIns="94500" rtlCol="0">
-            <a:spAutoFit/>
-          </a:bodyPr>
-          <a:lstStyle/>
-          <a:p>
-            <a:r>
-              <a:rPr kumimoji="1" lang="zh-CN" altLang="en-US" sz="525" dirty="0">
-                <a:ea typeface="黑体" panose="02010609060101010101" pitchFamily="49" charset="-122"/>
-              </a:rPr>
-              <a:t>驿站收件，确认快递信息 ，已揽件</a:t>
-            </a:r>
-          </a:p>
-        </p:txBody>
-      </p:sp>
-      <p:sp>
-        <p:nvSpPr>
-          <p:cNvPr id="88" name="文本框 87">
-            <a:extLst>
-              <a:ext uri="{FF2B5EF4-FFF2-40B4-BE49-F238E27FC236}">
-                <a16:creationId xmlns:a16="http://schemas.microsoft.com/office/drawing/2014/main" id="{7FE4462B-CB2D-764A-81A3-8EB0A627DB48}"/>
-              </a:ext>
-            </a:extLst>
-          </p:cNvPr>
-          <p:cNvSpPr txBox="1"/>
-          <p:nvPr/>
-        </p:nvSpPr>
-        <p:spPr>
-          <a:xfrm>
-            <a:off x="5412168" y="4774741"/>
-            <a:ext cx="2827882" cy="173124"/>
-          </a:xfrm>
-          <a:prstGeom prst="rect">
-            <a:avLst/>
-          </a:prstGeom>
-          <a:noFill/>
-        </p:spPr>
-        <p:txBody>
-          <a:bodyPr wrap="square" lIns="94500" rtlCol="0">
-            <a:spAutoFit/>
-          </a:bodyPr>
-          <a:lstStyle/>
-          <a:p>
-            <a:r>
-              <a:rPr kumimoji="1" lang="zh-CN" altLang="en-US" sz="525" dirty="0">
-                <a:ea typeface="黑体" panose="02010609060101010101" pitchFamily="49" charset="-122"/>
-              </a:rPr>
-              <a:t>修改物流信息  运送中 由**发放**</a:t>
-            </a:r>
-          </a:p>
-        </p:txBody>
-      </p:sp>
-      <p:sp>
-        <p:nvSpPr>
-          <p:cNvPr id="89" name="文本框 88">
-            <a:extLst>
-              <a:ext uri="{FF2B5EF4-FFF2-40B4-BE49-F238E27FC236}">
-                <a16:creationId xmlns:a16="http://schemas.microsoft.com/office/drawing/2014/main" id="{79DA1036-5B85-AE4E-8D0D-51EEB1AAAB57}"/>
-              </a:ext>
-            </a:extLst>
-          </p:cNvPr>
-          <p:cNvSpPr txBox="1"/>
-          <p:nvPr/>
-        </p:nvSpPr>
-        <p:spPr>
-          <a:xfrm>
-            <a:off x="443718" y="4467758"/>
-            <a:ext cx="2827882" cy="253916"/>
-          </a:xfrm>
-          <a:prstGeom prst="rect">
-            <a:avLst/>
-          </a:prstGeom>
-          <a:noFill/>
-        </p:spPr>
-        <p:txBody>
-          <a:bodyPr wrap="square" lIns="94500" rtlCol="0">
-            <a:spAutoFit/>
-          </a:bodyPr>
-          <a:lstStyle/>
-          <a:p>
-            <a:r>
-              <a:rPr kumimoji="1" lang="zh-CN" altLang="en-US" sz="525" dirty="0">
-                <a:ea typeface="黑体" panose="02010609060101010101" pitchFamily="49" charset="-122"/>
-              </a:rPr>
-              <a:t>发往收件地址的中转中心  有**中转中心发往**中转中心  </a:t>
-            </a:r>
-            <a:endParaRPr kumimoji="1" lang="en-US" altLang="zh-CN" sz="525" dirty="0">
-              <a:ea typeface="黑体" panose="02010609060101010101" pitchFamily="49" charset="-122"/>
-            </a:endParaRPr>
-          </a:p>
-          <a:p>
-            <a:r>
-              <a:rPr kumimoji="1" lang="zh-CN" altLang="en-US" sz="525" dirty="0">
-                <a:ea typeface="黑体" panose="02010609060101010101" pitchFamily="49" charset="-122"/>
-              </a:rPr>
-              <a:t>若收发都在本省 则省略</a:t>
-            </a:r>
-          </a:p>
-        </p:txBody>
-      </p:sp>
-      <p:sp>
-        <p:nvSpPr>
-          <p:cNvPr id="90" name="文本框 89">
-            <a:extLst>
-              <a:ext uri="{FF2B5EF4-FFF2-40B4-BE49-F238E27FC236}">
-                <a16:creationId xmlns:a16="http://schemas.microsoft.com/office/drawing/2014/main" id="{AAB60084-002C-564C-80E8-6BA0EC4A66E0}"/>
-              </a:ext>
-            </a:extLst>
-          </p:cNvPr>
-          <p:cNvSpPr txBox="1"/>
-          <p:nvPr/>
-        </p:nvSpPr>
-        <p:spPr>
-          <a:xfrm>
-            <a:off x="2962512" y="7442810"/>
-            <a:ext cx="2827882" cy="173124"/>
-          </a:xfrm>
-          <a:prstGeom prst="rect">
-            <a:avLst/>
-          </a:prstGeom>
-          <a:noFill/>
-        </p:spPr>
-        <p:txBody>
-          <a:bodyPr wrap="square" lIns="94500" rtlCol="0">
-            <a:spAutoFit/>
-          </a:bodyPr>
-          <a:lstStyle/>
-          <a:p>
-            <a:r>
-              <a:rPr kumimoji="1" lang="zh-CN" altLang="en-US" sz="525" dirty="0">
-                <a:ea typeface="黑体" panose="02010609060101010101" pitchFamily="49" charset="-122"/>
-              </a:rPr>
-              <a:t>修改物流信息  运送中 由**转运中心发往**</a:t>
-            </a:r>
-          </a:p>
-        </p:txBody>
-      </p:sp>
-      <p:sp>
-        <p:nvSpPr>
-          <p:cNvPr id="91" name="文本框 90">
-            <a:extLst>
-              <a:ext uri="{FF2B5EF4-FFF2-40B4-BE49-F238E27FC236}">
-                <a16:creationId xmlns:a16="http://schemas.microsoft.com/office/drawing/2014/main" id="{BD896805-71EF-174E-88A2-020FCB8E6816}"/>
-              </a:ext>
-            </a:extLst>
-          </p:cNvPr>
-          <p:cNvSpPr txBox="1"/>
-          <p:nvPr/>
-        </p:nvSpPr>
-        <p:spPr>
-          <a:xfrm>
-            <a:off x="5414552" y="7164300"/>
-            <a:ext cx="2827882" cy="173124"/>
-          </a:xfrm>
-          <a:prstGeom prst="rect">
-            <a:avLst/>
-          </a:prstGeom>
-          <a:noFill/>
-        </p:spPr>
-        <p:txBody>
-          <a:bodyPr wrap="square" lIns="94500" rtlCol="0">
-            <a:spAutoFit/>
-          </a:bodyPr>
-          <a:lstStyle/>
-          <a:p>
-            <a:r>
-              <a:rPr kumimoji="1" lang="zh-CN" altLang="en-US" sz="525" dirty="0">
-                <a:ea typeface="黑体" panose="02010609060101010101" pitchFamily="49" charset="-122"/>
-              </a:rPr>
-              <a:t>修改物流信息  运送中 由**发放**</a:t>
-            </a:r>
-          </a:p>
-        </p:txBody>
-      </p:sp>
-      <p:sp>
-        <p:nvSpPr>
-          <p:cNvPr id="92" name="文本框 91">
-            <a:extLst>
-              <a:ext uri="{FF2B5EF4-FFF2-40B4-BE49-F238E27FC236}">
-                <a16:creationId xmlns:a16="http://schemas.microsoft.com/office/drawing/2014/main" id="{E621B89B-FCEE-7841-8E74-7886A6576DAF}"/>
-              </a:ext>
-            </a:extLst>
-          </p:cNvPr>
-          <p:cNvSpPr txBox="1"/>
-          <p:nvPr/>
-        </p:nvSpPr>
-        <p:spPr>
-          <a:xfrm>
-            <a:off x="7742993" y="6960208"/>
-            <a:ext cx="2827882" cy="173124"/>
-          </a:xfrm>
-          <a:prstGeom prst="rect">
-            <a:avLst/>
-          </a:prstGeom>
-          <a:noFill/>
-        </p:spPr>
-        <p:txBody>
-          <a:bodyPr wrap="square" lIns="94500" rtlCol="0">
-            <a:spAutoFit/>
-          </a:bodyPr>
-          <a:lstStyle/>
-          <a:p>
-            <a:r>
-              <a:rPr kumimoji="1" lang="zh-CN" altLang="en-US" sz="525" dirty="0">
-                <a:ea typeface="黑体" panose="02010609060101010101" pitchFamily="49" charset="-122"/>
-              </a:rPr>
-              <a:t>驿站派件 派送中</a:t>
-            </a:r>
-          </a:p>
-        </p:txBody>
-      </p:sp>
-      <p:sp>
-        <p:nvSpPr>
-          <p:cNvPr id="93" name="文本框 92">
-            <a:extLst>
-              <a:ext uri="{FF2B5EF4-FFF2-40B4-BE49-F238E27FC236}">
-                <a16:creationId xmlns:a16="http://schemas.microsoft.com/office/drawing/2014/main" id="{2337AF3D-321F-8748-AD52-097C8FA21A3F}"/>
-              </a:ext>
-            </a:extLst>
-          </p:cNvPr>
-          <p:cNvSpPr txBox="1"/>
-          <p:nvPr/>
-        </p:nvSpPr>
-        <p:spPr>
-          <a:xfrm>
-            <a:off x="9156934" y="6789634"/>
-            <a:ext cx="2827882" cy="173124"/>
-          </a:xfrm>
-          <a:prstGeom prst="rect">
-            <a:avLst/>
-          </a:prstGeom>
-          <a:noFill/>
-        </p:spPr>
-        <p:txBody>
-          <a:bodyPr wrap="square" lIns="94500" rtlCol="0">
-            <a:spAutoFit/>
-          </a:bodyPr>
-          <a:lstStyle/>
-          <a:p>
-            <a:r>
-              <a:rPr kumimoji="1" lang="zh-CN" altLang="en-US" sz="525" dirty="0">
-                <a:ea typeface="黑体" panose="02010609060101010101" pitchFamily="49" charset="-122"/>
-              </a:rPr>
-              <a:t>收件人确认收货 已签收</a:t>
-            </a:r>
-          </a:p>
-        </p:txBody>
-      </p:sp>
-      <p:sp>
-        <p:nvSpPr>
-          <p:cNvPr id="96" name="椭圆 95">
-            <a:extLst>
-              <a:ext uri="{FF2B5EF4-FFF2-40B4-BE49-F238E27FC236}">
-                <a16:creationId xmlns:a16="http://schemas.microsoft.com/office/drawing/2014/main" id="{90317326-1113-7A4B-91F1-8EC04CD44B29}"/>
-              </a:ext>
-            </a:extLst>
-          </p:cNvPr>
-          <p:cNvSpPr/>
-          <p:nvPr/>
-        </p:nvSpPr>
-        <p:spPr>
-          <a:xfrm>
-            <a:off x="1327557" y="5255709"/>
-            <a:ext cx="470247" cy="166599"/>
-          </a:xfrm>
-          <a:prstGeom prst="ellipse">
-            <a:avLst/>
-          </a:prstGeom>
-          <a:ln>
-            <a:noFill/>
-          </a:ln>
-        </p:spPr>
-        <p:style>
-          <a:lnRef idx="3">
-            <a:schemeClr val="lt1"/>
-          </a:lnRef>
-          <a:fillRef idx="1">
-            <a:schemeClr val="accent2"/>
-          </a:fillRef>
-          <a:effectRef idx="1">
-            <a:schemeClr val="accent2"/>
-          </a:effectRef>
-          <a:fontRef idx="minor">
-            <a:schemeClr val="lt1"/>
-          </a:fontRef>
-        </p:style>
-        <p:txBody>
-          <a:bodyPr vert="horz" rtlCol="0" anchor="ctr"/>
-          <a:lstStyle/>
-          <a:p>
-            <a:pPr algn="ctr"/>
-            <a:r>
-              <a:rPr kumimoji="1" lang="zh-CN" altLang="en-US" sz="420" dirty="0">
-                <a:ea typeface="黑体" panose="02010609060101010101" pitchFamily="49" charset="-122"/>
-              </a:rPr>
-              <a:t>名称</a:t>
-            </a:r>
-          </a:p>
-        </p:txBody>
-      </p:sp>
-      <p:sp>
-        <p:nvSpPr>
-          <p:cNvPr id="97" name="椭圆 96">
-            <a:extLst>
-              <a:ext uri="{FF2B5EF4-FFF2-40B4-BE49-F238E27FC236}">
-                <a16:creationId xmlns:a16="http://schemas.microsoft.com/office/drawing/2014/main" id="{061FD603-588C-324F-84C0-155694F49DBB}"/>
-              </a:ext>
-            </a:extLst>
-          </p:cNvPr>
-          <p:cNvSpPr/>
-          <p:nvPr/>
-        </p:nvSpPr>
-        <p:spPr>
-          <a:xfrm>
-            <a:off x="3811548" y="5230602"/>
-            <a:ext cx="470247" cy="166599"/>
-          </a:xfrm>
-          <a:prstGeom prst="ellipse">
-            <a:avLst/>
-          </a:prstGeom>
-          <a:ln>
-            <a:noFill/>
-          </a:ln>
-        </p:spPr>
-        <p:style>
-          <a:lnRef idx="3">
-            <a:schemeClr val="lt1"/>
-          </a:lnRef>
-          <a:fillRef idx="1">
-            <a:schemeClr val="accent2"/>
-          </a:fillRef>
-          <a:effectRef idx="1">
-            <a:schemeClr val="accent2"/>
-          </a:effectRef>
-          <a:fontRef idx="minor">
-            <a:schemeClr val="lt1"/>
-          </a:fontRef>
-        </p:style>
-        <p:txBody>
-          <a:bodyPr vert="horz" rtlCol="0" anchor="ctr"/>
-          <a:lstStyle/>
-          <a:p>
-            <a:pPr algn="ctr"/>
-            <a:r>
-              <a:rPr kumimoji="1" lang="zh-CN" altLang="en-US" sz="420" dirty="0">
-                <a:ea typeface="黑体" panose="02010609060101010101" pitchFamily="49" charset="-122"/>
-              </a:rPr>
-              <a:t>名称</a:t>
-            </a:r>
-          </a:p>
-        </p:txBody>
-      </p:sp>
-      <p:sp>
-        <p:nvSpPr>
-          <p:cNvPr id="98" name="椭圆 97">
-            <a:extLst>
-              <a:ext uri="{FF2B5EF4-FFF2-40B4-BE49-F238E27FC236}">
-                <a16:creationId xmlns:a16="http://schemas.microsoft.com/office/drawing/2014/main" id="{140D8914-DC6D-874B-A009-F351BCC00666}"/>
-              </a:ext>
-            </a:extLst>
-          </p:cNvPr>
-          <p:cNvSpPr/>
-          <p:nvPr/>
-        </p:nvSpPr>
-        <p:spPr>
-          <a:xfrm>
-            <a:off x="6868482" y="5184401"/>
-            <a:ext cx="470247" cy="166599"/>
-          </a:xfrm>
-          <a:prstGeom prst="ellipse">
-            <a:avLst/>
-          </a:prstGeom>
-          <a:ln>
-            <a:noFill/>
-          </a:ln>
-        </p:spPr>
-        <p:style>
-          <a:lnRef idx="3">
-            <a:schemeClr val="lt1"/>
-          </a:lnRef>
-          <a:fillRef idx="1">
-            <a:schemeClr val="accent2"/>
-          </a:fillRef>
-          <a:effectRef idx="1">
-            <a:schemeClr val="accent2"/>
-          </a:effectRef>
-          <a:fontRef idx="minor">
-            <a:schemeClr val="lt1"/>
-          </a:fontRef>
-        </p:style>
-        <p:txBody>
-          <a:bodyPr vert="horz" rtlCol="0" anchor="ctr"/>
-          <a:lstStyle/>
-          <a:p>
-            <a:pPr algn="ctr"/>
-            <a:r>
-              <a:rPr kumimoji="1" lang="zh-CN" altLang="en-US" sz="420" dirty="0">
-                <a:ea typeface="黑体" panose="02010609060101010101" pitchFamily="49" charset="-122"/>
-              </a:rPr>
-              <a:t>名称</a:t>
-            </a:r>
-          </a:p>
-        </p:txBody>
-      </p:sp>
-      <p:sp>
-        <p:nvSpPr>
-          <p:cNvPr id="100" name="椭圆 99">
-            <a:extLst>
-              <a:ext uri="{FF2B5EF4-FFF2-40B4-BE49-F238E27FC236}">
-                <a16:creationId xmlns:a16="http://schemas.microsoft.com/office/drawing/2014/main" id="{36CE3DFD-63BF-5A4D-80DF-14EF4C6B5AD8}"/>
-              </a:ext>
-            </a:extLst>
-          </p:cNvPr>
-          <p:cNvSpPr/>
-          <p:nvPr/>
-        </p:nvSpPr>
-        <p:spPr>
-          <a:xfrm>
-            <a:off x="9145690" y="4933377"/>
-            <a:ext cx="470247" cy="166599"/>
-          </a:xfrm>
-          <a:prstGeom prst="ellipse">
-            <a:avLst/>
-          </a:prstGeom>
-          <a:solidFill>
-            <a:schemeClr val="accent4"/>
-          </a:solidFill>
-          <a:ln>
-            <a:noFill/>
-          </a:ln>
-        </p:spPr>
-        <p:style>
-          <a:lnRef idx="3">
-            <a:schemeClr val="lt1"/>
-          </a:lnRef>
-          <a:fillRef idx="1">
-            <a:schemeClr val="accent2"/>
-          </a:fillRef>
-          <a:effectRef idx="1">
-            <a:schemeClr val="accent2"/>
-          </a:effectRef>
-          <a:fontRef idx="minor">
-            <a:schemeClr val="lt1"/>
-          </a:fontRef>
-        </p:style>
-        <p:txBody>
-          <a:bodyPr vert="horz" rtlCol="0" anchor="ctr"/>
-          <a:lstStyle/>
-          <a:p>
-            <a:pPr algn="ctr"/>
-            <a:r>
-              <a:rPr kumimoji="1" lang="zh-CN" altLang="en-US" sz="420" dirty="0">
-                <a:ea typeface="黑体" panose="02010609060101010101" pitchFamily="49" charset="-122"/>
-              </a:rPr>
-              <a:t>待揽件</a:t>
-            </a:r>
-            <a:endParaRPr kumimoji="1" lang="en-US" altLang="zh-CN" sz="420" dirty="0">
-              <a:ea typeface="黑体" panose="02010609060101010101" pitchFamily="49" charset="-122"/>
-            </a:endParaRPr>
-          </a:p>
-        </p:txBody>
-      </p:sp>
-      <p:sp>
-        <p:nvSpPr>
-          <p:cNvPr id="101" name="椭圆 100">
-            <a:extLst>
-              <a:ext uri="{FF2B5EF4-FFF2-40B4-BE49-F238E27FC236}">
-                <a16:creationId xmlns:a16="http://schemas.microsoft.com/office/drawing/2014/main" id="{DEBF4416-6B1E-0B44-9618-7C50040F17BF}"/>
-              </a:ext>
-            </a:extLst>
-          </p:cNvPr>
-          <p:cNvSpPr/>
-          <p:nvPr/>
-        </p:nvSpPr>
-        <p:spPr>
-          <a:xfrm>
-            <a:off x="9557765" y="4806060"/>
-            <a:ext cx="470247" cy="166599"/>
-          </a:xfrm>
-          <a:prstGeom prst="ellipse">
-            <a:avLst/>
-          </a:prstGeom>
-          <a:solidFill>
-            <a:schemeClr val="accent4"/>
-          </a:solidFill>
-          <a:ln>
-            <a:noFill/>
-          </a:ln>
-        </p:spPr>
-        <p:style>
-          <a:lnRef idx="3">
-            <a:schemeClr val="lt1"/>
-          </a:lnRef>
-          <a:fillRef idx="1">
-            <a:schemeClr val="accent2"/>
-          </a:fillRef>
-          <a:effectRef idx="1">
-            <a:schemeClr val="accent2"/>
-          </a:effectRef>
-          <a:fontRef idx="minor">
-            <a:schemeClr val="lt1"/>
-          </a:fontRef>
-        </p:style>
-        <p:txBody>
-          <a:bodyPr vert="horz" rtlCol="0" anchor="ctr"/>
-          <a:lstStyle/>
-          <a:p>
-            <a:pPr algn="ctr"/>
-            <a:r>
-              <a:rPr kumimoji="1" lang="zh-CN" altLang="en-US" sz="420" dirty="0">
-                <a:ea typeface="黑体" panose="02010609060101010101" pitchFamily="49" charset="-122"/>
-              </a:rPr>
-              <a:t>运输中</a:t>
-            </a:r>
-            <a:endParaRPr kumimoji="1" lang="en-US" altLang="zh-CN" sz="420" dirty="0">
-              <a:ea typeface="黑体" panose="02010609060101010101" pitchFamily="49" charset="-122"/>
-            </a:endParaRPr>
-          </a:p>
-        </p:txBody>
-      </p:sp>
-      <p:sp>
-        <p:nvSpPr>
-          <p:cNvPr id="103" name="文本框 102">
-            <a:extLst>
-              <a:ext uri="{FF2B5EF4-FFF2-40B4-BE49-F238E27FC236}">
-                <a16:creationId xmlns:a16="http://schemas.microsoft.com/office/drawing/2014/main" id="{63DE9DE7-BF5D-D54A-80DF-79756DA8D59F}"/>
-              </a:ext>
-            </a:extLst>
-          </p:cNvPr>
-          <p:cNvSpPr txBox="1"/>
-          <p:nvPr/>
-        </p:nvSpPr>
-        <p:spPr>
-          <a:xfrm>
-            <a:off x="2987609" y="4422087"/>
-            <a:ext cx="2827882" cy="173124"/>
-          </a:xfrm>
-          <a:prstGeom prst="rect">
-            <a:avLst/>
-          </a:prstGeom>
-          <a:noFill/>
-        </p:spPr>
-        <p:txBody>
-          <a:bodyPr wrap="square" lIns="94500" rtlCol="0">
-            <a:spAutoFit/>
-          </a:bodyPr>
-          <a:lstStyle/>
-          <a:p>
-            <a:r>
-              <a:rPr kumimoji="1" lang="zh-CN" altLang="en-US" sz="525" dirty="0">
-                <a:ea typeface="黑体" panose="02010609060101010101" pitchFamily="49" charset="-122"/>
-              </a:rPr>
-              <a:t>修改物流信息  运送中 由**发往**转运中心     </a:t>
-            </a:r>
-          </a:p>
-        </p:txBody>
-      </p:sp>
-      <p:sp>
-        <p:nvSpPr>
-          <p:cNvPr id="35" name="菱形 34">
-            <a:extLst>
-              <a:ext uri="{FF2B5EF4-FFF2-40B4-BE49-F238E27FC236}">
-                <a16:creationId xmlns:a16="http://schemas.microsoft.com/office/drawing/2014/main" id="{3E7DBD24-4AFB-C647-B894-F4EB606E35C2}"/>
-              </a:ext>
-            </a:extLst>
-          </p:cNvPr>
-          <p:cNvSpPr/>
-          <p:nvPr/>
-        </p:nvSpPr>
-        <p:spPr>
-          <a:xfrm>
-            <a:off x="3946786" y="3602638"/>
-            <a:ext cx="756862" cy="378078"/>
-          </a:xfrm>
-          <a:prstGeom prst="diamond">
-            <a:avLst/>
-          </a:prstGeom>
-          <a:ln>
-            <a:noFill/>
-          </a:ln>
-        </p:spPr>
-        <p:style>
-          <a:lnRef idx="2">
-            <a:schemeClr val="accent6">
-              <a:shade val="50000"/>
-            </a:schemeClr>
-          </a:lnRef>
-          <a:fillRef idx="1">
-            <a:schemeClr val="accent6"/>
-          </a:fillRef>
-          <a:effectRef idx="0">
-            <a:schemeClr val="accent6"/>
-          </a:effectRef>
-          <a:fontRef idx="minor">
-            <a:schemeClr val="lt1"/>
-          </a:fontRef>
-        </p:style>
-        <p:txBody>
-          <a:bodyPr rtlCol="0" anchor="ctr"/>
-          <a:lstStyle/>
-          <a:p>
-            <a:pPr algn="ctr"/>
-            <a:r>
               <a:rPr kumimoji="1" lang="zh-CN" altLang="en-US" sz="630" dirty="0">
                 <a:ea typeface="黑体" panose="02010609060101010101" pitchFamily="49" charset="-122"/>
               </a:rPr>
@@ -20659,7 +18996,7 @@
         </p:nvSpPr>
         <p:spPr>
           <a:xfrm>
-            <a:off x="6337211" y="3117904"/>
+            <a:off x="5723832" y="3733778"/>
             <a:ext cx="756862" cy="378078"/>
           </a:xfrm>
           <a:prstGeom prst="diamond">
@@ -20713,6 +19050,3253 @@
 </file>
 
 <file path=ppt/slides/slide6.xml><?xml version="1.0" encoding="utf-8"?>
+<p:sld xmlns:a="http://schemas.openxmlformats.org/drawingml/2006/main" xmlns:r="http://schemas.openxmlformats.org/officeDocument/2006/relationships" xmlns:p="http://schemas.openxmlformats.org/presentationml/2006/main">
+  <p:cSld>
+    <p:spTree>
+      <p:nvGrpSpPr>
+        <p:cNvPr id="1" name=""/>
+        <p:cNvGrpSpPr/>
+        <p:nvPr/>
+      </p:nvGrpSpPr>
+      <p:grpSpPr>
+        <a:xfrm>
+          <a:off x="0" y="0"/>
+          <a:ext cx="0" cy="0"/>
+          <a:chOff x="0" y="0"/>
+          <a:chExt cx="0" cy="0"/>
+        </a:xfrm>
+      </p:grpSpPr>
+      <p:grpSp>
+        <p:nvGrpSpPr>
+          <p:cNvPr id="82" name="组合 81">
+            <a:extLst>
+              <a:ext uri="{FF2B5EF4-FFF2-40B4-BE49-F238E27FC236}">
+                <a16:creationId xmlns:a16="http://schemas.microsoft.com/office/drawing/2014/main" id="{A6391FA9-0252-D248-9CD6-1A44F318EB49}"/>
+              </a:ext>
+            </a:extLst>
+          </p:cNvPr>
+          <p:cNvGrpSpPr/>
+          <p:nvPr/>
+        </p:nvGrpSpPr>
+        <p:grpSpPr>
+          <a:xfrm>
+            <a:off x="6176722" y="4563351"/>
+            <a:ext cx="1148982" cy="892021"/>
+            <a:chOff x="4008235" y="2307002"/>
+            <a:chExt cx="2908204" cy="1151078"/>
+          </a:xfrm>
+        </p:grpSpPr>
+        <p:cxnSp>
+          <p:nvCxnSpPr>
+            <p:cNvPr id="83" name="直线连接符 82">
+              <a:extLst>
+                <a:ext uri="{FF2B5EF4-FFF2-40B4-BE49-F238E27FC236}">
+                  <a16:creationId xmlns:a16="http://schemas.microsoft.com/office/drawing/2014/main" id="{AD400207-A640-6744-8EC6-17C7A1980BF5}"/>
+                </a:ext>
+              </a:extLst>
+            </p:cNvPr>
+            <p:cNvCxnSpPr/>
+            <p:nvPr/>
+          </p:nvCxnSpPr>
+          <p:spPr>
+            <a:xfrm>
+              <a:off x="4008235" y="2310063"/>
+              <a:ext cx="2908204" cy="0"/>
+            </a:xfrm>
+            <a:prstGeom prst="line">
+              <a:avLst/>
+            </a:prstGeom>
+          </p:spPr>
+          <p:style>
+            <a:lnRef idx="1">
+              <a:schemeClr val="accent6"/>
+            </a:lnRef>
+            <a:fillRef idx="0">
+              <a:schemeClr val="accent6"/>
+            </a:fillRef>
+            <a:effectRef idx="0">
+              <a:schemeClr val="accent6"/>
+            </a:effectRef>
+            <a:fontRef idx="minor">
+              <a:schemeClr val="tx1"/>
+            </a:fontRef>
+          </p:style>
+        </p:cxnSp>
+        <p:cxnSp>
+          <p:nvCxnSpPr>
+            <p:cNvPr id="84" name="直线连接符 83">
+              <a:extLst>
+                <a:ext uri="{FF2B5EF4-FFF2-40B4-BE49-F238E27FC236}">
+                  <a16:creationId xmlns:a16="http://schemas.microsoft.com/office/drawing/2014/main" id="{72CAA728-2C50-3E4A-9938-D43C3648963A}"/>
+                </a:ext>
+              </a:extLst>
+            </p:cNvPr>
+            <p:cNvCxnSpPr/>
+            <p:nvPr/>
+          </p:nvCxnSpPr>
+          <p:spPr>
+            <a:xfrm>
+              <a:off x="4008235" y="2307002"/>
+              <a:ext cx="0" cy="1151078"/>
+            </a:xfrm>
+            <a:prstGeom prst="line">
+              <a:avLst/>
+            </a:prstGeom>
+          </p:spPr>
+          <p:style>
+            <a:lnRef idx="1">
+              <a:schemeClr val="accent6"/>
+            </a:lnRef>
+            <a:fillRef idx="0">
+              <a:schemeClr val="accent6"/>
+            </a:fillRef>
+            <a:effectRef idx="0">
+              <a:schemeClr val="accent6"/>
+            </a:effectRef>
+            <a:fontRef idx="minor">
+              <a:schemeClr val="tx1"/>
+            </a:fontRef>
+          </p:style>
+        </p:cxnSp>
+        <p:cxnSp>
+          <p:nvCxnSpPr>
+            <p:cNvPr id="85" name="直线连接符 84">
+              <a:extLst>
+                <a:ext uri="{FF2B5EF4-FFF2-40B4-BE49-F238E27FC236}">
+                  <a16:creationId xmlns:a16="http://schemas.microsoft.com/office/drawing/2014/main" id="{DE904DBB-7BF6-5045-9FF9-51862333CCE0}"/>
+                </a:ext>
+              </a:extLst>
+            </p:cNvPr>
+            <p:cNvCxnSpPr/>
+            <p:nvPr/>
+          </p:nvCxnSpPr>
+          <p:spPr>
+            <a:xfrm>
+              <a:off x="6914544" y="2307002"/>
+              <a:ext cx="0" cy="1151078"/>
+            </a:xfrm>
+            <a:prstGeom prst="line">
+              <a:avLst/>
+            </a:prstGeom>
+          </p:spPr>
+          <p:style>
+            <a:lnRef idx="1">
+              <a:schemeClr val="accent6"/>
+            </a:lnRef>
+            <a:fillRef idx="0">
+              <a:schemeClr val="accent6"/>
+            </a:fillRef>
+            <a:effectRef idx="0">
+              <a:schemeClr val="accent6"/>
+            </a:effectRef>
+            <a:fontRef idx="minor">
+              <a:schemeClr val="tx1"/>
+            </a:fontRef>
+          </p:style>
+        </p:cxnSp>
+      </p:grpSp>
+      <p:grpSp>
+        <p:nvGrpSpPr>
+          <p:cNvPr id="78" name="组合 77">
+            <a:extLst>
+              <a:ext uri="{FF2B5EF4-FFF2-40B4-BE49-F238E27FC236}">
+                <a16:creationId xmlns:a16="http://schemas.microsoft.com/office/drawing/2014/main" id="{DD1EE15D-3D44-AF4C-9F32-676809703AD7}"/>
+              </a:ext>
+            </a:extLst>
+          </p:cNvPr>
+          <p:cNvGrpSpPr/>
+          <p:nvPr/>
+        </p:nvGrpSpPr>
+        <p:grpSpPr>
+          <a:xfrm rot="10800000">
+            <a:off x="6200262" y="5968544"/>
+            <a:ext cx="1125437" cy="624250"/>
+            <a:chOff x="4008235" y="2307002"/>
+            <a:chExt cx="2908204" cy="1151078"/>
+          </a:xfrm>
+        </p:grpSpPr>
+        <p:cxnSp>
+          <p:nvCxnSpPr>
+            <p:cNvPr id="79" name="直线连接符 78">
+              <a:extLst>
+                <a:ext uri="{FF2B5EF4-FFF2-40B4-BE49-F238E27FC236}">
+                  <a16:creationId xmlns:a16="http://schemas.microsoft.com/office/drawing/2014/main" id="{443E11D0-16F1-B043-A348-DC7486F5ED3A}"/>
+                </a:ext>
+              </a:extLst>
+            </p:cNvPr>
+            <p:cNvCxnSpPr/>
+            <p:nvPr/>
+          </p:nvCxnSpPr>
+          <p:spPr>
+            <a:xfrm>
+              <a:off x="4008235" y="2310063"/>
+              <a:ext cx="2908204" cy="0"/>
+            </a:xfrm>
+            <a:prstGeom prst="line">
+              <a:avLst/>
+            </a:prstGeom>
+          </p:spPr>
+          <p:style>
+            <a:lnRef idx="1">
+              <a:schemeClr val="accent6"/>
+            </a:lnRef>
+            <a:fillRef idx="0">
+              <a:schemeClr val="accent6"/>
+            </a:fillRef>
+            <a:effectRef idx="0">
+              <a:schemeClr val="accent6"/>
+            </a:effectRef>
+            <a:fontRef idx="minor">
+              <a:schemeClr val="tx1"/>
+            </a:fontRef>
+          </p:style>
+        </p:cxnSp>
+        <p:cxnSp>
+          <p:nvCxnSpPr>
+            <p:cNvPr id="80" name="直线连接符 79">
+              <a:extLst>
+                <a:ext uri="{FF2B5EF4-FFF2-40B4-BE49-F238E27FC236}">
+                  <a16:creationId xmlns:a16="http://schemas.microsoft.com/office/drawing/2014/main" id="{E8AE0F8F-723B-5C42-9FB6-C3E9B750A081}"/>
+                </a:ext>
+              </a:extLst>
+            </p:cNvPr>
+            <p:cNvCxnSpPr/>
+            <p:nvPr/>
+          </p:nvCxnSpPr>
+          <p:spPr>
+            <a:xfrm>
+              <a:off x="4008235" y="2307002"/>
+              <a:ext cx="0" cy="1151078"/>
+            </a:xfrm>
+            <a:prstGeom prst="line">
+              <a:avLst/>
+            </a:prstGeom>
+          </p:spPr>
+          <p:style>
+            <a:lnRef idx="1">
+              <a:schemeClr val="accent6"/>
+            </a:lnRef>
+            <a:fillRef idx="0">
+              <a:schemeClr val="accent6"/>
+            </a:fillRef>
+            <a:effectRef idx="0">
+              <a:schemeClr val="accent6"/>
+            </a:effectRef>
+            <a:fontRef idx="minor">
+              <a:schemeClr val="tx1"/>
+            </a:fontRef>
+          </p:style>
+        </p:cxnSp>
+        <p:cxnSp>
+          <p:nvCxnSpPr>
+            <p:cNvPr id="81" name="直线连接符 80">
+              <a:extLst>
+                <a:ext uri="{FF2B5EF4-FFF2-40B4-BE49-F238E27FC236}">
+                  <a16:creationId xmlns:a16="http://schemas.microsoft.com/office/drawing/2014/main" id="{5B3E5404-FC1B-C841-877E-C35972B44C9C}"/>
+                </a:ext>
+              </a:extLst>
+            </p:cNvPr>
+            <p:cNvCxnSpPr/>
+            <p:nvPr/>
+          </p:nvCxnSpPr>
+          <p:spPr>
+            <a:xfrm>
+              <a:off x="6914544" y="2307002"/>
+              <a:ext cx="0" cy="1151078"/>
+            </a:xfrm>
+            <a:prstGeom prst="line">
+              <a:avLst/>
+            </a:prstGeom>
+          </p:spPr>
+          <p:style>
+            <a:lnRef idx="1">
+              <a:schemeClr val="accent6"/>
+            </a:lnRef>
+            <a:fillRef idx="0">
+              <a:schemeClr val="accent6"/>
+            </a:fillRef>
+            <a:effectRef idx="0">
+              <a:schemeClr val="accent6"/>
+            </a:effectRef>
+            <a:fontRef idx="minor">
+              <a:schemeClr val="tx1"/>
+            </a:fontRef>
+          </p:style>
+        </p:cxnSp>
+      </p:grpSp>
+      <p:grpSp>
+        <p:nvGrpSpPr>
+          <p:cNvPr id="125" name="组合 124">
+            <a:extLst>
+              <a:ext uri="{FF2B5EF4-FFF2-40B4-BE49-F238E27FC236}">
+                <a16:creationId xmlns:a16="http://schemas.microsoft.com/office/drawing/2014/main" id="{E8EA3C28-71BC-844B-8635-3C7DB11CA994}"/>
+              </a:ext>
+            </a:extLst>
+          </p:cNvPr>
+          <p:cNvGrpSpPr/>
+          <p:nvPr/>
+        </p:nvGrpSpPr>
+        <p:grpSpPr>
+          <a:xfrm rot="10800000">
+            <a:off x="2575647" y="5869722"/>
+            <a:ext cx="3620670" cy="1145281"/>
+            <a:chOff x="4008235" y="2307002"/>
+            <a:chExt cx="2908204" cy="1151078"/>
+          </a:xfrm>
+        </p:grpSpPr>
+        <p:cxnSp>
+          <p:nvCxnSpPr>
+            <p:cNvPr id="126" name="直线连接符 125">
+              <a:extLst>
+                <a:ext uri="{FF2B5EF4-FFF2-40B4-BE49-F238E27FC236}">
+                  <a16:creationId xmlns:a16="http://schemas.microsoft.com/office/drawing/2014/main" id="{CF370E13-8A49-F648-B7EE-A2B02CFB4941}"/>
+                </a:ext>
+              </a:extLst>
+            </p:cNvPr>
+            <p:cNvCxnSpPr/>
+            <p:nvPr/>
+          </p:nvCxnSpPr>
+          <p:spPr>
+            <a:xfrm>
+              <a:off x="4008235" y="2310063"/>
+              <a:ext cx="2908204" cy="0"/>
+            </a:xfrm>
+            <a:prstGeom prst="line">
+              <a:avLst/>
+            </a:prstGeom>
+          </p:spPr>
+          <p:style>
+            <a:lnRef idx="1">
+              <a:schemeClr val="accent6"/>
+            </a:lnRef>
+            <a:fillRef idx="0">
+              <a:schemeClr val="accent6"/>
+            </a:fillRef>
+            <a:effectRef idx="0">
+              <a:schemeClr val="accent6"/>
+            </a:effectRef>
+            <a:fontRef idx="minor">
+              <a:schemeClr val="tx1"/>
+            </a:fontRef>
+          </p:style>
+        </p:cxnSp>
+        <p:cxnSp>
+          <p:nvCxnSpPr>
+            <p:cNvPr id="127" name="直线连接符 126">
+              <a:extLst>
+                <a:ext uri="{FF2B5EF4-FFF2-40B4-BE49-F238E27FC236}">
+                  <a16:creationId xmlns:a16="http://schemas.microsoft.com/office/drawing/2014/main" id="{0AB7D375-7A99-F24E-B308-5E0F1394723E}"/>
+                </a:ext>
+              </a:extLst>
+            </p:cNvPr>
+            <p:cNvCxnSpPr/>
+            <p:nvPr/>
+          </p:nvCxnSpPr>
+          <p:spPr>
+            <a:xfrm>
+              <a:off x="4008235" y="2307002"/>
+              <a:ext cx="0" cy="1151078"/>
+            </a:xfrm>
+            <a:prstGeom prst="line">
+              <a:avLst/>
+            </a:prstGeom>
+          </p:spPr>
+          <p:style>
+            <a:lnRef idx="1">
+              <a:schemeClr val="accent6"/>
+            </a:lnRef>
+            <a:fillRef idx="0">
+              <a:schemeClr val="accent6"/>
+            </a:fillRef>
+            <a:effectRef idx="0">
+              <a:schemeClr val="accent6"/>
+            </a:effectRef>
+            <a:fontRef idx="minor">
+              <a:schemeClr val="tx1"/>
+            </a:fontRef>
+          </p:style>
+        </p:cxnSp>
+        <p:cxnSp>
+          <p:nvCxnSpPr>
+            <p:cNvPr id="128" name="直线连接符 127">
+              <a:extLst>
+                <a:ext uri="{FF2B5EF4-FFF2-40B4-BE49-F238E27FC236}">
+                  <a16:creationId xmlns:a16="http://schemas.microsoft.com/office/drawing/2014/main" id="{9078FD17-0EE9-9D4F-BF3B-D9A4A2C2C859}"/>
+                </a:ext>
+              </a:extLst>
+            </p:cNvPr>
+            <p:cNvCxnSpPr/>
+            <p:nvPr/>
+          </p:nvCxnSpPr>
+          <p:spPr>
+            <a:xfrm>
+              <a:off x="6914544" y="2307002"/>
+              <a:ext cx="0" cy="1151078"/>
+            </a:xfrm>
+            <a:prstGeom prst="line">
+              <a:avLst/>
+            </a:prstGeom>
+          </p:spPr>
+          <p:style>
+            <a:lnRef idx="1">
+              <a:schemeClr val="accent6"/>
+            </a:lnRef>
+            <a:fillRef idx="0">
+              <a:schemeClr val="accent6"/>
+            </a:fillRef>
+            <a:effectRef idx="0">
+              <a:schemeClr val="accent6"/>
+            </a:effectRef>
+            <a:fontRef idx="minor">
+              <a:schemeClr val="tx1"/>
+            </a:fontRef>
+          </p:style>
+        </p:cxnSp>
+      </p:grpSp>
+      <p:grpSp>
+        <p:nvGrpSpPr>
+          <p:cNvPr id="121" name="组合 120">
+            <a:extLst>
+              <a:ext uri="{FF2B5EF4-FFF2-40B4-BE49-F238E27FC236}">
+                <a16:creationId xmlns:a16="http://schemas.microsoft.com/office/drawing/2014/main" id="{065252F1-7B82-0046-AF21-DB7B2DF852AD}"/>
+              </a:ext>
+            </a:extLst>
+          </p:cNvPr>
+          <p:cNvGrpSpPr/>
+          <p:nvPr/>
+        </p:nvGrpSpPr>
+        <p:grpSpPr>
+          <a:xfrm rot="10800000">
+            <a:off x="4865795" y="5922760"/>
+            <a:ext cx="1330515" cy="840867"/>
+            <a:chOff x="4008235" y="2307002"/>
+            <a:chExt cx="2908204" cy="1151078"/>
+          </a:xfrm>
+        </p:grpSpPr>
+        <p:cxnSp>
+          <p:nvCxnSpPr>
+            <p:cNvPr id="122" name="直线连接符 121">
+              <a:extLst>
+                <a:ext uri="{FF2B5EF4-FFF2-40B4-BE49-F238E27FC236}">
+                  <a16:creationId xmlns:a16="http://schemas.microsoft.com/office/drawing/2014/main" id="{2369E4AF-EEE2-E04C-BECC-1B486ACAF43D}"/>
+                </a:ext>
+              </a:extLst>
+            </p:cNvPr>
+            <p:cNvCxnSpPr/>
+            <p:nvPr/>
+          </p:nvCxnSpPr>
+          <p:spPr>
+            <a:xfrm>
+              <a:off x="4008235" y="2310063"/>
+              <a:ext cx="2908204" cy="0"/>
+            </a:xfrm>
+            <a:prstGeom prst="line">
+              <a:avLst/>
+            </a:prstGeom>
+          </p:spPr>
+          <p:style>
+            <a:lnRef idx="1">
+              <a:schemeClr val="accent6"/>
+            </a:lnRef>
+            <a:fillRef idx="0">
+              <a:schemeClr val="accent6"/>
+            </a:fillRef>
+            <a:effectRef idx="0">
+              <a:schemeClr val="accent6"/>
+            </a:effectRef>
+            <a:fontRef idx="minor">
+              <a:schemeClr val="tx1"/>
+            </a:fontRef>
+          </p:style>
+        </p:cxnSp>
+        <p:cxnSp>
+          <p:nvCxnSpPr>
+            <p:cNvPr id="123" name="直线连接符 122">
+              <a:extLst>
+                <a:ext uri="{FF2B5EF4-FFF2-40B4-BE49-F238E27FC236}">
+                  <a16:creationId xmlns:a16="http://schemas.microsoft.com/office/drawing/2014/main" id="{1E51E7FC-57E1-9849-B248-202DDB74AB0F}"/>
+                </a:ext>
+              </a:extLst>
+            </p:cNvPr>
+            <p:cNvCxnSpPr/>
+            <p:nvPr/>
+          </p:nvCxnSpPr>
+          <p:spPr>
+            <a:xfrm>
+              <a:off x="4008235" y="2307002"/>
+              <a:ext cx="0" cy="1151078"/>
+            </a:xfrm>
+            <a:prstGeom prst="line">
+              <a:avLst/>
+            </a:prstGeom>
+          </p:spPr>
+          <p:style>
+            <a:lnRef idx="1">
+              <a:schemeClr val="accent6"/>
+            </a:lnRef>
+            <a:fillRef idx="0">
+              <a:schemeClr val="accent6"/>
+            </a:fillRef>
+            <a:effectRef idx="0">
+              <a:schemeClr val="accent6"/>
+            </a:effectRef>
+            <a:fontRef idx="minor">
+              <a:schemeClr val="tx1"/>
+            </a:fontRef>
+          </p:style>
+        </p:cxnSp>
+        <p:cxnSp>
+          <p:nvCxnSpPr>
+            <p:cNvPr id="124" name="直线连接符 123">
+              <a:extLst>
+                <a:ext uri="{FF2B5EF4-FFF2-40B4-BE49-F238E27FC236}">
+                  <a16:creationId xmlns:a16="http://schemas.microsoft.com/office/drawing/2014/main" id="{BD582337-2AF7-7F47-A1B3-5CED33C8DCE8}"/>
+                </a:ext>
+              </a:extLst>
+            </p:cNvPr>
+            <p:cNvCxnSpPr/>
+            <p:nvPr/>
+          </p:nvCxnSpPr>
+          <p:spPr>
+            <a:xfrm>
+              <a:off x="6914544" y="2307002"/>
+              <a:ext cx="0" cy="1151078"/>
+            </a:xfrm>
+            <a:prstGeom prst="line">
+              <a:avLst/>
+            </a:prstGeom>
+          </p:spPr>
+          <p:style>
+            <a:lnRef idx="1">
+              <a:schemeClr val="accent6"/>
+            </a:lnRef>
+            <a:fillRef idx="0">
+              <a:schemeClr val="accent6"/>
+            </a:fillRef>
+            <a:effectRef idx="0">
+              <a:schemeClr val="accent6"/>
+            </a:effectRef>
+            <a:fontRef idx="minor">
+              <a:schemeClr val="tx1"/>
+            </a:fontRef>
+          </p:style>
+        </p:cxnSp>
+      </p:grpSp>
+      <p:grpSp>
+        <p:nvGrpSpPr>
+          <p:cNvPr id="105" name="组合 104">
+            <a:extLst>
+              <a:ext uri="{FF2B5EF4-FFF2-40B4-BE49-F238E27FC236}">
+                <a16:creationId xmlns:a16="http://schemas.microsoft.com/office/drawing/2014/main" id="{1A3182C9-FC9B-7A42-86E0-6C9969ED62F8}"/>
+              </a:ext>
+            </a:extLst>
+          </p:cNvPr>
+          <p:cNvGrpSpPr/>
+          <p:nvPr/>
+        </p:nvGrpSpPr>
+        <p:grpSpPr>
+          <a:xfrm>
+            <a:off x="4868301" y="5007804"/>
+            <a:ext cx="1308798" cy="574150"/>
+            <a:chOff x="4008235" y="2307002"/>
+            <a:chExt cx="2908204" cy="1151078"/>
+          </a:xfrm>
+        </p:grpSpPr>
+        <p:cxnSp>
+          <p:nvCxnSpPr>
+            <p:cNvPr id="106" name="直线连接符 105">
+              <a:extLst>
+                <a:ext uri="{FF2B5EF4-FFF2-40B4-BE49-F238E27FC236}">
+                  <a16:creationId xmlns:a16="http://schemas.microsoft.com/office/drawing/2014/main" id="{D0C31FA1-B076-1649-9A46-5B43C7615219}"/>
+                </a:ext>
+              </a:extLst>
+            </p:cNvPr>
+            <p:cNvCxnSpPr/>
+            <p:nvPr/>
+          </p:nvCxnSpPr>
+          <p:spPr>
+            <a:xfrm>
+              <a:off x="4008235" y="2310063"/>
+              <a:ext cx="2908204" cy="0"/>
+            </a:xfrm>
+            <a:prstGeom prst="line">
+              <a:avLst/>
+            </a:prstGeom>
+          </p:spPr>
+          <p:style>
+            <a:lnRef idx="1">
+              <a:schemeClr val="accent6"/>
+            </a:lnRef>
+            <a:fillRef idx="0">
+              <a:schemeClr val="accent6"/>
+            </a:fillRef>
+            <a:effectRef idx="0">
+              <a:schemeClr val="accent6"/>
+            </a:effectRef>
+            <a:fontRef idx="minor">
+              <a:schemeClr val="tx1"/>
+            </a:fontRef>
+          </p:style>
+        </p:cxnSp>
+        <p:cxnSp>
+          <p:nvCxnSpPr>
+            <p:cNvPr id="107" name="直线连接符 106">
+              <a:extLst>
+                <a:ext uri="{FF2B5EF4-FFF2-40B4-BE49-F238E27FC236}">
+                  <a16:creationId xmlns:a16="http://schemas.microsoft.com/office/drawing/2014/main" id="{A98D35B9-B15A-5947-B5FB-A5A5B4857F23}"/>
+                </a:ext>
+              </a:extLst>
+            </p:cNvPr>
+            <p:cNvCxnSpPr/>
+            <p:nvPr/>
+          </p:nvCxnSpPr>
+          <p:spPr>
+            <a:xfrm>
+              <a:off x="4008235" y="2307002"/>
+              <a:ext cx="0" cy="1151078"/>
+            </a:xfrm>
+            <a:prstGeom prst="line">
+              <a:avLst/>
+            </a:prstGeom>
+          </p:spPr>
+          <p:style>
+            <a:lnRef idx="1">
+              <a:schemeClr val="accent6"/>
+            </a:lnRef>
+            <a:fillRef idx="0">
+              <a:schemeClr val="accent6"/>
+            </a:fillRef>
+            <a:effectRef idx="0">
+              <a:schemeClr val="accent6"/>
+            </a:effectRef>
+            <a:fontRef idx="minor">
+              <a:schemeClr val="tx1"/>
+            </a:fontRef>
+          </p:style>
+        </p:cxnSp>
+        <p:cxnSp>
+          <p:nvCxnSpPr>
+            <p:cNvPr id="108" name="直线连接符 107">
+              <a:extLst>
+                <a:ext uri="{FF2B5EF4-FFF2-40B4-BE49-F238E27FC236}">
+                  <a16:creationId xmlns:a16="http://schemas.microsoft.com/office/drawing/2014/main" id="{C9619953-E807-0D43-88C8-337A611C39B0}"/>
+                </a:ext>
+              </a:extLst>
+            </p:cNvPr>
+            <p:cNvCxnSpPr/>
+            <p:nvPr/>
+          </p:nvCxnSpPr>
+          <p:spPr>
+            <a:xfrm>
+              <a:off x="6914544" y="2307002"/>
+              <a:ext cx="0" cy="1151078"/>
+            </a:xfrm>
+            <a:prstGeom prst="line">
+              <a:avLst/>
+            </a:prstGeom>
+          </p:spPr>
+          <p:style>
+            <a:lnRef idx="1">
+              <a:schemeClr val="accent6"/>
+            </a:lnRef>
+            <a:fillRef idx="0">
+              <a:schemeClr val="accent6"/>
+            </a:fillRef>
+            <a:effectRef idx="0">
+              <a:schemeClr val="accent6"/>
+            </a:effectRef>
+            <a:fontRef idx="minor">
+              <a:schemeClr val="tx1"/>
+            </a:fontRef>
+          </p:style>
+        </p:cxnSp>
+      </p:grpSp>
+      <p:grpSp>
+        <p:nvGrpSpPr>
+          <p:cNvPr id="109" name="组合 108">
+            <a:extLst>
+              <a:ext uri="{FF2B5EF4-FFF2-40B4-BE49-F238E27FC236}">
+                <a16:creationId xmlns:a16="http://schemas.microsoft.com/office/drawing/2014/main" id="{DC7DD488-FF7C-1541-B3A9-305416B45D7D}"/>
+              </a:ext>
+            </a:extLst>
+          </p:cNvPr>
+          <p:cNvGrpSpPr/>
+          <p:nvPr/>
+        </p:nvGrpSpPr>
+        <p:grpSpPr>
+          <a:xfrm>
+            <a:off x="2575645" y="4741098"/>
+            <a:ext cx="3600601" cy="862691"/>
+            <a:chOff x="4008235" y="2307002"/>
+            <a:chExt cx="2908204" cy="1151078"/>
+          </a:xfrm>
+        </p:grpSpPr>
+        <p:cxnSp>
+          <p:nvCxnSpPr>
+            <p:cNvPr id="110" name="直线连接符 109">
+              <a:extLst>
+                <a:ext uri="{FF2B5EF4-FFF2-40B4-BE49-F238E27FC236}">
+                  <a16:creationId xmlns:a16="http://schemas.microsoft.com/office/drawing/2014/main" id="{9F9B9109-4850-6C4F-A4E2-C44286DB0FBB}"/>
+                </a:ext>
+              </a:extLst>
+            </p:cNvPr>
+            <p:cNvCxnSpPr/>
+            <p:nvPr/>
+          </p:nvCxnSpPr>
+          <p:spPr>
+            <a:xfrm>
+              <a:off x="4008235" y="2310063"/>
+              <a:ext cx="2908204" cy="0"/>
+            </a:xfrm>
+            <a:prstGeom prst="line">
+              <a:avLst/>
+            </a:prstGeom>
+          </p:spPr>
+          <p:style>
+            <a:lnRef idx="1">
+              <a:schemeClr val="accent6"/>
+            </a:lnRef>
+            <a:fillRef idx="0">
+              <a:schemeClr val="accent6"/>
+            </a:fillRef>
+            <a:effectRef idx="0">
+              <a:schemeClr val="accent6"/>
+            </a:effectRef>
+            <a:fontRef idx="minor">
+              <a:schemeClr val="tx1"/>
+            </a:fontRef>
+          </p:style>
+        </p:cxnSp>
+        <p:cxnSp>
+          <p:nvCxnSpPr>
+            <p:cNvPr id="111" name="直线连接符 110">
+              <a:extLst>
+                <a:ext uri="{FF2B5EF4-FFF2-40B4-BE49-F238E27FC236}">
+                  <a16:creationId xmlns:a16="http://schemas.microsoft.com/office/drawing/2014/main" id="{C028A729-CDBA-1E45-B21E-0AE6AF1378AC}"/>
+                </a:ext>
+              </a:extLst>
+            </p:cNvPr>
+            <p:cNvCxnSpPr/>
+            <p:nvPr/>
+          </p:nvCxnSpPr>
+          <p:spPr>
+            <a:xfrm>
+              <a:off x="4008235" y="2307002"/>
+              <a:ext cx="0" cy="1151078"/>
+            </a:xfrm>
+            <a:prstGeom prst="line">
+              <a:avLst/>
+            </a:prstGeom>
+          </p:spPr>
+          <p:style>
+            <a:lnRef idx="1">
+              <a:schemeClr val="accent6"/>
+            </a:lnRef>
+            <a:fillRef idx="0">
+              <a:schemeClr val="accent6"/>
+            </a:fillRef>
+            <a:effectRef idx="0">
+              <a:schemeClr val="accent6"/>
+            </a:effectRef>
+            <a:fontRef idx="minor">
+              <a:schemeClr val="tx1"/>
+            </a:fontRef>
+          </p:style>
+        </p:cxnSp>
+        <p:cxnSp>
+          <p:nvCxnSpPr>
+            <p:cNvPr id="112" name="直线连接符 111">
+              <a:extLst>
+                <a:ext uri="{FF2B5EF4-FFF2-40B4-BE49-F238E27FC236}">
+                  <a16:creationId xmlns:a16="http://schemas.microsoft.com/office/drawing/2014/main" id="{738FBBF2-E4CE-F648-AB03-5B79A50C2DBC}"/>
+                </a:ext>
+              </a:extLst>
+            </p:cNvPr>
+            <p:cNvCxnSpPr/>
+            <p:nvPr/>
+          </p:nvCxnSpPr>
+          <p:spPr>
+            <a:xfrm>
+              <a:off x="6914544" y="2307002"/>
+              <a:ext cx="0" cy="1151078"/>
+            </a:xfrm>
+            <a:prstGeom prst="line">
+              <a:avLst/>
+            </a:prstGeom>
+          </p:spPr>
+          <p:style>
+            <a:lnRef idx="1">
+              <a:schemeClr val="accent6"/>
+            </a:lnRef>
+            <a:fillRef idx="0">
+              <a:schemeClr val="accent6"/>
+            </a:fillRef>
+            <a:effectRef idx="0">
+              <a:schemeClr val="accent6"/>
+            </a:effectRef>
+            <a:fontRef idx="minor">
+              <a:schemeClr val="tx1"/>
+            </a:fontRef>
+          </p:style>
+        </p:cxnSp>
+      </p:grpSp>
+      <p:sp>
+        <p:nvSpPr>
+          <p:cNvPr id="5" name="矩形 4">
+            <a:extLst>
+              <a:ext uri="{FF2B5EF4-FFF2-40B4-BE49-F238E27FC236}">
+                <a16:creationId xmlns:a16="http://schemas.microsoft.com/office/drawing/2014/main" id="{91A4A654-8658-354E-8CC7-8984C3825E53}"/>
+              </a:ext>
+            </a:extLst>
+          </p:cNvPr>
+          <p:cNvSpPr/>
+          <p:nvPr/>
+        </p:nvSpPr>
+        <p:spPr>
+          <a:xfrm>
+            <a:off x="8017916" y="5534473"/>
+            <a:ext cx="988547" cy="498488"/>
+          </a:xfrm>
+          <a:prstGeom prst="rect">
+            <a:avLst/>
+          </a:prstGeom>
+          <a:solidFill>
+            <a:srgbClr val="00B0F0"/>
+          </a:solidFill>
+          <a:ln>
+            <a:noFill/>
+          </a:ln>
+        </p:spPr>
+        <p:style>
+          <a:lnRef idx="2">
+            <a:schemeClr val="accent1">
+              <a:shade val="50000"/>
+            </a:schemeClr>
+          </a:lnRef>
+          <a:fillRef idx="1">
+            <a:schemeClr val="accent1"/>
+          </a:fillRef>
+          <a:effectRef idx="0">
+            <a:schemeClr val="accent1"/>
+          </a:effectRef>
+          <a:fontRef idx="minor">
+            <a:schemeClr val="lt1"/>
+          </a:fontRef>
+        </p:style>
+        <p:txBody>
+          <a:bodyPr rtlCol="0" anchor="ctr"/>
+          <a:lstStyle/>
+          <a:p>
+            <a:pPr algn="ctr"/>
+            <a:r>
+              <a:rPr kumimoji="1" lang="zh-CN" altLang="en-US" sz="1470" dirty="0">
+                <a:ea typeface="黑体" panose="02010609060101010101" pitchFamily="49" charset="-122"/>
+              </a:rPr>
+              <a:t>客户</a:t>
+            </a:r>
+          </a:p>
+        </p:txBody>
+      </p:sp>
+      <p:sp>
+        <p:nvSpPr>
+          <p:cNvPr id="6" name="矩形 5">
+            <a:extLst>
+              <a:ext uri="{FF2B5EF4-FFF2-40B4-BE49-F238E27FC236}">
+                <a16:creationId xmlns:a16="http://schemas.microsoft.com/office/drawing/2014/main" id="{7C905007-336A-BA49-8032-5D771513F8A4}"/>
+              </a:ext>
+            </a:extLst>
+          </p:cNvPr>
+          <p:cNvSpPr/>
+          <p:nvPr/>
+        </p:nvSpPr>
+        <p:spPr>
+          <a:xfrm>
+            <a:off x="5650505" y="5534473"/>
+            <a:ext cx="988547" cy="498488"/>
+          </a:xfrm>
+          <a:prstGeom prst="rect">
+            <a:avLst/>
+          </a:prstGeom>
+          <a:solidFill>
+            <a:srgbClr val="00B0F0"/>
+          </a:solidFill>
+          <a:ln>
+            <a:noFill/>
+          </a:ln>
+        </p:spPr>
+        <p:style>
+          <a:lnRef idx="2">
+            <a:schemeClr val="accent1">
+              <a:shade val="50000"/>
+            </a:schemeClr>
+          </a:lnRef>
+          <a:fillRef idx="1">
+            <a:schemeClr val="accent1"/>
+          </a:fillRef>
+          <a:effectRef idx="0">
+            <a:schemeClr val="accent1"/>
+          </a:effectRef>
+          <a:fontRef idx="minor">
+            <a:schemeClr val="lt1"/>
+          </a:fontRef>
+        </p:style>
+        <p:txBody>
+          <a:bodyPr rtlCol="0" anchor="ctr"/>
+          <a:lstStyle/>
+          <a:p>
+            <a:pPr algn="ctr"/>
+            <a:r>
+              <a:rPr kumimoji="1" lang="zh-CN" altLang="en-US" sz="1470" dirty="0">
+                <a:ea typeface="黑体" panose="02010609060101010101" pitchFamily="49" charset="-122"/>
+              </a:rPr>
+              <a:t>快递</a:t>
+            </a:r>
+          </a:p>
+        </p:txBody>
+      </p:sp>
+      <p:sp>
+        <p:nvSpPr>
+          <p:cNvPr id="7" name="矩形 6">
+            <a:extLst>
+              <a:ext uri="{FF2B5EF4-FFF2-40B4-BE49-F238E27FC236}">
+                <a16:creationId xmlns:a16="http://schemas.microsoft.com/office/drawing/2014/main" id="{7B6B8A12-4865-8845-8D4B-B8ECD8931940}"/>
+              </a:ext>
+            </a:extLst>
+          </p:cNvPr>
+          <p:cNvSpPr/>
+          <p:nvPr/>
+        </p:nvSpPr>
+        <p:spPr>
+          <a:xfrm>
+            <a:off x="4432081" y="3306253"/>
+            <a:ext cx="988547" cy="498488"/>
+          </a:xfrm>
+          <a:prstGeom prst="rect">
+            <a:avLst/>
+          </a:prstGeom>
+          <a:solidFill>
+            <a:srgbClr val="00B0F0"/>
+          </a:solidFill>
+          <a:ln>
+            <a:noFill/>
+          </a:ln>
+        </p:spPr>
+        <p:style>
+          <a:lnRef idx="2">
+            <a:schemeClr val="accent1">
+              <a:shade val="50000"/>
+            </a:schemeClr>
+          </a:lnRef>
+          <a:fillRef idx="1">
+            <a:schemeClr val="accent1"/>
+          </a:fillRef>
+          <a:effectRef idx="0">
+            <a:schemeClr val="accent1"/>
+          </a:effectRef>
+          <a:fontRef idx="minor">
+            <a:schemeClr val="lt1"/>
+          </a:fontRef>
+        </p:style>
+        <p:txBody>
+          <a:bodyPr rtlCol="0" anchor="ctr"/>
+          <a:lstStyle/>
+          <a:p>
+            <a:pPr algn="ctr"/>
+            <a:r>
+              <a:rPr kumimoji="1" lang="zh-CN" altLang="en-US" sz="1260" dirty="0">
+                <a:ea typeface="黑体" panose="02010609060101010101" pitchFamily="49" charset="-122"/>
+              </a:rPr>
+              <a:t>超级管理</a:t>
+            </a:r>
+          </a:p>
+        </p:txBody>
+      </p:sp>
+      <p:sp>
+        <p:nvSpPr>
+          <p:cNvPr id="8" name="矩形 7">
+            <a:extLst>
+              <a:ext uri="{FF2B5EF4-FFF2-40B4-BE49-F238E27FC236}">
+                <a16:creationId xmlns:a16="http://schemas.microsoft.com/office/drawing/2014/main" id="{A4443424-848A-5542-9E0E-2BDC5052EE06}"/>
+              </a:ext>
+            </a:extLst>
+          </p:cNvPr>
+          <p:cNvSpPr/>
+          <p:nvPr/>
+        </p:nvSpPr>
+        <p:spPr>
+          <a:xfrm>
+            <a:off x="3283093" y="5534473"/>
+            <a:ext cx="988547" cy="498488"/>
+          </a:xfrm>
+          <a:prstGeom prst="rect">
+            <a:avLst/>
+          </a:prstGeom>
+          <a:solidFill>
+            <a:srgbClr val="00B0F0"/>
+          </a:solidFill>
+          <a:ln>
+            <a:noFill/>
+          </a:ln>
+        </p:spPr>
+        <p:style>
+          <a:lnRef idx="2">
+            <a:schemeClr val="accent1">
+              <a:shade val="50000"/>
+            </a:schemeClr>
+          </a:lnRef>
+          <a:fillRef idx="1">
+            <a:schemeClr val="accent1"/>
+          </a:fillRef>
+          <a:effectRef idx="0">
+            <a:schemeClr val="accent1"/>
+          </a:effectRef>
+          <a:fontRef idx="minor">
+            <a:schemeClr val="lt1"/>
+          </a:fontRef>
+        </p:style>
+        <p:txBody>
+          <a:bodyPr rtlCol="0" anchor="ctr"/>
+          <a:lstStyle/>
+          <a:p>
+            <a:pPr algn="ctr"/>
+            <a:r>
+              <a:rPr kumimoji="1" lang="zh-CN" altLang="en-US" sz="1260" dirty="0">
+                <a:ea typeface="黑体" panose="02010609060101010101" pitchFamily="49" charset="-122"/>
+              </a:rPr>
+              <a:t>驿站管理</a:t>
+            </a:r>
+          </a:p>
+        </p:txBody>
+      </p:sp>
+      <p:sp>
+        <p:nvSpPr>
+          <p:cNvPr id="9" name="椭圆 8">
+            <a:extLst>
+              <a:ext uri="{FF2B5EF4-FFF2-40B4-BE49-F238E27FC236}">
+                <a16:creationId xmlns:a16="http://schemas.microsoft.com/office/drawing/2014/main" id="{20F42790-FFEE-E849-B721-87307F4435A7}"/>
+              </a:ext>
+            </a:extLst>
+          </p:cNvPr>
+          <p:cNvSpPr/>
+          <p:nvPr/>
+        </p:nvSpPr>
+        <p:spPr>
+          <a:xfrm>
+            <a:off x="8274686" y="5044980"/>
+            <a:ext cx="470247" cy="166599"/>
+          </a:xfrm>
+          <a:prstGeom prst="ellipse">
+            <a:avLst/>
+          </a:prstGeom>
+          <a:ln>
+            <a:noFill/>
+          </a:ln>
+        </p:spPr>
+        <p:style>
+          <a:lnRef idx="3">
+            <a:schemeClr val="lt1"/>
+          </a:lnRef>
+          <a:fillRef idx="1">
+            <a:schemeClr val="accent2"/>
+          </a:fillRef>
+          <a:effectRef idx="1">
+            <a:schemeClr val="accent2"/>
+          </a:effectRef>
+          <a:fontRef idx="minor">
+            <a:schemeClr val="lt1"/>
+          </a:fontRef>
+        </p:style>
+        <p:txBody>
+          <a:bodyPr vert="horz" rtlCol="0" anchor="ctr"/>
+          <a:lstStyle/>
+          <a:p>
+            <a:pPr algn="ctr"/>
+            <a:r>
+              <a:rPr kumimoji="1" lang="zh-CN" altLang="en-US" sz="525" dirty="0">
+                <a:ea typeface="黑体" panose="02010609060101010101" pitchFamily="49" charset="-122"/>
+              </a:rPr>
+              <a:t>账号</a:t>
+            </a:r>
+          </a:p>
+        </p:txBody>
+      </p:sp>
+      <p:sp>
+        <p:nvSpPr>
+          <p:cNvPr id="11" name="椭圆 10">
+            <a:extLst>
+              <a:ext uri="{FF2B5EF4-FFF2-40B4-BE49-F238E27FC236}">
+                <a16:creationId xmlns:a16="http://schemas.microsoft.com/office/drawing/2014/main" id="{07F47FB2-0AA0-994B-9DF3-8CC717A588F8}"/>
+              </a:ext>
+            </a:extLst>
+          </p:cNvPr>
+          <p:cNvSpPr/>
+          <p:nvPr/>
+        </p:nvSpPr>
+        <p:spPr>
+          <a:xfrm>
+            <a:off x="9063959" y="5291249"/>
+            <a:ext cx="470247" cy="166599"/>
+          </a:xfrm>
+          <a:prstGeom prst="ellipse">
+            <a:avLst/>
+          </a:prstGeom>
+          <a:ln>
+            <a:noFill/>
+          </a:ln>
+        </p:spPr>
+        <p:style>
+          <a:lnRef idx="3">
+            <a:schemeClr val="lt1"/>
+          </a:lnRef>
+          <a:fillRef idx="1">
+            <a:schemeClr val="accent2"/>
+          </a:fillRef>
+          <a:effectRef idx="1">
+            <a:schemeClr val="accent2"/>
+          </a:effectRef>
+          <a:fontRef idx="minor">
+            <a:schemeClr val="lt1"/>
+          </a:fontRef>
+        </p:style>
+        <p:txBody>
+          <a:bodyPr vert="horz" rtlCol="0" anchor="ctr"/>
+          <a:lstStyle/>
+          <a:p>
+            <a:pPr algn="ctr"/>
+            <a:r>
+              <a:rPr kumimoji="1" lang="zh-CN" altLang="en-US" sz="525" dirty="0">
+                <a:ea typeface="黑体" panose="02010609060101010101" pitchFamily="49" charset="-122"/>
+              </a:rPr>
+              <a:t>密码</a:t>
+            </a:r>
+          </a:p>
+        </p:txBody>
+      </p:sp>
+      <p:sp>
+        <p:nvSpPr>
+          <p:cNvPr id="12" name="椭圆 11">
+            <a:extLst>
+              <a:ext uri="{FF2B5EF4-FFF2-40B4-BE49-F238E27FC236}">
+                <a16:creationId xmlns:a16="http://schemas.microsoft.com/office/drawing/2014/main" id="{2036AD8E-418F-384F-9C0A-181A5560756E}"/>
+              </a:ext>
+            </a:extLst>
+          </p:cNvPr>
+          <p:cNvSpPr/>
+          <p:nvPr/>
+        </p:nvSpPr>
+        <p:spPr>
+          <a:xfrm>
+            <a:off x="8277065" y="6331249"/>
+            <a:ext cx="470247" cy="166599"/>
+          </a:xfrm>
+          <a:prstGeom prst="ellipse">
+            <a:avLst/>
+          </a:prstGeom>
+          <a:ln>
+            <a:noFill/>
+          </a:ln>
+        </p:spPr>
+        <p:style>
+          <a:lnRef idx="3">
+            <a:schemeClr val="lt1"/>
+          </a:lnRef>
+          <a:fillRef idx="1">
+            <a:schemeClr val="accent2"/>
+          </a:fillRef>
+          <a:effectRef idx="1">
+            <a:schemeClr val="accent2"/>
+          </a:effectRef>
+          <a:fontRef idx="minor">
+            <a:schemeClr val="lt1"/>
+          </a:fontRef>
+        </p:style>
+        <p:txBody>
+          <a:bodyPr vert="horz" rtlCol="0" anchor="ctr"/>
+          <a:lstStyle/>
+          <a:p>
+            <a:pPr algn="ctr"/>
+            <a:r>
+              <a:rPr kumimoji="1" lang="zh-CN" altLang="en-US" sz="525" dirty="0">
+                <a:ea typeface="黑体" panose="02010609060101010101" pitchFamily="49" charset="-122"/>
+              </a:rPr>
+              <a:t>姓名</a:t>
+            </a:r>
+          </a:p>
+        </p:txBody>
+      </p:sp>
+      <p:sp>
+        <p:nvSpPr>
+          <p:cNvPr id="13" name="椭圆 12">
+            <a:extLst>
+              <a:ext uri="{FF2B5EF4-FFF2-40B4-BE49-F238E27FC236}">
+                <a16:creationId xmlns:a16="http://schemas.microsoft.com/office/drawing/2014/main" id="{9692B3CE-4889-3A4C-9F88-8A5ECD280C11}"/>
+              </a:ext>
+            </a:extLst>
+          </p:cNvPr>
+          <p:cNvSpPr/>
+          <p:nvPr/>
+        </p:nvSpPr>
+        <p:spPr>
+          <a:xfrm>
+            <a:off x="9099197" y="6118919"/>
+            <a:ext cx="470247" cy="166599"/>
+          </a:xfrm>
+          <a:prstGeom prst="ellipse">
+            <a:avLst/>
+          </a:prstGeom>
+          <a:ln>
+            <a:noFill/>
+          </a:ln>
+        </p:spPr>
+        <p:style>
+          <a:lnRef idx="3">
+            <a:schemeClr val="lt1"/>
+          </a:lnRef>
+          <a:fillRef idx="1">
+            <a:schemeClr val="accent2"/>
+          </a:fillRef>
+          <a:effectRef idx="1">
+            <a:schemeClr val="accent2"/>
+          </a:effectRef>
+          <a:fontRef idx="minor">
+            <a:schemeClr val="lt1"/>
+          </a:fontRef>
+        </p:style>
+        <p:txBody>
+          <a:bodyPr vert="horz" rtlCol="0" anchor="ctr"/>
+          <a:lstStyle/>
+          <a:p>
+            <a:pPr algn="ctr"/>
+            <a:r>
+              <a:rPr kumimoji="1" lang="zh-CN" altLang="en-US" sz="525" dirty="0">
+                <a:ea typeface="黑体" panose="02010609060101010101" pitchFamily="49" charset="-122"/>
+              </a:rPr>
+              <a:t>电话</a:t>
+            </a:r>
+          </a:p>
+        </p:txBody>
+      </p:sp>
+      <p:sp>
+        <p:nvSpPr>
+          <p:cNvPr id="15" name="椭圆 14">
+            <a:extLst>
+              <a:ext uri="{FF2B5EF4-FFF2-40B4-BE49-F238E27FC236}">
+                <a16:creationId xmlns:a16="http://schemas.microsoft.com/office/drawing/2014/main" id="{C4666C08-6D30-E04A-B8B0-1557B80F1E09}"/>
+              </a:ext>
+            </a:extLst>
+          </p:cNvPr>
+          <p:cNvSpPr/>
+          <p:nvPr/>
+        </p:nvSpPr>
+        <p:spPr>
+          <a:xfrm>
+            <a:off x="5307250" y="5091611"/>
+            <a:ext cx="470247" cy="166599"/>
+          </a:xfrm>
+          <a:prstGeom prst="ellipse">
+            <a:avLst/>
+          </a:prstGeom>
+          <a:ln>
+            <a:noFill/>
+          </a:ln>
+        </p:spPr>
+        <p:style>
+          <a:lnRef idx="3">
+            <a:schemeClr val="lt1"/>
+          </a:lnRef>
+          <a:fillRef idx="1">
+            <a:schemeClr val="accent2"/>
+          </a:fillRef>
+          <a:effectRef idx="1">
+            <a:schemeClr val="accent2"/>
+          </a:effectRef>
+          <a:fontRef idx="minor">
+            <a:schemeClr val="lt1"/>
+          </a:fontRef>
+        </p:style>
+        <p:txBody>
+          <a:bodyPr vert="horz" rtlCol="0" anchor="ctr"/>
+          <a:lstStyle/>
+          <a:p>
+            <a:pPr algn="ctr"/>
+            <a:r>
+              <a:rPr kumimoji="1" lang="zh-CN" altLang="en-US" sz="525" dirty="0">
+                <a:ea typeface="黑体" panose="02010609060101010101" pitchFamily="49" charset="-122"/>
+              </a:rPr>
+              <a:t>快递单号</a:t>
+            </a:r>
+            <a:r>
+              <a:rPr kumimoji="1" lang="en-US" altLang="zh-CN" sz="525" dirty="0">
+                <a:ea typeface="黑体" panose="02010609060101010101" pitchFamily="49" charset="-122"/>
+              </a:rPr>
+              <a:t>  </a:t>
+            </a:r>
+            <a:endParaRPr kumimoji="1" lang="zh-CN" altLang="en-US" sz="525" dirty="0">
+              <a:ea typeface="黑体" panose="02010609060101010101" pitchFamily="49" charset="-122"/>
+            </a:endParaRPr>
+          </a:p>
+        </p:txBody>
+      </p:sp>
+      <p:sp>
+        <p:nvSpPr>
+          <p:cNvPr id="16" name="椭圆 15">
+            <a:extLst>
+              <a:ext uri="{FF2B5EF4-FFF2-40B4-BE49-F238E27FC236}">
+                <a16:creationId xmlns:a16="http://schemas.microsoft.com/office/drawing/2014/main" id="{24AB511A-4BF4-BC4C-9323-943DD5B20967}"/>
+              </a:ext>
+            </a:extLst>
+          </p:cNvPr>
+          <p:cNvSpPr/>
+          <p:nvPr/>
+        </p:nvSpPr>
+        <p:spPr>
+          <a:xfrm>
+            <a:off x="5172381" y="6023308"/>
+            <a:ext cx="470247" cy="166599"/>
+          </a:xfrm>
+          <a:prstGeom prst="ellipse">
+            <a:avLst/>
+          </a:prstGeom>
+          <a:ln>
+            <a:noFill/>
+          </a:ln>
+        </p:spPr>
+        <p:style>
+          <a:lnRef idx="3">
+            <a:schemeClr val="lt1"/>
+          </a:lnRef>
+          <a:fillRef idx="1">
+            <a:schemeClr val="accent2"/>
+          </a:fillRef>
+          <a:effectRef idx="1">
+            <a:schemeClr val="accent2"/>
+          </a:effectRef>
+          <a:fontRef idx="minor">
+            <a:schemeClr val="lt1"/>
+          </a:fontRef>
+        </p:style>
+        <p:txBody>
+          <a:bodyPr vert="horz" rtlCol="0" anchor="ctr"/>
+          <a:lstStyle/>
+          <a:p>
+            <a:pPr algn="ctr"/>
+            <a:r>
+              <a:rPr kumimoji="1" lang="zh-CN" altLang="en-US" sz="525" dirty="0">
+                <a:ea typeface="黑体" panose="02010609060101010101" pitchFamily="49" charset="-122"/>
+              </a:rPr>
+              <a:t>寄件姓名</a:t>
+            </a:r>
+          </a:p>
+        </p:txBody>
+      </p:sp>
+      <p:sp>
+        <p:nvSpPr>
+          <p:cNvPr id="17" name="椭圆 16">
+            <a:extLst>
+              <a:ext uri="{FF2B5EF4-FFF2-40B4-BE49-F238E27FC236}">
+                <a16:creationId xmlns:a16="http://schemas.microsoft.com/office/drawing/2014/main" id="{1679C4D9-5D93-8241-8C6D-4DBD580A500A}"/>
+              </a:ext>
+            </a:extLst>
+          </p:cNvPr>
+          <p:cNvSpPr/>
+          <p:nvPr/>
+        </p:nvSpPr>
+        <p:spPr>
+          <a:xfrm>
+            <a:off x="6247057" y="6079282"/>
+            <a:ext cx="470247" cy="166599"/>
+          </a:xfrm>
+          <a:prstGeom prst="ellipse">
+            <a:avLst/>
+          </a:prstGeom>
+          <a:ln>
+            <a:noFill/>
+          </a:ln>
+        </p:spPr>
+        <p:style>
+          <a:lnRef idx="3">
+            <a:schemeClr val="lt1"/>
+          </a:lnRef>
+          <a:fillRef idx="1">
+            <a:schemeClr val="accent2"/>
+          </a:fillRef>
+          <a:effectRef idx="1">
+            <a:schemeClr val="accent2"/>
+          </a:effectRef>
+          <a:fontRef idx="minor">
+            <a:schemeClr val="lt1"/>
+          </a:fontRef>
+        </p:style>
+        <p:txBody>
+          <a:bodyPr vert="horz" rtlCol="0" anchor="ctr"/>
+          <a:lstStyle/>
+          <a:p>
+            <a:pPr algn="ctr"/>
+            <a:r>
+              <a:rPr kumimoji="1" lang="zh-CN" altLang="en-US" sz="420" dirty="0">
+                <a:ea typeface="黑体" panose="02010609060101010101" pitchFamily="49" charset="-122"/>
+              </a:rPr>
+              <a:t>收件姓名</a:t>
+            </a:r>
+          </a:p>
+        </p:txBody>
+      </p:sp>
+      <p:sp>
+        <p:nvSpPr>
+          <p:cNvPr id="18" name="椭圆 17">
+            <a:extLst>
+              <a:ext uri="{FF2B5EF4-FFF2-40B4-BE49-F238E27FC236}">
+                <a16:creationId xmlns:a16="http://schemas.microsoft.com/office/drawing/2014/main" id="{1A6DFC5C-99A0-7041-A3B8-7FFCEFC4879E}"/>
+              </a:ext>
+            </a:extLst>
+          </p:cNvPr>
+          <p:cNvSpPr/>
+          <p:nvPr/>
+        </p:nvSpPr>
+        <p:spPr>
+          <a:xfrm>
+            <a:off x="6247057" y="5027234"/>
+            <a:ext cx="470247" cy="166599"/>
+          </a:xfrm>
+          <a:prstGeom prst="ellipse">
+            <a:avLst/>
+          </a:prstGeom>
+          <a:ln>
+            <a:noFill/>
+          </a:ln>
+        </p:spPr>
+        <p:style>
+          <a:lnRef idx="3">
+            <a:schemeClr val="lt1"/>
+          </a:lnRef>
+          <a:fillRef idx="1">
+            <a:schemeClr val="accent2"/>
+          </a:fillRef>
+          <a:effectRef idx="1">
+            <a:schemeClr val="accent2"/>
+          </a:effectRef>
+          <a:fontRef idx="minor">
+            <a:schemeClr val="lt1"/>
+          </a:fontRef>
+        </p:style>
+        <p:txBody>
+          <a:bodyPr vert="horz" rtlCol="0" anchor="ctr"/>
+          <a:lstStyle/>
+          <a:p>
+            <a:pPr algn="ctr"/>
+            <a:r>
+              <a:rPr kumimoji="1" lang="zh-CN" altLang="en-US" sz="420" dirty="0">
+                <a:ea typeface="黑体" panose="02010609060101010101" pitchFamily="49" charset="-122"/>
+              </a:rPr>
+              <a:t>物流状态</a:t>
+            </a:r>
+          </a:p>
+        </p:txBody>
+      </p:sp>
+      <p:sp>
+        <p:nvSpPr>
+          <p:cNvPr id="19" name="椭圆 18">
+            <a:extLst>
+              <a:ext uri="{FF2B5EF4-FFF2-40B4-BE49-F238E27FC236}">
+                <a16:creationId xmlns:a16="http://schemas.microsoft.com/office/drawing/2014/main" id="{EC31E164-084F-954A-9408-67A7E1230B61}"/>
+              </a:ext>
+            </a:extLst>
+          </p:cNvPr>
+          <p:cNvSpPr/>
+          <p:nvPr/>
+        </p:nvSpPr>
+        <p:spPr>
+          <a:xfrm>
+            <a:off x="5679759" y="6136103"/>
+            <a:ext cx="470247" cy="166599"/>
+          </a:xfrm>
+          <a:prstGeom prst="ellipse">
+            <a:avLst/>
+          </a:prstGeom>
+          <a:ln>
+            <a:noFill/>
+          </a:ln>
+        </p:spPr>
+        <p:style>
+          <a:lnRef idx="3">
+            <a:schemeClr val="lt1"/>
+          </a:lnRef>
+          <a:fillRef idx="1">
+            <a:schemeClr val="accent2"/>
+          </a:fillRef>
+          <a:effectRef idx="1">
+            <a:schemeClr val="accent2"/>
+          </a:effectRef>
+          <a:fontRef idx="minor">
+            <a:schemeClr val="lt1"/>
+          </a:fontRef>
+        </p:style>
+        <p:txBody>
+          <a:bodyPr vert="horz" rtlCol="0" anchor="ctr"/>
+          <a:lstStyle/>
+          <a:p>
+            <a:pPr algn="ctr"/>
+            <a:r>
+              <a:rPr kumimoji="1" lang="zh-CN" altLang="en-US" sz="525" dirty="0">
+                <a:ea typeface="黑体" panose="02010609060101010101" pitchFamily="49" charset="-122"/>
+              </a:rPr>
+              <a:t>寄件地址</a:t>
+            </a:r>
+          </a:p>
+        </p:txBody>
+      </p:sp>
+      <p:sp>
+        <p:nvSpPr>
+          <p:cNvPr id="20" name="椭圆 19">
+            <a:extLst>
+              <a:ext uri="{FF2B5EF4-FFF2-40B4-BE49-F238E27FC236}">
+                <a16:creationId xmlns:a16="http://schemas.microsoft.com/office/drawing/2014/main" id="{4D551EAA-7C3B-7B45-A584-02A9030A4A3A}"/>
+              </a:ext>
+            </a:extLst>
+          </p:cNvPr>
+          <p:cNvSpPr/>
+          <p:nvPr/>
+        </p:nvSpPr>
+        <p:spPr>
+          <a:xfrm>
+            <a:off x="6207971" y="6301210"/>
+            <a:ext cx="470247" cy="166599"/>
+          </a:xfrm>
+          <a:prstGeom prst="ellipse">
+            <a:avLst/>
+          </a:prstGeom>
+          <a:ln>
+            <a:noFill/>
+          </a:ln>
+        </p:spPr>
+        <p:style>
+          <a:lnRef idx="3">
+            <a:schemeClr val="lt1"/>
+          </a:lnRef>
+          <a:fillRef idx="1">
+            <a:schemeClr val="accent2"/>
+          </a:fillRef>
+          <a:effectRef idx="1">
+            <a:schemeClr val="accent2"/>
+          </a:effectRef>
+          <a:fontRef idx="minor">
+            <a:schemeClr val="lt1"/>
+          </a:fontRef>
+        </p:style>
+        <p:txBody>
+          <a:bodyPr vert="horz" rtlCol="0" anchor="ctr"/>
+          <a:lstStyle/>
+          <a:p>
+            <a:pPr algn="ctr"/>
+            <a:r>
+              <a:rPr kumimoji="1" lang="zh-CN" altLang="en-US" sz="525" dirty="0">
+                <a:ea typeface="黑体" panose="02010609060101010101" pitchFamily="49" charset="-122"/>
+              </a:rPr>
+              <a:t>收件地址</a:t>
+            </a:r>
+          </a:p>
+        </p:txBody>
+      </p:sp>
+      <p:sp>
+        <p:nvSpPr>
+          <p:cNvPr id="21" name="椭圆 20">
+            <a:extLst>
+              <a:ext uri="{FF2B5EF4-FFF2-40B4-BE49-F238E27FC236}">
+                <a16:creationId xmlns:a16="http://schemas.microsoft.com/office/drawing/2014/main" id="{959AAB8A-B927-D745-A5BA-5A4EA8002386}"/>
+              </a:ext>
+            </a:extLst>
+          </p:cNvPr>
+          <p:cNvSpPr/>
+          <p:nvPr/>
+        </p:nvSpPr>
+        <p:spPr>
+          <a:xfrm>
+            <a:off x="5117974" y="5374505"/>
+            <a:ext cx="470247" cy="166599"/>
+          </a:xfrm>
+          <a:prstGeom prst="ellipse">
+            <a:avLst/>
+          </a:prstGeom>
+          <a:ln>
+            <a:noFill/>
+          </a:ln>
+        </p:spPr>
+        <p:style>
+          <a:lnRef idx="3">
+            <a:schemeClr val="lt1"/>
+          </a:lnRef>
+          <a:fillRef idx="1">
+            <a:schemeClr val="accent2"/>
+          </a:fillRef>
+          <a:effectRef idx="1">
+            <a:schemeClr val="accent2"/>
+          </a:effectRef>
+          <a:fontRef idx="minor">
+            <a:schemeClr val="lt1"/>
+          </a:fontRef>
+        </p:style>
+        <p:txBody>
+          <a:bodyPr vert="horz" rtlCol="0" anchor="ctr"/>
+          <a:lstStyle/>
+          <a:p>
+            <a:pPr algn="ctr"/>
+            <a:r>
+              <a:rPr kumimoji="1" lang="zh-CN" altLang="en-US" sz="525" dirty="0">
+                <a:ea typeface="黑体" panose="02010609060101010101" pitchFamily="49" charset="-122"/>
+              </a:rPr>
+              <a:t>金额</a:t>
+            </a:r>
+          </a:p>
+        </p:txBody>
+      </p:sp>
+      <p:sp>
+        <p:nvSpPr>
+          <p:cNvPr id="22" name="菱形 21">
+            <a:extLst>
+              <a:ext uri="{FF2B5EF4-FFF2-40B4-BE49-F238E27FC236}">
+                <a16:creationId xmlns:a16="http://schemas.microsoft.com/office/drawing/2014/main" id="{CA2132BF-A5E9-9E43-AD3E-47585202FFE3}"/>
+              </a:ext>
+            </a:extLst>
+          </p:cNvPr>
+          <p:cNvSpPr/>
+          <p:nvPr/>
+        </p:nvSpPr>
+        <p:spPr>
+          <a:xfrm>
+            <a:off x="7092177" y="5828761"/>
+            <a:ext cx="472598" cy="378078"/>
+          </a:xfrm>
+          <a:prstGeom prst="diamond">
+            <a:avLst/>
+          </a:prstGeom>
+          <a:ln>
+            <a:noFill/>
+          </a:ln>
+        </p:spPr>
+        <p:style>
+          <a:lnRef idx="2">
+            <a:schemeClr val="accent6">
+              <a:shade val="50000"/>
+            </a:schemeClr>
+          </a:lnRef>
+          <a:fillRef idx="1">
+            <a:schemeClr val="accent6"/>
+          </a:fillRef>
+          <a:effectRef idx="0">
+            <a:schemeClr val="accent6"/>
+          </a:effectRef>
+          <a:fontRef idx="minor">
+            <a:schemeClr val="lt1"/>
+          </a:fontRef>
+        </p:style>
+        <p:txBody>
+          <a:bodyPr rtlCol="0" anchor="ctr"/>
+          <a:lstStyle/>
+          <a:p>
+            <a:pPr algn="ctr"/>
+            <a:r>
+              <a:rPr kumimoji="1" lang="zh-CN" altLang="en-US" sz="735" dirty="0">
+                <a:ea typeface="黑体" panose="02010609060101010101" pitchFamily="49" charset="-122"/>
+              </a:rPr>
+              <a:t>收件</a:t>
+            </a:r>
+          </a:p>
+        </p:txBody>
+      </p:sp>
+      <p:sp>
+        <p:nvSpPr>
+          <p:cNvPr id="23" name="菱形 22">
+            <a:extLst>
+              <a:ext uri="{FF2B5EF4-FFF2-40B4-BE49-F238E27FC236}">
+                <a16:creationId xmlns:a16="http://schemas.microsoft.com/office/drawing/2014/main" id="{CAE39550-D964-EA4E-8CF9-94E9F0FD2F5B}"/>
+              </a:ext>
+            </a:extLst>
+          </p:cNvPr>
+          <p:cNvSpPr/>
+          <p:nvPr/>
+        </p:nvSpPr>
+        <p:spPr>
+          <a:xfrm>
+            <a:off x="2346443" y="5828761"/>
+            <a:ext cx="472598" cy="378078"/>
+          </a:xfrm>
+          <a:prstGeom prst="diamond">
+            <a:avLst/>
+          </a:prstGeom>
+          <a:ln>
+            <a:noFill/>
+          </a:ln>
+        </p:spPr>
+        <p:style>
+          <a:lnRef idx="2">
+            <a:schemeClr val="accent6">
+              <a:shade val="50000"/>
+            </a:schemeClr>
+          </a:lnRef>
+          <a:fillRef idx="1">
+            <a:schemeClr val="accent6"/>
+          </a:fillRef>
+          <a:effectRef idx="0">
+            <a:schemeClr val="accent6"/>
+          </a:effectRef>
+          <a:fontRef idx="minor">
+            <a:schemeClr val="lt1"/>
+          </a:fontRef>
+        </p:style>
+        <p:txBody>
+          <a:bodyPr rtlCol="0" anchor="ctr"/>
+          <a:lstStyle/>
+          <a:p>
+            <a:pPr algn="ctr"/>
+            <a:r>
+              <a:rPr kumimoji="1" lang="zh-CN" altLang="en-US" sz="945" dirty="0">
+                <a:ea typeface="黑体" panose="02010609060101010101" pitchFamily="49" charset="-122"/>
+              </a:rPr>
+              <a:t>运出</a:t>
+            </a:r>
+          </a:p>
+        </p:txBody>
+      </p:sp>
+      <p:sp>
+        <p:nvSpPr>
+          <p:cNvPr id="32" name="椭圆 31">
+            <a:extLst>
+              <a:ext uri="{FF2B5EF4-FFF2-40B4-BE49-F238E27FC236}">
+                <a16:creationId xmlns:a16="http://schemas.microsoft.com/office/drawing/2014/main" id="{D5EC66F7-522E-1549-9312-E25C2F6E8EA1}"/>
+              </a:ext>
+            </a:extLst>
+          </p:cNvPr>
+          <p:cNvSpPr/>
+          <p:nvPr/>
+        </p:nvSpPr>
+        <p:spPr>
+          <a:xfrm>
+            <a:off x="3846916" y="6229238"/>
+            <a:ext cx="470247" cy="166599"/>
+          </a:xfrm>
+          <a:prstGeom prst="ellipse">
+            <a:avLst/>
+          </a:prstGeom>
+          <a:ln>
+            <a:noFill/>
+          </a:ln>
+        </p:spPr>
+        <p:style>
+          <a:lnRef idx="3">
+            <a:schemeClr val="lt1"/>
+          </a:lnRef>
+          <a:fillRef idx="1">
+            <a:schemeClr val="accent2"/>
+          </a:fillRef>
+          <a:effectRef idx="1">
+            <a:schemeClr val="accent2"/>
+          </a:effectRef>
+          <a:fontRef idx="minor">
+            <a:schemeClr val="lt1"/>
+          </a:fontRef>
+        </p:style>
+        <p:txBody>
+          <a:bodyPr vert="horz" rtlCol="0" anchor="ctr"/>
+          <a:lstStyle/>
+          <a:p>
+            <a:pPr algn="ctr"/>
+            <a:r>
+              <a:rPr kumimoji="1" lang="zh-CN" altLang="en-US" sz="525" dirty="0">
+                <a:ea typeface="黑体" panose="02010609060101010101" pitchFamily="49" charset="-122"/>
+              </a:rPr>
+              <a:t>用户名</a:t>
+            </a:r>
+          </a:p>
+        </p:txBody>
+      </p:sp>
+      <p:sp>
+        <p:nvSpPr>
+          <p:cNvPr id="33" name="椭圆 32">
+            <a:extLst>
+              <a:ext uri="{FF2B5EF4-FFF2-40B4-BE49-F238E27FC236}">
+                <a16:creationId xmlns:a16="http://schemas.microsoft.com/office/drawing/2014/main" id="{231E4540-645B-F14E-8444-C66AFEE52754}"/>
+              </a:ext>
+            </a:extLst>
+          </p:cNvPr>
+          <p:cNvSpPr/>
+          <p:nvPr/>
+        </p:nvSpPr>
+        <p:spPr>
+          <a:xfrm>
+            <a:off x="3094186" y="5279239"/>
+            <a:ext cx="470247" cy="166599"/>
+          </a:xfrm>
+          <a:prstGeom prst="ellipse">
+            <a:avLst/>
+          </a:prstGeom>
+          <a:ln>
+            <a:noFill/>
+          </a:ln>
+        </p:spPr>
+        <p:style>
+          <a:lnRef idx="3">
+            <a:schemeClr val="lt1"/>
+          </a:lnRef>
+          <a:fillRef idx="1">
+            <a:schemeClr val="accent2"/>
+          </a:fillRef>
+          <a:effectRef idx="1">
+            <a:schemeClr val="accent2"/>
+          </a:effectRef>
+          <a:fontRef idx="minor">
+            <a:schemeClr val="lt1"/>
+          </a:fontRef>
+        </p:style>
+        <p:txBody>
+          <a:bodyPr vert="horz" rtlCol="0" anchor="ctr"/>
+          <a:lstStyle/>
+          <a:p>
+            <a:pPr algn="ctr"/>
+            <a:r>
+              <a:rPr kumimoji="1" lang="zh-CN" altLang="en-US" sz="525" dirty="0">
+                <a:ea typeface="黑体" panose="02010609060101010101" pitchFamily="49" charset="-122"/>
+              </a:rPr>
+              <a:t>账号</a:t>
+            </a:r>
+          </a:p>
+        </p:txBody>
+      </p:sp>
+      <p:sp>
+        <p:nvSpPr>
+          <p:cNvPr id="34" name="椭圆 33">
+            <a:extLst>
+              <a:ext uri="{FF2B5EF4-FFF2-40B4-BE49-F238E27FC236}">
+                <a16:creationId xmlns:a16="http://schemas.microsoft.com/office/drawing/2014/main" id="{39B3046C-8329-7144-A2A3-D7A2ED18352F}"/>
+              </a:ext>
+            </a:extLst>
+          </p:cNvPr>
+          <p:cNvSpPr/>
+          <p:nvPr/>
+        </p:nvSpPr>
+        <p:spPr>
+          <a:xfrm>
+            <a:off x="3988501" y="5298987"/>
+            <a:ext cx="470247" cy="166599"/>
+          </a:xfrm>
+          <a:prstGeom prst="ellipse">
+            <a:avLst/>
+          </a:prstGeom>
+          <a:ln>
+            <a:noFill/>
+          </a:ln>
+        </p:spPr>
+        <p:style>
+          <a:lnRef idx="3">
+            <a:schemeClr val="lt1"/>
+          </a:lnRef>
+          <a:fillRef idx="1">
+            <a:schemeClr val="accent2"/>
+          </a:fillRef>
+          <a:effectRef idx="1">
+            <a:schemeClr val="accent2"/>
+          </a:effectRef>
+          <a:fontRef idx="minor">
+            <a:schemeClr val="lt1"/>
+          </a:fontRef>
+        </p:style>
+        <p:txBody>
+          <a:bodyPr vert="horz" rtlCol="0" anchor="ctr"/>
+          <a:lstStyle/>
+          <a:p>
+            <a:pPr algn="ctr"/>
+            <a:r>
+              <a:rPr kumimoji="1" lang="zh-CN" altLang="en-US" sz="525" dirty="0">
+                <a:ea typeface="黑体" panose="02010609060101010101" pitchFamily="49" charset="-122"/>
+              </a:rPr>
+              <a:t>密码</a:t>
+            </a:r>
+          </a:p>
+        </p:txBody>
+      </p:sp>
+      <p:sp>
+        <p:nvSpPr>
+          <p:cNvPr id="36" name="椭圆 35">
+            <a:extLst>
+              <a:ext uri="{FF2B5EF4-FFF2-40B4-BE49-F238E27FC236}">
+                <a16:creationId xmlns:a16="http://schemas.microsoft.com/office/drawing/2014/main" id="{C50905A3-8102-FF46-80ED-0EAE1D6F5F90}"/>
+              </a:ext>
+            </a:extLst>
+          </p:cNvPr>
+          <p:cNvSpPr/>
+          <p:nvPr/>
+        </p:nvSpPr>
+        <p:spPr>
+          <a:xfrm>
+            <a:off x="3071498" y="6202219"/>
+            <a:ext cx="470247" cy="166599"/>
+          </a:xfrm>
+          <a:prstGeom prst="ellipse">
+            <a:avLst/>
+          </a:prstGeom>
+          <a:ln>
+            <a:noFill/>
+          </a:ln>
+        </p:spPr>
+        <p:style>
+          <a:lnRef idx="3">
+            <a:schemeClr val="lt1"/>
+          </a:lnRef>
+          <a:fillRef idx="1">
+            <a:schemeClr val="accent2"/>
+          </a:fillRef>
+          <a:effectRef idx="1">
+            <a:schemeClr val="accent2"/>
+          </a:effectRef>
+          <a:fontRef idx="minor">
+            <a:schemeClr val="lt1"/>
+          </a:fontRef>
+        </p:style>
+        <p:txBody>
+          <a:bodyPr vert="horz" rtlCol="0" anchor="ctr"/>
+          <a:lstStyle/>
+          <a:p>
+            <a:pPr algn="ctr"/>
+            <a:r>
+              <a:rPr kumimoji="1" lang="zh-CN" altLang="en-US" sz="420" dirty="0">
+                <a:ea typeface="黑体" panose="02010609060101010101" pitchFamily="49" charset="-122"/>
+              </a:rPr>
+              <a:t>手机号码</a:t>
+            </a:r>
+          </a:p>
+        </p:txBody>
+      </p:sp>
+      <p:sp>
+        <p:nvSpPr>
+          <p:cNvPr id="38" name="菱形 37">
+            <a:extLst>
+              <a:ext uri="{FF2B5EF4-FFF2-40B4-BE49-F238E27FC236}">
+                <a16:creationId xmlns:a16="http://schemas.microsoft.com/office/drawing/2014/main" id="{1D51EBE3-11FE-B144-9609-4ABA02BEC22E}"/>
+              </a:ext>
+            </a:extLst>
+          </p:cNvPr>
+          <p:cNvSpPr/>
+          <p:nvPr/>
+        </p:nvSpPr>
+        <p:spPr>
+          <a:xfrm>
+            <a:off x="7092177" y="5357475"/>
+            <a:ext cx="472598" cy="378078"/>
+          </a:xfrm>
+          <a:prstGeom prst="diamond">
+            <a:avLst/>
+          </a:prstGeom>
+          <a:ln>
+            <a:noFill/>
+          </a:ln>
+        </p:spPr>
+        <p:style>
+          <a:lnRef idx="2">
+            <a:schemeClr val="accent6">
+              <a:shade val="50000"/>
+            </a:schemeClr>
+          </a:lnRef>
+          <a:fillRef idx="1">
+            <a:schemeClr val="accent6"/>
+          </a:fillRef>
+          <a:effectRef idx="0">
+            <a:schemeClr val="accent6"/>
+          </a:effectRef>
+          <a:fontRef idx="minor">
+            <a:schemeClr val="lt1"/>
+          </a:fontRef>
+        </p:style>
+        <p:txBody>
+          <a:bodyPr rtlCol="0" anchor="ctr"/>
+          <a:lstStyle/>
+          <a:p>
+            <a:pPr algn="ctr"/>
+            <a:r>
+              <a:rPr kumimoji="1" lang="zh-CN" altLang="en-US" sz="735" dirty="0">
+                <a:ea typeface="黑体" panose="02010609060101010101" pitchFamily="49" charset="-122"/>
+              </a:rPr>
+              <a:t>寄件</a:t>
+            </a:r>
+          </a:p>
+        </p:txBody>
+      </p:sp>
+      <p:sp>
+        <p:nvSpPr>
+          <p:cNvPr id="43" name="菱形 42">
+            <a:extLst>
+              <a:ext uri="{FF2B5EF4-FFF2-40B4-BE49-F238E27FC236}">
+                <a16:creationId xmlns:a16="http://schemas.microsoft.com/office/drawing/2014/main" id="{20D3E7AF-FA3C-8542-B5B8-05FA19273B92}"/>
+              </a:ext>
+            </a:extLst>
+          </p:cNvPr>
+          <p:cNvSpPr/>
+          <p:nvPr/>
+        </p:nvSpPr>
+        <p:spPr>
+          <a:xfrm>
+            <a:off x="4632727" y="5828761"/>
+            <a:ext cx="472598" cy="378078"/>
+          </a:xfrm>
+          <a:prstGeom prst="diamond">
+            <a:avLst/>
+          </a:prstGeom>
+          <a:ln>
+            <a:noFill/>
+          </a:ln>
+        </p:spPr>
+        <p:style>
+          <a:lnRef idx="2">
+            <a:schemeClr val="accent6">
+              <a:shade val="50000"/>
+            </a:schemeClr>
+          </a:lnRef>
+          <a:fillRef idx="1">
+            <a:schemeClr val="accent6"/>
+          </a:fillRef>
+          <a:effectRef idx="0">
+            <a:schemeClr val="accent6"/>
+          </a:effectRef>
+          <a:fontRef idx="minor">
+            <a:schemeClr val="lt1"/>
+          </a:fontRef>
+        </p:style>
+        <p:txBody>
+          <a:bodyPr rtlCol="0" anchor="ctr"/>
+          <a:lstStyle/>
+          <a:p>
+            <a:pPr algn="ctr"/>
+            <a:r>
+              <a:rPr kumimoji="1" lang="zh-CN" altLang="en-US" sz="735" dirty="0">
+                <a:ea typeface="黑体" panose="02010609060101010101" pitchFamily="49" charset="-122"/>
+              </a:rPr>
+              <a:t>派件</a:t>
+            </a:r>
+          </a:p>
+        </p:txBody>
+      </p:sp>
+      <p:sp>
+        <p:nvSpPr>
+          <p:cNvPr id="44" name="菱形 43">
+            <a:extLst>
+              <a:ext uri="{FF2B5EF4-FFF2-40B4-BE49-F238E27FC236}">
+                <a16:creationId xmlns:a16="http://schemas.microsoft.com/office/drawing/2014/main" id="{435ABC90-06D1-A847-9986-FCED0A9B6E9C}"/>
+              </a:ext>
+            </a:extLst>
+          </p:cNvPr>
+          <p:cNvSpPr/>
+          <p:nvPr/>
+        </p:nvSpPr>
+        <p:spPr>
+          <a:xfrm>
+            <a:off x="4632727" y="5357475"/>
+            <a:ext cx="472598" cy="378078"/>
+          </a:xfrm>
+          <a:prstGeom prst="diamond">
+            <a:avLst/>
+          </a:prstGeom>
+          <a:ln>
+            <a:noFill/>
+          </a:ln>
+        </p:spPr>
+        <p:style>
+          <a:lnRef idx="2">
+            <a:schemeClr val="accent6">
+              <a:shade val="50000"/>
+            </a:schemeClr>
+          </a:lnRef>
+          <a:fillRef idx="1">
+            <a:schemeClr val="accent6"/>
+          </a:fillRef>
+          <a:effectRef idx="0">
+            <a:schemeClr val="accent6"/>
+          </a:effectRef>
+          <a:fontRef idx="minor">
+            <a:schemeClr val="lt1"/>
+          </a:fontRef>
+        </p:style>
+        <p:txBody>
+          <a:bodyPr rtlCol="0" anchor="ctr"/>
+          <a:lstStyle/>
+          <a:p>
+            <a:pPr algn="ctr"/>
+            <a:r>
+              <a:rPr kumimoji="1" lang="zh-CN" altLang="en-US" sz="735" dirty="0">
+                <a:ea typeface="黑体" panose="02010609060101010101" pitchFamily="49" charset="-122"/>
+              </a:rPr>
+              <a:t>揽件</a:t>
+            </a:r>
+          </a:p>
+        </p:txBody>
+      </p:sp>
+      <p:sp>
+        <p:nvSpPr>
+          <p:cNvPr id="45" name="菱形 44">
+            <a:extLst>
+              <a:ext uri="{FF2B5EF4-FFF2-40B4-BE49-F238E27FC236}">
+                <a16:creationId xmlns:a16="http://schemas.microsoft.com/office/drawing/2014/main" id="{94E41F92-8AC0-3243-B487-93A087E1BFBF}"/>
+              </a:ext>
+            </a:extLst>
+          </p:cNvPr>
+          <p:cNvSpPr/>
+          <p:nvPr/>
+        </p:nvSpPr>
+        <p:spPr>
+          <a:xfrm>
+            <a:off x="2339567" y="5357475"/>
+            <a:ext cx="472598" cy="378078"/>
+          </a:xfrm>
+          <a:prstGeom prst="diamond">
+            <a:avLst/>
+          </a:prstGeom>
+          <a:ln>
+            <a:noFill/>
+          </a:ln>
+        </p:spPr>
+        <p:style>
+          <a:lnRef idx="2">
+            <a:schemeClr val="accent6">
+              <a:shade val="50000"/>
+            </a:schemeClr>
+          </a:lnRef>
+          <a:fillRef idx="1">
+            <a:schemeClr val="accent6"/>
+          </a:fillRef>
+          <a:effectRef idx="0">
+            <a:schemeClr val="accent6"/>
+          </a:effectRef>
+          <a:fontRef idx="minor">
+            <a:schemeClr val="lt1"/>
+          </a:fontRef>
+        </p:style>
+        <p:txBody>
+          <a:bodyPr rtlCol="0" anchor="ctr"/>
+          <a:lstStyle/>
+          <a:p>
+            <a:pPr algn="ctr"/>
+            <a:r>
+              <a:rPr kumimoji="1" lang="zh-CN" altLang="en-US" sz="945" dirty="0">
+                <a:ea typeface="黑体" panose="02010609060101010101" pitchFamily="49" charset="-122"/>
+              </a:rPr>
+              <a:t>运入</a:t>
+            </a:r>
+          </a:p>
+        </p:txBody>
+      </p:sp>
+      <p:sp>
+        <p:nvSpPr>
+          <p:cNvPr id="54" name="椭圆 53">
+            <a:extLst>
+              <a:ext uri="{FF2B5EF4-FFF2-40B4-BE49-F238E27FC236}">
+                <a16:creationId xmlns:a16="http://schemas.microsoft.com/office/drawing/2014/main" id="{3D75C05B-1232-6B46-BEC8-62F450C4F36B}"/>
+              </a:ext>
+            </a:extLst>
+          </p:cNvPr>
+          <p:cNvSpPr/>
+          <p:nvPr/>
+        </p:nvSpPr>
+        <p:spPr>
+          <a:xfrm>
+            <a:off x="6802621" y="4826199"/>
+            <a:ext cx="470247" cy="166599"/>
+          </a:xfrm>
+          <a:prstGeom prst="ellipse">
+            <a:avLst/>
+          </a:prstGeom>
+          <a:solidFill>
+            <a:schemeClr val="accent4"/>
+          </a:solidFill>
+          <a:ln>
+            <a:noFill/>
+          </a:ln>
+        </p:spPr>
+        <p:style>
+          <a:lnRef idx="3">
+            <a:schemeClr val="lt1"/>
+          </a:lnRef>
+          <a:fillRef idx="1">
+            <a:schemeClr val="accent2"/>
+          </a:fillRef>
+          <a:effectRef idx="1">
+            <a:schemeClr val="accent2"/>
+          </a:effectRef>
+          <a:fontRef idx="minor">
+            <a:schemeClr val="lt1"/>
+          </a:fontRef>
+        </p:style>
+        <p:txBody>
+          <a:bodyPr vert="horz" rtlCol="0" anchor="ctr"/>
+          <a:lstStyle/>
+          <a:p>
+            <a:pPr algn="ctr"/>
+            <a:r>
+              <a:rPr kumimoji="1" lang="zh-CN" altLang="en-US" sz="420" dirty="0">
+                <a:ea typeface="黑体" panose="02010609060101010101" pitchFamily="49" charset="-122"/>
+              </a:rPr>
+              <a:t>已揽件</a:t>
+            </a:r>
+          </a:p>
+        </p:txBody>
+      </p:sp>
+      <p:sp>
+        <p:nvSpPr>
+          <p:cNvPr id="55" name="椭圆 54">
+            <a:extLst>
+              <a:ext uri="{FF2B5EF4-FFF2-40B4-BE49-F238E27FC236}">
+                <a16:creationId xmlns:a16="http://schemas.microsoft.com/office/drawing/2014/main" id="{84EA7BFC-FAC1-7644-8ABA-7417F9FBC886}"/>
+              </a:ext>
+            </a:extLst>
+          </p:cNvPr>
+          <p:cNvSpPr/>
+          <p:nvPr/>
+        </p:nvSpPr>
+        <p:spPr>
+          <a:xfrm>
+            <a:off x="6776921" y="5113690"/>
+            <a:ext cx="470247" cy="166599"/>
+          </a:xfrm>
+          <a:prstGeom prst="ellipse">
+            <a:avLst/>
+          </a:prstGeom>
+          <a:solidFill>
+            <a:schemeClr val="accent4"/>
+          </a:solidFill>
+          <a:ln>
+            <a:noFill/>
+          </a:ln>
+        </p:spPr>
+        <p:style>
+          <a:lnRef idx="3">
+            <a:schemeClr val="lt1"/>
+          </a:lnRef>
+          <a:fillRef idx="1">
+            <a:schemeClr val="accent2"/>
+          </a:fillRef>
+          <a:effectRef idx="1">
+            <a:schemeClr val="accent2"/>
+          </a:effectRef>
+          <a:fontRef idx="minor">
+            <a:schemeClr val="lt1"/>
+          </a:fontRef>
+        </p:style>
+        <p:txBody>
+          <a:bodyPr vert="horz" rtlCol="0" anchor="ctr"/>
+          <a:lstStyle/>
+          <a:p>
+            <a:pPr algn="ctr"/>
+            <a:r>
+              <a:rPr kumimoji="1" lang="zh-CN" altLang="en-US" sz="420" dirty="0">
+                <a:ea typeface="黑体" panose="02010609060101010101" pitchFamily="49" charset="-122"/>
+              </a:rPr>
+              <a:t>派件中</a:t>
+            </a:r>
+            <a:endParaRPr kumimoji="1" lang="en-US" altLang="zh-CN" sz="420" dirty="0">
+              <a:ea typeface="黑体" panose="02010609060101010101" pitchFamily="49" charset="-122"/>
+            </a:endParaRPr>
+          </a:p>
+        </p:txBody>
+      </p:sp>
+      <p:sp>
+        <p:nvSpPr>
+          <p:cNvPr id="56" name="椭圆 55">
+            <a:extLst>
+              <a:ext uri="{FF2B5EF4-FFF2-40B4-BE49-F238E27FC236}">
+                <a16:creationId xmlns:a16="http://schemas.microsoft.com/office/drawing/2014/main" id="{4B9CF821-589E-4A4A-8A1C-EFFB572ADD3B}"/>
+              </a:ext>
+            </a:extLst>
+          </p:cNvPr>
+          <p:cNvSpPr/>
+          <p:nvPr/>
+        </p:nvSpPr>
+        <p:spPr>
+          <a:xfrm>
+            <a:off x="7383374" y="4914146"/>
+            <a:ext cx="470247" cy="166599"/>
+          </a:xfrm>
+          <a:prstGeom prst="ellipse">
+            <a:avLst/>
+          </a:prstGeom>
+          <a:solidFill>
+            <a:schemeClr val="accent4"/>
+          </a:solidFill>
+          <a:ln>
+            <a:noFill/>
+          </a:ln>
+        </p:spPr>
+        <p:style>
+          <a:lnRef idx="3">
+            <a:schemeClr val="lt1"/>
+          </a:lnRef>
+          <a:fillRef idx="1">
+            <a:schemeClr val="accent2"/>
+          </a:fillRef>
+          <a:effectRef idx="1">
+            <a:schemeClr val="accent2"/>
+          </a:effectRef>
+          <a:fontRef idx="minor">
+            <a:schemeClr val="lt1"/>
+          </a:fontRef>
+        </p:style>
+        <p:txBody>
+          <a:bodyPr vert="horz" rtlCol="0" anchor="ctr"/>
+          <a:lstStyle/>
+          <a:p>
+            <a:pPr algn="ctr"/>
+            <a:r>
+              <a:rPr kumimoji="1" lang="zh-CN" altLang="en-US" sz="420" dirty="0">
+                <a:ea typeface="黑体" panose="02010609060101010101" pitchFamily="49" charset="-122"/>
+              </a:rPr>
+              <a:t>已签收</a:t>
+            </a:r>
+            <a:endParaRPr kumimoji="1" lang="en-US" altLang="zh-CN" sz="420" dirty="0">
+              <a:ea typeface="黑体" panose="02010609060101010101" pitchFamily="49" charset="-122"/>
+            </a:endParaRPr>
+          </a:p>
+        </p:txBody>
+      </p:sp>
+      <p:sp>
+        <p:nvSpPr>
+          <p:cNvPr id="59" name="椭圆 58">
+            <a:extLst>
+              <a:ext uri="{FF2B5EF4-FFF2-40B4-BE49-F238E27FC236}">
+                <a16:creationId xmlns:a16="http://schemas.microsoft.com/office/drawing/2014/main" id="{677231F6-80E7-C949-879E-8EB835DC7F3A}"/>
+              </a:ext>
+            </a:extLst>
+          </p:cNvPr>
+          <p:cNvSpPr/>
+          <p:nvPr/>
+        </p:nvSpPr>
+        <p:spPr>
+          <a:xfrm>
+            <a:off x="4143602" y="3006079"/>
+            <a:ext cx="470247" cy="166599"/>
+          </a:xfrm>
+          <a:prstGeom prst="ellipse">
+            <a:avLst/>
+          </a:prstGeom>
+          <a:ln>
+            <a:noFill/>
+          </a:ln>
+        </p:spPr>
+        <p:style>
+          <a:lnRef idx="3">
+            <a:schemeClr val="lt1"/>
+          </a:lnRef>
+          <a:fillRef idx="1">
+            <a:schemeClr val="accent2"/>
+          </a:fillRef>
+          <a:effectRef idx="1">
+            <a:schemeClr val="accent2"/>
+          </a:effectRef>
+          <a:fontRef idx="minor">
+            <a:schemeClr val="lt1"/>
+          </a:fontRef>
+        </p:style>
+        <p:txBody>
+          <a:bodyPr vert="horz" rtlCol="0" anchor="ctr"/>
+          <a:lstStyle/>
+          <a:p>
+            <a:pPr algn="ctr"/>
+            <a:r>
+              <a:rPr kumimoji="1" lang="zh-CN" altLang="en-US" sz="525" dirty="0">
+                <a:ea typeface="黑体" panose="02010609060101010101" pitchFamily="49" charset="-122"/>
+              </a:rPr>
+              <a:t>运费单价</a:t>
+            </a:r>
+          </a:p>
+        </p:txBody>
+      </p:sp>
+      <p:sp>
+        <p:nvSpPr>
+          <p:cNvPr id="60" name="椭圆 59">
+            <a:extLst>
+              <a:ext uri="{FF2B5EF4-FFF2-40B4-BE49-F238E27FC236}">
+                <a16:creationId xmlns:a16="http://schemas.microsoft.com/office/drawing/2014/main" id="{A7BCDB4E-EFFA-5547-BFD9-A95FBF72EBA2}"/>
+              </a:ext>
+            </a:extLst>
+          </p:cNvPr>
+          <p:cNvSpPr/>
+          <p:nvPr/>
+        </p:nvSpPr>
+        <p:spPr>
+          <a:xfrm>
+            <a:off x="4735032" y="2916664"/>
+            <a:ext cx="470247" cy="166599"/>
+          </a:xfrm>
+          <a:prstGeom prst="ellipse">
+            <a:avLst/>
+          </a:prstGeom>
+          <a:ln>
+            <a:noFill/>
+          </a:ln>
+        </p:spPr>
+        <p:style>
+          <a:lnRef idx="3">
+            <a:schemeClr val="lt1"/>
+          </a:lnRef>
+          <a:fillRef idx="1">
+            <a:schemeClr val="accent2"/>
+          </a:fillRef>
+          <a:effectRef idx="1">
+            <a:schemeClr val="accent2"/>
+          </a:effectRef>
+          <a:fontRef idx="minor">
+            <a:schemeClr val="lt1"/>
+          </a:fontRef>
+        </p:style>
+        <p:txBody>
+          <a:bodyPr vert="horz" rtlCol="0" anchor="ctr"/>
+          <a:lstStyle/>
+          <a:p>
+            <a:pPr algn="ctr"/>
+            <a:r>
+              <a:rPr kumimoji="1" lang="zh-CN" altLang="en-US" sz="525" dirty="0">
+                <a:ea typeface="黑体" panose="02010609060101010101" pitchFamily="49" charset="-122"/>
+              </a:rPr>
+              <a:t>驿站单价</a:t>
+            </a:r>
+          </a:p>
+        </p:txBody>
+      </p:sp>
+      <p:sp>
+        <p:nvSpPr>
+          <p:cNvPr id="87" name="文本框 86">
+            <a:extLst>
+              <a:ext uri="{FF2B5EF4-FFF2-40B4-BE49-F238E27FC236}">
+                <a16:creationId xmlns:a16="http://schemas.microsoft.com/office/drawing/2014/main" id="{5B154602-EC7C-C84D-A2CA-EC1E95427BD5}"/>
+              </a:ext>
+            </a:extLst>
+          </p:cNvPr>
+          <p:cNvSpPr txBox="1"/>
+          <p:nvPr/>
+        </p:nvSpPr>
+        <p:spPr>
+          <a:xfrm>
+            <a:off x="4920613" y="4848102"/>
+            <a:ext cx="1243523" cy="173124"/>
+          </a:xfrm>
+          <a:prstGeom prst="rect">
+            <a:avLst/>
+          </a:prstGeom>
+          <a:noFill/>
+        </p:spPr>
+        <p:txBody>
+          <a:bodyPr wrap="square" lIns="94500" rtlCol="0">
+            <a:spAutoFit/>
+          </a:bodyPr>
+          <a:lstStyle/>
+          <a:p>
+            <a:r>
+              <a:rPr kumimoji="1" lang="zh-CN" altLang="en-US" sz="525" dirty="0">
+                <a:ea typeface="黑体" panose="02010609060101010101" pitchFamily="49" charset="-122"/>
+              </a:rPr>
+              <a:t>驿站收件，确认快递信息 ，已揽件</a:t>
+            </a:r>
+          </a:p>
+        </p:txBody>
+      </p:sp>
+      <p:sp>
+        <p:nvSpPr>
+          <p:cNvPr id="88" name="文本框 87">
+            <a:extLst>
+              <a:ext uri="{FF2B5EF4-FFF2-40B4-BE49-F238E27FC236}">
+                <a16:creationId xmlns:a16="http://schemas.microsoft.com/office/drawing/2014/main" id="{7FE4462B-CB2D-764A-81A3-8EB0A627DB48}"/>
+              </a:ext>
+            </a:extLst>
+          </p:cNvPr>
+          <p:cNvSpPr txBox="1"/>
+          <p:nvPr/>
+        </p:nvSpPr>
+        <p:spPr>
+          <a:xfrm>
+            <a:off x="2491311" y="4601340"/>
+            <a:ext cx="2827882" cy="173124"/>
+          </a:xfrm>
+          <a:prstGeom prst="rect">
+            <a:avLst/>
+          </a:prstGeom>
+          <a:noFill/>
+        </p:spPr>
+        <p:txBody>
+          <a:bodyPr wrap="square" lIns="94500" rtlCol="0">
+            <a:spAutoFit/>
+          </a:bodyPr>
+          <a:lstStyle/>
+          <a:p>
+            <a:r>
+              <a:rPr kumimoji="1" lang="zh-CN" altLang="en-US" sz="525" dirty="0">
+                <a:ea typeface="黑体" panose="02010609060101010101" pitchFamily="49" charset="-122"/>
+              </a:rPr>
+              <a:t>修改物流信息  运送中 由**发放**</a:t>
+            </a:r>
+          </a:p>
+        </p:txBody>
+      </p:sp>
+      <p:sp>
+        <p:nvSpPr>
+          <p:cNvPr id="91" name="文本框 90">
+            <a:extLst>
+              <a:ext uri="{FF2B5EF4-FFF2-40B4-BE49-F238E27FC236}">
+                <a16:creationId xmlns:a16="http://schemas.microsoft.com/office/drawing/2014/main" id="{BD896805-71EF-174E-88A2-020FCB8E6816}"/>
+              </a:ext>
+            </a:extLst>
+          </p:cNvPr>
+          <p:cNvSpPr txBox="1"/>
+          <p:nvPr/>
+        </p:nvSpPr>
+        <p:spPr>
+          <a:xfrm>
+            <a:off x="2493695" y="6990899"/>
+            <a:ext cx="2827882" cy="173124"/>
+          </a:xfrm>
+          <a:prstGeom prst="rect">
+            <a:avLst/>
+          </a:prstGeom>
+          <a:noFill/>
+        </p:spPr>
+        <p:txBody>
+          <a:bodyPr wrap="square" lIns="94500" rtlCol="0">
+            <a:spAutoFit/>
+          </a:bodyPr>
+          <a:lstStyle/>
+          <a:p>
+            <a:r>
+              <a:rPr kumimoji="1" lang="zh-CN" altLang="en-US" sz="525" dirty="0">
+                <a:ea typeface="黑体" panose="02010609060101010101" pitchFamily="49" charset="-122"/>
+              </a:rPr>
+              <a:t>修改物流信息  运送中 由**发放**</a:t>
+            </a:r>
+          </a:p>
+        </p:txBody>
+      </p:sp>
+      <p:sp>
+        <p:nvSpPr>
+          <p:cNvPr id="92" name="文本框 91">
+            <a:extLst>
+              <a:ext uri="{FF2B5EF4-FFF2-40B4-BE49-F238E27FC236}">
+                <a16:creationId xmlns:a16="http://schemas.microsoft.com/office/drawing/2014/main" id="{E621B89B-FCEE-7841-8E74-7886A6576DAF}"/>
+              </a:ext>
+            </a:extLst>
+          </p:cNvPr>
+          <p:cNvSpPr txBox="1"/>
+          <p:nvPr/>
+        </p:nvSpPr>
+        <p:spPr>
+          <a:xfrm>
+            <a:off x="4822136" y="6786807"/>
+            <a:ext cx="2827882" cy="173124"/>
+          </a:xfrm>
+          <a:prstGeom prst="rect">
+            <a:avLst/>
+          </a:prstGeom>
+          <a:noFill/>
+        </p:spPr>
+        <p:txBody>
+          <a:bodyPr wrap="square" lIns="94500" rtlCol="0">
+            <a:spAutoFit/>
+          </a:bodyPr>
+          <a:lstStyle/>
+          <a:p>
+            <a:r>
+              <a:rPr kumimoji="1" lang="zh-CN" altLang="en-US" sz="525" dirty="0">
+                <a:ea typeface="黑体" panose="02010609060101010101" pitchFamily="49" charset="-122"/>
+              </a:rPr>
+              <a:t>驿站派件 派送中</a:t>
+            </a:r>
+          </a:p>
+        </p:txBody>
+      </p:sp>
+      <p:sp>
+        <p:nvSpPr>
+          <p:cNvPr id="93" name="文本框 92">
+            <a:extLst>
+              <a:ext uri="{FF2B5EF4-FFF2-40B4-BE49-F238E27FC236}">
+                <a16:creationId xmlns:a16="http://schemas.microsoft.com/office/drawing/2014/main" id="{2337AF3D-321F-8748-AD52-097C8FA21A3F}"/>
+              </a:ext>
+            </a:extLst>
+          </p:cNvPr>
+          <p:cNvSpPr txBox="1"/>
+          <p:nvPr/>
+        </p:nvSpPr>
+        <p:spPr>
+          <a:xfrm>
+            <a:off x="6236077" y="6596478"/>
+            <a:ext cx="2827882" cy="173124"/>
+          </a:xfrm>
+          <a:prstGeom prst="rect">
+            <a:avLst/>
+          </a:prstGeom>
+          <a:noFill/>
+        </p:spPr>
+        <p:txBody>
+          <a:bodyPr wrap="square" lIns="94500" rtlCol="0">
+            <a:spAutoFit/>
+          </a:bodyPr>
+          <a:lstStyle/>
+          <a:p>
+            <a:r>
+              <a:rPr kumimoji="1" lang="zh-CN" altLang="en-US" sz="525" dirty="0">
+                <a:ea typeface="黑体" panose="02010609060101010101" pitchFamily="49" charset="-122"/>
+              </a:rPr>
+              <a:t>收件人确认收货 已签收</a:t>
+            </a:r>
+          </a:p>
+        </p:txBody>
+      </p:sp>
+      <p:sp>
+        <p:nvSpPr>
+          <p:cNvPr id="98" name="椭圆 97">
+            <a:extLst>
+              <a:ext uri="{FF2B5EF4-FFF2-40B4-BE49-F238E27FC236}">
+                <a16:creationId xmlns:a16="http://schemas.microsoft.com/office/drawing/2014/main" id="{140D8914-DC6D-874B-A009-F351BCC00666}"/>
+              </a:ext>
+            </a:extLst>
+          </p:cNvPr>
+          <p:cNvSpPr/>
+          <p:nvPr/>
+        </p:nvSpPr>
+        <p:spPr>
+          <a:xfrm>
+            <a:off x="3371140" y="4914146"/>
+            <a:ext cx="470247" cy="166599"/>
+          </a:xfrm>
+          <a:prstGeom prst="ellipse">
+            <a:avLst/>
+          </a:prstGeom>
+          <a:ln>
+            <a:noFill/>
+          </a:ln>
+        </p:spPr>
+        <p:style>
+          <a:lnRef idx="3">
+            <a:schemeClr val="lt1"/>
+          </a:lnRef>
+          <a:fillRef idx="1">
+            <a:schemeClr val="accent2"/>
+          </a:fillRef>
+          <a:effectRef idx="1">
+            <a:schemeClr val="accent2"/>
+          </a:effectRef>
+          <a:fontRef idx="minor">
+            <a:schemeClr val="lt1"/>
+          </a:fontRef>
+        </p:style>
+        <p:txBody>
+          <a:bodyPr vert="horz" rtlCol="0" anchor="ctr"/>
+          <a:lstStyle/>
+          <a:p>
+            <a:pPr algn="ctr"/>
+            <a:r>
+              <a:rPr kumimoji="1" lang="zh-CN" altLang="en-US" sz="420" dirty="0">
+                <a:ea typeface="黑体" panose="02010609060101010101" pitchFamily="49" charset="-122"/>
+              </a:rPr>
+              <a:t>地址</a:t>
+            </a:r>
+          </a:p>
+        </p:txBody>
+      </p:sp>
+      <p:sp>
+        <p:nvSpPr>
+          <p:cNvPr id="100" name="椭圆 99">
+            <a:extLst>
+              <a:ext uri="{FF2B5EF4-FFF2-40B4-BE49-F238E27FC236}">
+                <a16:creationId xmlns:a16="http://schemas.microsoft.com/office/drawing/2014/main" id="{36CE3DFD-63BF-5A4D-80DF-14EF4C6B5AD8}"/>
+              </a:ext>
+            </a:extLst>
+          </p:cNvPr>
+          <p:cNvSpPr/>
+          <p:nvPr/>
+        </p:nvSpPr>
+        <p:spPr>
+          <a:xfrm>
+            <a:off x="6224833" y="4759976"/>
+            <a:ext cx="470247" cy="166599"/>
+          </a:xfrm>
+          <a:prstGeom prst="ellipse">
+            <a:avLst/>
+          </a:prstGeom>
+          <a:solidFill>
+            <a:schemeClr val="accent4"/>
+          </a:solidFill>
+          <a:ln>
+            <a:noFill/>
+          </a:ln>
+        </p:spPr>
+        <p:style>
+          <a:lnRef idx="3">
+            <a:schemeClr val="lt1"/>
+          </a:lnRef>
+          <a:fillRef idx="1">
+            <a:schemeClr val="accent2"/>
+          </a:fillRef>
+          <a:effectRef idx="1">
+            <a:schemeClr val="accent2"/>
+          </a:effectRef>
+          <a:fontRef idx="minor">
+            <a:schemeClr val="lt1"/>
+          </a:fontRef>
+        </p:style>
+        <p:txBody>
+          <a:bodyPr vert="horz" rtlCol="0" anchor="ctr"/>
+          <a:lstStyle/>
+          <a:p>
+            <a:pPr algn="ctr"/>
+            <a:r>
+              <a:rPr kumimoji="1" lang="zh-CN" altLang="en-US" sz="420" dirty="0">
+                <a:ea typeface="黑体" panose="02010609060101010101" pitchFamily="49" charset="-122"/>
+              </a:rPr>
+              <a:t>待揽件</a:t>
+            </a:r>
+            <a:endParaRPr kumimoji="1" lang="en-US" altLang="zh-CN" sz="420" dirty="0">
+              <a:ea typeface="黑体" panose="02010609060101010101" pitchFamily="49" charset="-122"/>
+            </a:endParaRPr>
+          </a:p>
+        </p:txBody>
+      </p:sp>
+      <p:sp>
+        <p:nvSpPr>
+          <p:cNvPr id="101" name="椭圆 100">
+            <a:extLst>
+              <a:ext uri="{FF2B5EF4-FFF2-40B4-BE49-F238E27FC236}">
+                <a16:creationId xmlns:a16="http://schemas.microsoft.com/office/drawing/2014/main" id="{DEBF4416-6B1E-0B44-9618-7C50040F17BF}"/>
+              </a:ext>
+            </a:extLst>
+          </p:cNvPr>
+          <p:cNvSpPr/>
+          <p:nvPr/>
+        </p:nvSpPr>
+        <p:spPr>
+          <a:xfrm>
+            <a:off x="6636908" y="4632659"/>
+            <a:ext cx="470247" cy="166599"/>
+          </a:xfrm>
+          <a:prstGeom prst="ellipse">
+            <a:avLst/>
+          </a:prstGeom>
+          <a:solidFill>
+            <a:schemeClr val="accent4"/>
+          </a:solidFill>
+          <a:ln>
+            <a:noFill/>
+          </a:ln>
+        </p:spPr>
+        <p:style>
+          <a:lnRef idx="3">
+            <a:schemeClr val="lt1"/>
+          </a:lnRef>
+          <a:fillRef idx="1">
+            <a:schemeClr val="accent2"/>
+          </a:fillRef>
+          <a:effectRef idx="1">
+            <a:schemeClr val="accent2"/>
+          </a:effectRef>
+          <a:fontRef idx="minor">
+            <a:schemeClr val="lt1"/>
+          </a:fontRef>
+        </p:style>
+        <p:txBody>
+          <a:bodyPr vert="horz" rtlCol="0" anchor="ctr"/>
+          <a:lstStyle/>
+          <a:p>
+            <a:pPr algn="ctr"/>
+            <a:r>
+              <a:rPr kumimoji="1" lang="zh-CN" altLang="en-US" sz="420" dirty="0">
+                <a:ea typeface="黑体" panose="02010609060101010101" pitchFamily="49" charset="-122"/>
+              </a:rPr>
+              <a:t>运输中</a:t>
+            </a:r>
+            <a:endParaRPr kumimoji="1" lang="en-US" altLang="zh-CN" sz="420" dirty="0">
+              <a:ea typeface="黑体" panose="02010609060101010101" pitchFamily="49" charset="-122"/>
+            </a:endParaRPr>
+          </a:p>
+        </p:txBody>
+      </p:sp>
+      <p:sp>
+        <p:nvSpPr>
+          <p:cNvPr id="35" name="菱形 34">
+            <a:extLst>
+              <a:ext uri="{FF2B5EF4-FFF2-40B4-BE49-F238E27FC236}">
+                <a16:creationId xmlns:a16="http://schemas.microsoft.com/office/drawing/2014/main" id="{3E7DBD24-4AFB-C647-B894-F4EB606E35C2}"/>
+              </a:ext>
+            </a:extLst>
+          </p:cNvPr>
+          <p:cNvSpPr/>
+          <p:nvPr/>
+        </p:nvSpPr>
+        <p:spPr>
+          <a:xfrm>
+            <a:off x="3411656" y="3874198"/>
+            <a:ext cx="756862" cy="378078"/>
+          </a:xfrm>
+          <a:prstGeom prst="diamond">
+            <a:avLst/>
+          </a:prstGeom>
+          <a:ln>
+            <a:noFill/>
+          </a:ln>
+        </p:spPr>
+        <p:style>
+          <a:lnRef idx="2">
+            <a:schemeClr val="accent6">
+              <a:shade val="50000"/>
+            </a:schemeClr>
+          </a:lnRef>
+          <a:fillRef idx="1">
+            <a:schemeClr val="accent6"/>
+          </a:fillRef>
+          <a:effectRef idx="0">
+            <a:schemeClr val="accent6"/>
+          </a:effectRef>
+          <a:fontRef idx="minor">
+            <a:schemeClr val="lt1"/>
+          </a:fontRef>
+        </p:style>
+        <p:txBody>
+          <a:bodyPr rtlCol="0" anchor="ctr"/>
+          <a:lstStyle/>
+          <a:p>
+            <a:pPr algn="ctr"/>
+            <a:r>
+              <a:rPr kumimoji="1" lang="zh-CN" altLang="en-US" sz="630" dirty="0">
+                <a:ea typeface="黑体" panose="02010609060101010101" pitchFamily="49" charset="-122"/>
+              </a:rPr>
+              <a:t>增减人员  </a:t>
+            </a:r>
+          </a:p>
+        </p:txBody>
+      </p:sp>
+      <p:sp>
+        <p:nvSpPr>
+          <p:cNvPr id="62" name="菱形 61">
+            <a:extLst>
+              <a:ext uri="{FF2B5EF4-FFF2-40B4-BE49-F238E27FC236}">
+                <a16:creationId xmlns:a16="http://schemas.microsoft.com/office/drawing/2014/main" id="{0F33426B-C304-1242-A9A7-66AAC32E6714}"/>
+              </a:ext>
+            </a:extLst>
+          </p:cNvPr>
+          <p:cNvSpPr/>
+          <p:nvPr/>
+        </p:nvSpPr>
+        <p:spPr>
+          <a:xfrm>
+            <a:off x="5817878" y="3907629"/>
+            <a:ext cx="756862" cy="378078"/>
+          </a:xfrm>
+          <a:prstGeom prst="diamond">
+            <a:avLst/>
+          </a:prstGeom>
+          <a:ln>
+            <a:noFill/>
+          </a:ln>
+        </p:spPr>
+        <p:style>
+          <a:lnRef idx="2">
+            <a:schemeClr val="accent6">
+              <a:shade val="50000"/>
+            </a:schemeClr>
+          </a:lnRef>
+          <a:fillRef idx="1">
+            <a:schemeClr val="accent6"/>
+          </a:fillRef>
+          <a:effectRef idx="0">
+            <a:schemeClr val="accent6"/>
+          </a:effectRef>
+          <a:fontRef idx="minor">
+            <a:schemeClr val="lt1"/>
+          </a:fontRef>
+        </p:style>
+        <p:txBody>
+          <a:bodyPr rtlCol="0" anchor="ctr"/>
+          <a:lstStyle/>
+          <a:p>
+            <a:pPr algn="ctr"/>
+            <a:r>
+              <a:rPr kumimoji="1" lang="zh-CN" altLang="en-US" sz="630" dirty="0">
+                <a:ea typeface="黑体" panose="02010609060101010101" pitchFamily="49" charset="-122"/>
+              </a:rPr>
+              <a:t>删除包裹</a:t>
+            </a:r>
+          </a:p>
+        </p:txBody>
+      </p:sp>
+      <p:sp>
+        <p:nvSpPr>
+          <p:cNvPr id="67" name="椭圆 66">
+            <a:extLst>
+              <a:ext uri="{FF2B5EF4-FFF2-40B4-BE49-F238E27FC236}">
+                <a16:creationId xmlns:a16="http://schemas.microsoft.com/office/drawing/2014/main" id="{7A6D1987-8B6C-BE42-B17C-13B02697FDAD}"/>
+              </a:ext>
+            </a:extLst>
+          </p:cNvPr>
+          <p:cNvSpPr/>
+          <p:nvPr/>
+        </p:nvSpPr>
+        <p:spPr>
+          <a:xfrm>
+            <a:off x="3790087" y="3329296"/>
+            <a:ext cx="470247" cy="166599"/>
+          </a:xfrm>
+          <a:prstGeom prst="ellipse">
+            <a:avLst/>
+          </a:prstGeom>
+          <a:ln>
+            <a:noFill/>
+          </a:ln>
+        </p:spPr>
+        <p:style>
+          <a:lnRef idx="3">
+            <a:schemeClr val="lt1"/>
+          </a:lnRef>
+          <a:fillRef idx="1">
+            <a:schemeClr val="accent2"/>
+          </a:fillRef>
+          <a:effectRef idx="1">
+            <a:schemeClr val="accent2"/>
+          </a:effectRef>
+          <a:fontRef idx="minor">
+            <a:schemeClr val="lt1"/>
+          </a:fontRef>
+        </p:style>
+        <p:txBody>
+          <a:bodyPr vert="horz" rtlCol="0" anchor="ctr"/>
+          <a:lstStyle/>
+          <a:p>
+            <a:pPr algn="ctr"/>
+            <a:r>
+              <a:rPr kumimoji="1" lang="zh-CN" altLang="en-US" sz="525" dirty="0">
+                <a:ea typeface="黑体" panose="02010609060101010101" pitchFamily="49" charset="-122"/>
+              </a:rPr>
+              <a:t>账号</a:t>
+            </a:r>
+          </a:p>
+        </p:txBody>
+      </p:sp>
+      <p:sp>
+        <p:nvSpPr>
+          <p:cNvPr id="68" name="椭圆 67">
+            <a:extLst>
+              <a:ext uri="{FF2B5EF4-FFF2-40B4-BE49-F238E27FC236}">
+                <a16:creationId xmlns:a16="http://schemas.microsoft.com/office/drawing/2014/main" id="{D3E7C801-9809-6048-9605-8844ED9E3784}"/>
+              </a:ext>
+            </a:extLst>
+          </p:cNvPr>
+          <p:cNvSpPr/>
+          <p:nvPr/>
+        </p:nvSpPr>
+        <p:spPr>
+          <a:xfrm>
+            <a:off x="5417008" y="3049633"/>
+            <a:ext cx="470247" cy="166599"/>
+          </a:xfrm>
+          <a:prstGeom prst="ellipse">
+            <a:avLst/>
+          </a:prstGeom>
+          <a:ln>
+            <a:noFill/>
+          </a:ln>
+        </p:spPr>
+        <p:style>
+          <a:lnRef idx="3">
+            <a:schemeClr val="lt1"/>
+          </a:lnRef>
+          <a:fillRef idx="1">
+            <a:schemeClr val="accent2"/>
+          </a:fillRef>
+          <a:effectRef idx="1">
+            <a:schemeClr val="accent2"/>
+          </a:effectRef>
+          <a:fontRef idx="minor">
+            <a:schemeClr val="lt1"/>
+          </a:fontRef>
+        </p:style>
+        <p:txBody>
+          <a:bodyPr vert="horz" rtlCol="0" anchor="ctr"/>
+          <a:lstStyle/>
+          <a:p>
+            <a:pPr algn="ctr"/>
+            <a:r>
+              <a:rPr kumimoji="1" lang="zh-CN" altLang="en-US" sz="525" dirty="0">
+                <a:ea typeface="黑体" panose="02010609060101010101" pitchFamily="49" charset="-122"/>
+              </a:rPr>
+              <a:t>密码</a:t>
+            </a:r>
+          </a:p>
+        </p:txBody>
+      </p:sp>
+      <p:sp>
+        <p:nvSpPr>
+          <p:cNvPr id="69" name="椭圆 68">
+            <a:extLst>
+              <a:ext uri="{FF2B5EF4-FFF2-40B4-BE49-F238E27FC236}">
+                <a16:creationId xmlns:a16="http://schemas.microsoft.com/office/drawing/2014/main" id="{BC89DEDC-2D23-904B-804C-A5A55E7EFFBD}"/>
+              </a:ext>
+            </a:extLst>
+          </p:cNvPr>
+          <p:cNvSpPr/>
+          <p:nvPr/>
+        </p:nvSpPr>
+        <p:spPr>
+          <a:xfrm>
+            <a:off x="5188815" y="6271077"/>
+            <a:ext cx="470247" cy="166599"/>
+          </a:xfrm>
+          <a:prstGeom prst="ellipse">
+            <a:avLst/>
+          </a:prstGeom>
+          <a:ln>
+            <a:noFill/>
+          </a:ln>
+        </p:spPr>
+        <p:style>
+          <a:lnRef idx="3">
+            <a:schemeClr val="lt1"/>
+          </a:lnRef>
+          <a:fillRef idx="1">
+            <a:schemeClr val="accent2"/>
+          </a:fillRef>
+          <a:effectRef idx="1">
+            <a:schemeClr val="accent2"/>
+          </a:effectRef>
+          <a:fontRef idx="minor">
+            <a:schemeClr val="lt1"/>
+          </a:fontRef>
+        </p:style>
+        <p:txBody>
+          <a:bodyPr vert="horz" rtlCol="0" anchor="ctr"/>
+          <a:lstStyle/>
+          <a:p>
+            <a:pPr algn="ctr"/>
+            <a:r>
+              <a:rPr kumimoji="1" lang="zh-CN" altLang="en-US" sz="525" dirty="0">
+                <a:ea typeface="黑体" panose="02010609060101010101" pitchFamily="49" charset="-122"/>
+              </a:rPr>
+              <a:t>寄件详细地址</a:t>
+            </a:r>
+          </a:p>
+        </p:txBody>
+      </p:sp>
+      <p:sp>
+        <p:nvSpPr>
+          <p:cNvPr id="70" name="椭圆 69">
+            <a:extLst>
+              <a:ext uri="{FF2B5EF4-FFF2-40B4-BE49-F238E27FC236}">
+                <a16:creationId xmlns:a16="http://schemas.microsoft.com/office/drawing/2014/main" id="{97BEA124-E1A8-094E-8A8C-4F8E064769B7}"/>
+              </a:ext>
+            </a:extLst>
+          </p:cNvPr>
+          <p:cNvSpPr/>
+          <p:nvPr/>
+        </p:nvSpPr>
+        <p:spPr>
+          <a:xfrm>
+            <a:off x="5713810" y="5261249"/>
+            <a:ext cx="470247" cy="166599"/>
+          </a:xfrm>
+          <a:prstGeom prst="ellipse">
+            <a:avLst/>
+          </a:prstGeom>
+          <a:ln>
+            <a:noFill/>
+          </a:ln>
+        </p:spPr>
+        <p:style>
+          <a:lnRef idx="3">
+            <a:schemeClr val="lt1"/>
+          </a:lnRef>
+          <a:fillRef idx="1">
+            <a:schemeClr val="accent2"/>
+          </a:fillRef>
+          <a:effectRef idx="1">
+            <a:schemeClr val="accent2"/>
+          </a:effectRef>
+          <a:fontRef idx="minor">
+            <a:schemeClr val="lt1"/>
+          </a:fontRef>
+        </p:style>
+        <p:txBody>
+          <a:bodyPr vert="horz" rtlCol="0" anchor="ctr"/>
+          <a:lstStyle/>
+          <a:p>
+            <a:pPr algn="ctr"/>
+            <a:r>
+              <a:rPr kumimoji="1" lang="zh-CN" altLang="en-US" sz="525" dirty="0">
+                <a:ea typeface="黑体" panose="02010609060101010101" pitchFamily="49" charset="-122"/>
+              </a:rPr>
+              <a:t>收件详细地址</a:t>
+            </a:r>
+          </a:p>
+        </p:txBody>
+      </p:sp>
+      <p:sp>
+        <p:nvSpPr>
+          <p:cNvPr id="71" name="椭圆 70">
+            <a:extLst>
+              <a:ext uri="{FF2B5EF4-FFF2-40B4-BE49-F238E27FC236}">
+                <a16:creationId xmlns:a16="http://schemas.microsoft.com/office/drawing/2014/main" id="{79A4BD85-2CD6-F746-AB62-B3EF938426E4}"/>
+              </a:ext>
+            </a:extLst>
+          </p:cNvPr>
+          <p:cNvSpPr/>
+          <p:nvPr/>
+        </p:nvSpPr>
+        <p:spPr>
+          <a:xfrm>
+            <a:off x="6737151" y="6195601"/>
+            <a:ext cx="470247" cy="166599"/>
+          </a:xfrm>
+          <a:prstGeom prst="ellipse">
+            <a:avLst/>
+          </a:prstGeom>
+          <a:ln>
+            <a:noFill/>
+          </a:ln>
+        </p:spPr>
+        <p:style>
+          <a:lnRef idx="3">
+            <a:schemeClr val="lt1"/>
+          </a:lnRef>
+          <a:fillRef idx="1">
+            <a:schemeClr val="accent2"/>
+          </a:fillRef>
+          <a:effectRef idx="1">
+            <a:schemeClr val="accent2"/>
+          </a:effectRef>
+          <a:fontRef idx="minor">
+            <a:schemeClr val="lt1"/>
+          </a:fontRef>
+        </p:style>
+        <p:txBody>
+          <a:bodyPr vert="horz" rtlCol="0" anchor="ctr"/>
+          <a:lstStyle/>
+          <a:p>
+            <a:pPr algn="ctr"/>
+            <a:r>
+              <a:rPr kumimoji="1" lang="zh-CN" altLang="en-US" sz="525" dirty="0">
+                <a:ea typeface="黑体" panose="02010609060101010101" pitchFamily="49" charset="-122"/>
+              </a:rPr>
+              <a:t>收件电话</a:t>
+            </a:r>
+          </a:p>
+        </p:txBody>
+      </p:sp>
+      <p:sp>
+        <p:nvSpPr>
+          <p:cNvPr id="72" name="椭圆 71">
+            <a:extLst>
+              <a:ext uri="{FF2B5EF4-FFF2-40B4-BE49-F238E27FC236}">
+                <a16:creationId xmlns:a16="http://schemas.microsoft.com/office/drawing/2014/main" id="{7EB3A4DA-C836-F543-91C8-05C617F09677}"/>
+              </a:ext>
+            </a:extLst>
+          </p:cNvPr>
+          <p:cNvSpPr/>
+          <p:nvPr/>
+        </p:nvSpPr>
+        <p:spPr>
+          <a:xfrm>
+            <a:off x="5611283" y="6418015"/>
+            <a:ext cx="470247" cy="166599"/>
+          </a:xfrm>
+          <a:prstGeom prst="ellipse">
+            <a:avLst/>
+          </a:prstGeom>
+          <a:ln>
+            <a:noFill/>
+          </a:ln>
+        </p:spPr>
+        <p:style>
+          <a:lnRef idx="3">
+            <a:schemeClr val="lt1"/>
+          </a:lnRef>
+          <a:fillRef idx="1">
+            <a:schemeClr val="accent2"/>
+          </a:fillRef>
+          <a:effectRef idx="1">
+            <a:schemeClr val="accent2"/>
+          </a:effectRef>
+          <a:fontRef idx="minor">
+            <a:schemeClr val="lt1"/>
+          </a:fontRef>
+        </p:style>
+        <p:txBody>
+          <a:bodyPr vert="horz" rtlCol="0" anchor="ctr"/>
+          <a:lstStyle/>
+          <a:p>
+            <a:pPr algn="ctr"/>
+            <a:r>
+              <a:rPr kumimoji="1" lang="zh-CN" altLang="en-US" sz="525" dirty="0">
+                <a:ea typeface="黑体" panose="02010609060101010101" pitchFamily="49" charset="-122"/>
+              </a:rPr>
+              <a:t>寄件电话</a:t>
+            </a:r>
+          </a:p>
+        </p:txBody>
+      </p:sp>
+      <p:sp>
+        <p:nvSpPr>
+          <p:cNvPr id="73" name="菱形 72">
+            <a:extLst>
+              <a:ext uri="{FF2B5EF4-FFF2-40B4-BE49-F238E27FC236}">
+                <a16:creationId xmlns:a16="http://schemas.microsoft.com/office/drawing/2014/main" id="{7B19C9B4-199F-374E-A8C9-DA2081B91DB1}"/>
+              </a:ext>
+            </a:extLst>
+          </p:cNvPr>
+          <p:cNvSpPr/>
+          <p:nvPr/>
+        </p:nvSpPr>
+        <p:spPr>
+          <a:xfrm>
+            <a:off x="4632727" y="3907680"/>
+            <a:ext cx="756862" cy="378078"/>
+          </a:xfrm>
+          <a:prstGeom prst="diamond">
+            <a:avLst/>
+          </a:prstGeom>
+          <a:ln>
+            <a:noFill/>
+          </a:ln>
+        </p:spPr>
+        <p:style>
+          <a:lnRef idx="2">
+            <a:schemeClr val="accent6">
+              <a:shade val="50000"/>
+            </a:schemeClr>
+          </a:lnRef>
+          <a:fillRef idx="1">
+            <a:schemeClr val="accent6"/>
+          </a:fillRef>
+          <a:effectRef idx="0">
+            <a:schemeClr val="accent6"/>
+          </a:effectRef>
+          <a:fontRef idx="minor">
+            <a:schemeClr val="lt1"/>
+          </a:fontRef>
+        </p:style>
+        <p:txBody>
+          <a:bodyPr rtlCol="0" anchor="ctr"/>
+          <a:lstStyle/>
+          <a:p>
+            <a:pPr algn="ctr"/>
+            <a:r>
+              <a:rPr kumimoji="1" lang="zh-CN" altLang="en-US" sz="630" dirty="0">
+                <a:ea typeface="黑体" panose="02010609060101010101" pitchFamily="49" charset="-122"/>
+              </a:rPr>
+              <a:t>统计分析</a:t>
+            </a:r>
+          </a:p>
+        </p:txBody>
+      </p:sp>
+    </p:spTree>
+    <p:extLst>
+      <p:ext uri="{BB962C8B-B14F-4D97-AF65-F5344CB8AC3E}">
+        <p14:creationId xmlns:p14="http://schemas.microsoft.com/office/powerpoint/2010/main" val="1680921374"/>
+      </p:ext>
+    </p:extLst>
+  </p:cSld>
+  <p:clrMapOvr>
+    <a:masterClrMapping/>
+  </p:clrMapOvr>
+</p:sld>
+</file>
+
+<file path=ppt/slides/slide7.xml><?xml version="1.0" encoding="utf-8"?>
 <p:sld xmlns:a="http://schemas.openxmlformats.org/drawingml/2006/main" xmlns:r="http://schemas.openxmlformats.org/officeDocument/2006/relationships" xmlns:p="http://schemas.openxmlformats.org/presentationml/2006/main">
   <p:cSld>
     <p:spTree>
